--- a/Lecture/Tidy Data 2/Tidy_Data_2_Lecture.pptx
+++ b/Lecture/Tidy Data 2/Tidy_Data_2_Lecture.pptx
@@ -6,10 +6,10 @@
     <p:sldMasterId id="2147483676" r:id="rId2"/>
   </p:sldMasterIdLst>
   <p:notesMasterIdLst>
-    <p:notesMasterId r:id="rId11"/>
+    <p:notesMasterId r:id="rId13"/>
   </p:notesMasterIdLst>
   <p:handoutMasterIdLst>
-    <p:handoutMasterId r:id="rId12"/>
+    <p:handoutMasterId r:id="rId14"/>
   </p:handoutMasterIdLst>
   <p:sldIdLst>
     <p:sldId id="320" r:id="rId3"/>
@@ -19,12 +19,14 @@
     <p:sldId id="393" r:id="rId7"/>
     <p:sldId id="394" r:id="rId8"/>
     <p:sldId id="395" r:id="rId9"/>
-    <p:sldId id="329" r:id="rId10"/>
+    <p:sldId id="396" r:id="rId10"/>
+    <p:sldId id="397" r:id="rId11"/>
+    <p:sldId id="329" r:id="rId12"/>
   </p:sldIdLst>
   <p:sldSz cx="9144000" cy="6858000" type="screen4x3"/>
   <p:notesSz cx="6858000" cy="9144000"/>
   <p:custDataLst>
-    <p:tags r:id="rId13"/>
+    <p:tags r:id="rId15"/>
   </p:custDataLst>
   <p:defaultTextStyle>
     <a:defPPr>
@@ -295,7 +297,7 @@
               <a:pPr>
                 <a:defRPr/>
               </a:pPr>
-              <a:t>9/27/2018</a:t>
+              <a:t>2/6/2023</a:t>
             </a:fld>
             <a:endParaRPr lang="en-US" dirty="0"/>
           </a:p>
@@ -507,7 +509,7 @@
               <a:pPr>
                 <a:defRPr/>
               </a:pPr>
-              <a:t>9/27/2018</a:t>
+              <a:t>2/6/2023</a:t>
             </a:fld>
             <a:endParaRPr lang="en-US" dirty="0"/>
           </a:p>
@@ -1026,7 +1028,7 @@
               <a:pPr>
                 <a:defRPr/>
               </a:pPr>
-              <a:t>9/27/2018</a:t>
+              <a:t>2/6/2023</a:t>
             </a:fld>
             <a:endParaRPr lang="en-US" dirty="0"/>
           </a:p>
@@ -1216,7 +1218,7 @@
               <a:pPr>
                 <a:defRPr/>
               </a:pPr>
-              <a:t>9/27/2018</a:t>
+              <a:t>2/6/2023</a:t>
             </a:fld>
             <a:endParaRPr lang="en-US" dirty="0"/>
           </a:p>
@@ -1416,7 +1418,7 @@
               <a:pPr>
                 <a:defRPr/>
               </a:pPr>
-              <a:t>9/27/2018</a:t>
+              <a:t>2/6/2023</a:t>
             </a:fld>
             <a:endParaRPr lang="en-US" dirty="0"/>
           </a:p>
@@ -1684,7 +1686,7 @@
               <a:pPr>
                 <a:defRPr/>
               </a:pPr>
-              <a:t>9/27/2018</a:t>
+              <a:t>2/6/2023</a:t>
             </a:fld>
             <a:endParaRPr lang="en-US" dirty="0">
               <a:solidFill>
@@ -1898,7 +1900,7 @@
               <a:pPr>
                 <a:defRPr/>
               </a:pPr>
-              <a:t>9/27/2018</a:t>
+              <a:t>2/6/2023</a:t>
             </a:fld>
             <a:endParaRPr lang="en-US" dirty="0">
               <a:solidFill>
@@ -2189,7 +2191,7 @@
               <a:pPr>
                 <a:defRPr/>
               </a:pPr>
-              <a:t>9/27/2018</a:t>
+              <a:t>2/6/2023</a:t>
             </a:fld>
             <a:endParaRPr lang="en-US" dirty="0">
               <a:solidFill>
@@ -2520,7 +2522,7 @@
               <a:pPr>
                 <a:defRPr/>
               </a:pPr>
-              <a:t>9/27/2018</a:t>
+              <a:t>2/6/2023</a:t>
             </a:fld>
             <a:endParaRPr lang="en-US" dirty="0">
               <a:solidFill>
@@ -2985,7 +2987,7 @@
               <a:pPr>
                 <a:defRPr/>
               </a:pPr>
-              <a:t>9/27/2018</a:t>
+              <a:t>2/6/2023</a:t>
             </a:fld>
             <a:endParaRPr lang="en-US" dirty="0">
               <a:solidFill>
@@ -3148,7 +3150,7 @@
               <a:pPr>
                 <a:defRPr/>
               </a:pPr>
-              <a:t>9/27/2018</a:t>
+              <a:t>2/6/2023</a:t>
             </a:fld>
             <a:endParaRPr lang="en-US" dirty="0">
               <a:solidFill>
@@ -3289,7 +3291,7 @@
               <a:pPr>
                 <a:defRPr/>
               </a:pPr>
-              <a:t>9/27/2018</a:t>
+              <a:t>2/6/2023</a:t>
             </a:fld>
             <a:endParaRPr lang="en-US" dirty="0">
               <a:solidFill>
@@ -3610,7 +3612,7 @@
               <a:pPr>
                 <a:defRPr/>
               </a:pPr>
-              <a:t>9/27/2018</a:t>
+              <a:t>2/6/2023</a:t>
             </a:fld>
             <a:endParaRPr lang="en-US" dirty="0">
               <a:solidFill>
@@ -3818,7 +3820,7 @@
               <a:pPr>
                 <a:defRPr/>
               </a:pPr>
-              <a:t>9/27/2018</a:t>
+              <a:t>2/6/2023</a:t>
             </a:fld>
             <a:endParaRPr lang="en-US" dirty="0"/>
           </a:p>
@@ -4101,7 +4103,7 @@
               <a:pPr>
                 <a:defRPr/>
               </a:pPr>
-              <a:t>9/27/2018</a:t>
+              <a:t>2/6/2023</a:t>
             </a:fld>
             <a:endParaRPr lang="en-US" dirty="0">
               <a:solidFill>
@@ -4315,7 +4317,7 @@
               <a:pPr>
                 <a:defRPr/>
               </a:pPr>
-              <a:t>9/27/2018</a:t>
+              <a:t>2/6/2023</a:t>
             </a:fld>
             <a:endParaRPr lang="en-US" dirty="0">
               <a:solidFill>
@@ -4539,7 +4541,7 @@
               <a:pPr>
                 <a:defRPr/>
               </a:pPr>
-              <a:t>9/27/2018</a:t>
+              <a:t>2/6/2023</a:t>
             </a:fld>
             <a:endParaRPr lang="en-US" dirty="0">
               <a:solidFill>
@@ -4749,7 +4751,7 @@
               <a:pPr>
                 <a:defRPr/>
               </a:pPr>
-              <a:t>9/27/2018</a:t>
+              <a:t>2/6/2023</a:t>
             </a:fld>
             <a:endParaRPr lang="en-US" dirty="0">
               <a:solidFill>
@@ -5026,7 +5028,7 @@
               <a:pPr>
                 <a:defRPr/>
               </a:pPr>
-              <a:t>9/27/2018</a:t>
+              <a:t>2/6/2023</a:t>
             </a:fld>
             <a:endParaRPr lang="en-US" dirty="0"/>
           </a:p>
@@ -5333,7 +5335,7 @@
               <a:pPr>
                 <a:defRPr/>
               </a:pPr>
-              <a:t>9/27/2018</a:t>
+              <a:t>2/6/2023</a:t>
             </a:fld>
             <a:endParaRPr lang="en-US" dirty="0"/>
           </a:p>
@@ -5774,7 +5776,7 @@
               <a:pPr>
                 <a:defRPr/>
               </a:pPr>
-              <a:t>9/27/2018</a:t>
+              <a:t>2/6/2023</a:t>
             </a:fld>
             <a:endParaRPr lang="en-US" dirty="0"/>
           </a:p>
@@ -5913,7 +5915,7 @@
               <a:pPr>
                 <a:defRPr/>
               </a:pPr>
-              <a:t>9/27/2018</a:t>
+              <a:t>2/6/2023</a:t>
             </a:fld>
             <a:endParaRPr lang="en-US" dirty="0"/>
           </a:p>
@@ -6030,7 +6032,7 @@
               <a:pPr>
                 <a:defRPr/>
               </a:pPr>
-              <a:t>9/27/2018</a:t>
+              <a:t>2/6/2023</a:t>
             </a:fld>
             <a:endParaRPr lang="en-US" dirty="0"/>
           </a:p>
@@ -6327,7 +6329,7 @@
               <a:pPr>
                 <a:defRPr/>
               </a:pPr>
-              <a:t>9/27/2018</a:t>
+              <a:t>2/6/2023</a:t>
             </a:fld>
             <a:endParaRPr lang="en-US" dirty="0"/>
           </a:p>
@@ -6604,7 +6606,7 @@
               <a:pPr>
                 <a:defRPr/>
               </a:pPr>
-              <a:t>9/27/2018</a:t>
+              <a:t>2/6/2023</a:t>
             </a:fld>
             <a:endParaRPr lang="en-US" dirty="0"/>
           </a:p>
@@ -6861,7 +6863,7 @@
               <a:pPr>
                 <a:defRPr/>
               </a:pPr>
-              <a:t>9/27/2018</a:t>
+              <a:t>2/6/2023</a:t>
             </a:fld>
             <a:endParaRPr lang="en-US" dirty="0"/>
           </a:p>
@@ -7571,7 +7573,7 @@
               <a:pPr>
                 <a:defRPr/>
               </a:pPr>
-              <a:t>9/27/2018</a:t>
+              <a:t>2/6/2023</a:t>
             </a:fld>
             <a:endParaRPr lang="en-US" dirty="0">
               <a:solidFill>
@@ -8455,1842 +8457,7 @@
 </p:sld>
 </file>
 
-<file path=ppt/slides/slide2.xml><?xml version="1.0" encoding="utf-8"?>
-<p:sld xmlns:a="http://schemas.openxmlformats.org/drawingml/2006/main" xmlns:r="http://schemas.openxmlformats.org/officeDocument/2006/relationships" xmlns:p="http://schemas.openxmlformats.org/presentationml/2006/main">
-  <p:cSld>
-    <p:bg>
-      <p:bgPr>
-        <a:solidFill>
-          <a:schemeClr val="bg1">
-            <a:lumMod val="85000"/>
-          </a:schemeClr>
-        </a:solidFill>
-        <a:effectLst/>
-      </p:bgPr>
-    </p:bg>
-    <p:spTree>
-      <p:nvGrpSpPr>
-        <p:cNvPr id="1" name=""/>
-        <p:cNvGrpSpPr/>
-        <p:nvPr/>
-      </p:nvGrpSpPr>
-      <p:grpSpPr>
-        <a:xfrm>
-          <a:off x="0" y="0"/>
-          <a:ext cx="0" cy="0"/>
-          <a:chOff x="0" y="0"/>
-          <a:chExt cx="0" cy="0"/>
-        </a:xfrm>
-      </p:grpSpPr>
-      <p:sp>
-        <p:nvSpPr>
-          <p:cNvPr id="15" name="Rectangle 12">
-            <a:extLst>
-              <a:ext uri="{FF2B5EF4-FFF2-40B4-BE49-F238E27FC236}">
-                <a16:creationId xmlns:a16="http://schemas.microsoft.com/office/drawing/2014/main" id="{867D4867-5BA7-4462-B2F6-A23F4A622AA7}"/>
-              </a:ext>
-              <a:ext uri="{C183D7F6-B498-43B3-948B-1728B52AA6E4}">
-                <adec:decorative xmlns:adec="http://schemas.microsoft.com/office/drawing/2017/decorative" val="1"/>
-              </a:ext>
-            </a:extLst>
-          </p:cNvPr>
-          <p:cNvSpPr>
-            <a:spLocks noGrp="1" noRot="1" noChangeAspect="1" noMove="1" noResize="1" noEditPoints="1" noAdjustHandles="1" noChangeArrowheads="1" noChangeShapeType="1" noTextEdit="1"/>
-          </p:cNvSpPr>
-          <p:nvPr>
-            <p:extLst>
-              <p:ext uri="{386F3935-93C4-4BCD-93E2-E3B085C9AB24}">
-                <p16:designElem xmlns:p16="http://schemas.microsoft.com/office/powerpoint/2015/main" val="1"/>
-              </p:ext>
-            </p:extLst>
-          </p:nvPr>
-        </p:nvSpPr>
-        <p:spPr>
-          <a:xfrm>
-            <a:off x="0" y="0"/>
-            <a:ext cx="3490722" cy="6858000"/>
-          </a:xfrm>
-          <a:prstGeom prst="rect">
-            <a:avLst/>
-          </a:prstGeom>
-          <a:solidFill>
-            <a:schemeClr val="tx1">
-              <a:lumMod val="75000"/>
-              <a:lumOff val="25000"/>
-            </a:schemeClr>
-          </a:solidFill>
-          <a:ln>
-            <a:noFill/>
-          </a:ln>
-        </p:spPr>
-        <p:style>
-          <a:lnRef idx="0">
-            <a:scrgbClr r="0" g="0" b="0"/>
-          </a:lnRef>
-          <a:fillRef idx="0">
-            <a:scrgbClr r="0" g="0" b="0"/>
-          </a:fillRef>
-          <a:effectRef idx="0">
-            <a:scrgbClr r="0" g="0" b="0"/>
-          </a:effectRef>
-          <a:fontRef idx="minor">
-            <a:schemeClr val="lt1"/>
-          </a:fontRef>
-        </p:style>
-        <p:txBody>
-          <a:bodyPr rtlCol="0" anchor="ctr"/>
-          <a:lstStyle/>
-          <a:p>
-            <a:pPr marL="0" marR="0" lvl="0" indent="0" algn="ctr" defTabSz="457200" rtl="0" eaLnBrk="1" fontAlgn="base" latinLnBrk="0" hangingPunct="1">
-              <a:lnSpc>
-                <a:spcPct val="100000"/>
-              </a:lnSpc>
-              <a:spcBef>
-                <a:spcPct val="0"/>
-              </a:spcBef>
-              <a:spcAft>
-                <a:spcPct val="0"/>
-              </a:spcAft>
-              <a:buClrTx/>
-              <a:buSzTx/>
-              <a:buFontTx/>
-              <a:buNone/>
-              <a:tabLst/>
-              <a:defRPr/>
-            </a:pPr>
-            <a:endParaRPr kumimoji="0" lang="en-US" sz="2400" b="0" i="0" u="none" strike="noStrike" kern="1200" cap="none" spc="0" normalizeH="0" baseline="0" noProof="0">
-              <a:ln>
-                <a:noFill/>
-              </a:ln>
-              <a:solidFill>
-                <a:prstClr val="white"/>
-              </a:solidFill>
-              <a:effectLst/>
-              <a:uLnTx/>
-              <a:uFillTx/>
-              <a:latin typeface="Calibri"/>
-              <a:ea typeface="+mn-ea"/>
-              <a:cs typeface="+mn-cs"/>
-            </a:endParaRPr>
-          </a:p>
-        </p:txBody>
-      </p:sp>
-      <p:sp>
-        <p:nvSpPr>
-          <p:cNvPr id="2" name="Title 1"/>
-          <p:cNvSpPr>
-            <a:spLocks noGrp="1"/>
-          </p:cNvSpPr>
-          <p:nvPr>
-            <p:ph type="title"/>
-          </p:nvPr>
-        </p:nvSpPr>
-        <p:spPr>
-          <a:xfrm>
-            <a:off x="482600" y="643467"/>
-            <a:ext cx="2522980" cy="1597315"/>
-          </a:xfrm>
-          <a:noFill/>
-          <a:ln w="19050">
-            <a:solidFill>
-              <a:schemeClr val="bg1"/>
-            </a:solidFill>
-          </a:ln>
-        </p:spPr>
-        <p:txBody>
-          <a:bodyPr vert="horz" wrap="square" lIns="91440" tIns="45720" rIns="91440" bIns="45720" rtlCol="0" anchor="ctr">
-            <a:normAutofit/>
-          </a:bodyPr>
-          <a:lstStyle/>
-          <a:p>
-            <a:pPr defTabSz="914400" eaLnBrk="1" hangingPunct="1">
-              <a:lnSpc>
-                <a:spcPct val="90000"/>
-              </a:lnSpc>
-            </a:pPr>
-            <a:r>
-              <a:rPr lang="en-US" sz="2400" kern="1200" dirty="0">
-                <a:solidFill>
-                  <a:schemeClr val="bg1"/>
-                </a:solidFill>
-                <a:latin typeface="+mj-lt"/>
-                <a:ea typeface="+mj-ea"/>
-                <a:cs typeface="+mj-cs"/>
-              </a:rPr>
-              <a:t>Missing Values</a:t>
-            </a:r>
-          </a:p>
-        </p:txBody>
-      </p:sp>
-      <p:pic>
-        <p:nvPicPr>
-          <p:cNvPr id="8" name="Picture 7">
-            <a:extLst>
-              <a:ext uri="{FF2B5EF4-FFF2-40B4-BE49-F238E27FC236}">
-                <a16:creationId xmlns:a16="http://schemas.microsoft.com/office/drawing/2014/main" id="{521D4292-9ECC-4DA5-8CC0-C561A0DA118E}"/>
-              </a:ext>
-            </a:extLst>
-          </p:cNvPr>
-          <p:cNvPicPr>
-            <a:picLocks noChangeAspect="1"/>
-          </p:cNvPicPr>
-          <p:nvPr/>
-        </p:nvPicPr>
-        <p:blipFill rotWithShape="1">
-          <a:blip r:embed="rId3"/>
-          <a:srcRect l="8000" r="9400"/>
-          <a:stretch/>
-        </p:blipFill>
-        <p:spPr>
-          <a:xfrm>
-            <a:off x="660103" y="3048000"/>
-            <a:ext cx="2167974" cy="2624666"/>
-          </a:xfrm>
-          <a:prstGeom prst="rect">
-            <a:avLst/>
-          </a:prstGeom>
-          <a:noFill/>
-        </p:spPr>
-      </p:pic>
-      <p:sp>
-        <p:nvSpPr>
-          <p:cNvPr id="6" name="TextBox 5">
-            <a:extLst>
-              <a:ext uri="{FF2B5EF4-FFF2-40B4-BE49-F238E27FC236}">
-                <a16:creationId xmlns:a16="http://schemas.microsoft.com/office/drawing/2014/main" id="{E58EF064-51FF-48A9-8810-E84BE6F6F09D}"/>
-              </a:ext>
-            </a:extLst>
-          </p:cNvPr>
-          <p:cNvSpPr txBox="1"/>
-          <p:nvPr/>
-        </p:nvSpPr>
-        <p:spPr>
-          <a:xfrm>
-            <a:off x="3810000" y="621916"/>
-            <a:ext cx="5029200" cy="5262979"/>
-          </a:xfrm>
-          <a:prstGeom prst="rect">
-            <a:avLst/>
-          </a:prstGeom>
-          <a:noFill/>
-        </p:spPr>
-        <p:txBody>
-          <a:bodyPr wrap="square" rtlCol="0">
-            <a:spAutoFit/>
-          </a:bodyPr>
-          <a:lstStyle/>
-          <a:p>
-            <a:pPr marL="342900" indent="-342900">
-              <a:buFont typeface="Arial" panose="020B0604020202020204" pitchFamily="34" charset="0"/>
-              <a:buChar char="•"/>
-            </a:pPr>
-            <a:r>
-              <a:rPr lang="en-US" dirty="0">
-                <a:solidFill>
-                  <a:srgbClr val="404040"/>
-                </a:solidFill>
-              </a:rPr>
-              <a:t>Two Ways</a:t>
-            </a:r>
-          </a:p>
-          <a:p>
-            <a:pPr marL="342900" indent="-342900">
-              <a:buFont typeface="Arial" panose="020B0604020202020204" pitchFamily="34" charset="0"/>
-              <a:buChar char="•"/>
-            </a:pPr>
-            <a:endParaRPr lang="en-US" dirty="0">
-              <a:solidFill>
-                <a:srgbClr val="404040"/>
-              </a:solidFill>
-            </a:endParaRPr>
-          </a:p>
-          <a:p>
-            <a:pPr marL="800100" lvl="1" indent="-342900">
-              <a:buFont typeface="Arial" panose="020B0604020202020204" pitchFamily="34" charset="0"/>
-              <a:buChar char="•"/>
-            </a:pPr>
-            <a:r>
-              <a:rPr lang="en-US" dirty="0">
-                <a:solidFill>
-                  <a:srgbClr val="404040"/>
-                </a:solidFill>
-              </a:rPr>
-              <a:t>Explicitly: Defined to Be Missing Using NA </a:t>
-            </a:r>
-          </a:p>
-          <a:p>
-            <a:pPr lvl="1"/>
-            <a:endParaRPr lang="en-US" dirty="0">
-              <a:solidFill>
-                <a:srgbClr val="404040"/>
-              </a:solidFill>
-            </a:endParaRPr>
-          </a:p>
-          <a:p>
-            <a:pPr marL="800100" lvl="1" indent="-342900">
-              <a:buFont typeface="Arial" panose="020B0604020202020204" pitchFamily="34" charset="0"/>
-              <a:buChar char="•"/>
-            </a:pPr>
-            <a:r>
-              <a:rPr lang="en-US" dirty="0">
-                <a:solidFill>
-                  <a:srgbClr val="404040"/>
-                </a:solidFill>
-              </a:rPr>
-              <a:t>Implicitly: Absent From Data</a:t>
-            </a:r>
-          </a:p>
-          <a:p>
-            <a:pPr marL="800100" lvl="1" indent="-342900">
-              <a:buFont typeface="Arial" panose="020B0604020202020204" pitchFamily="34" charset="0"/>
-              <a:buChar char="•"/>
-            </a:pPr>
-            <a:endParaRPr lang="en-US" dirty="0">
-              <a:solidFill>
-                <a:srgbClr val="404040"/>
-              </a:solidFill>
-            </a:endParaRPr>
-          </a:p>
-          <a:p>
-            <a:pPr marL="342900" indent="-342900">
-              <a:buFont typeface="Arial" panose="020B0604020202020204" pitchFamily="34" charset="0"/>
-              <a:buChar char="•"/>
-            </a:pPr>
-            <a:r>
-              <a:rPr lang="en-US" dirty="0">
-                <a:solidFill>
-                  <a:srgbClr val="404040"/>
-                </a:solidFill>
-              </a:rPr>
-              <a:t>There is not a Uniform Way to Handle Either of These Problems</a:t>
-            </a:r>
-          </a:p>
-          <a:p>
-            <a:pPr marL="342900" indent="-342900">
-              <a:buFont typeface="Arial" panose="020B0604020202020204" pitchFamily="34" charset="0"/>
-              <a:buChar char="•"/>
-            </a:pPr>
-            <a:endParaRPr lang="en-US" dirty="0">
-              <a:solidFill>
-                <a:srgbClr val="404040"/>
-              </a:solidFill>
-            </a:endParaRPr>
-          </a:p>
-          <a:p>
-            <a:pPr marL="342900" indent="-342900">
-              <a:buFont typeface="Arial" panose="020B0604020202020204" pitchFamily="34" charset="0"/>
-              <a:buChar char="•"/>
-            </a:pPr>
-            <a:r>
-              <a:rPr lang="en-US" dirty="0">
-                <a:solidFill>
-                  <a:srgbClr val="404040"/>
-                </a:solidFill>
-              </a:rPr>
-              <a:t>Rule: Either Convert All Explicitly Missing to Implicitly Missing or Convert All Implicitly Missing to Explicitly Missing </a:t>
-            </a:r>
-          </a:p>
-        </p:txBody>
-      </p:sp>
-    </p:spTree>
-    <p:custDataLst>
-      <p:tags r:id="rId1"/>
-    </p:custDataLst>
-    <p:extLst>
-      <p:ext uri="{BB962C8B-B14F-4D97-AF65-F5344CB8AC3E}">
-        <p14:creationId xmlns:p14="http://schemas.microsoft.com/office/powerpoint/2010/main" val="2811406856"/>
-      </p:ext>
-    </p:extLst>
-  </p:cSld>
-  <p:clrMapOvr>
-    <a:masterClrMapping/>
-  </p:clrMapOvr>
-</p:sld>
-</file>
-
-<file path=ppt/slides/slide3.xml><?xml version="1.0" encoding="utf-8"?>
-<p:sld xmlns:a="http://schemas.openxmlformats.org/drawingml/2006/main" xmlns:r="http://schemas.openxmlformats.org/officeDocument/2006/relationships" xmlns:p="http://schemas.openxmlformats.org/presentationml/2006/main">
-  <p:cSld>
-    <p:bg>
-      <p:bgPr>
-        <a:solidFill>
-          <a:schemeClr val="bg1">
-            <a:lumMod val="85000"/>
-          </a:schemeClr>
-        </a:solidFill>
-        <a:effectLst/>
-      </p:bgPr>
-    </p:bg>
-    <p:spTree>
-      <p:nvGrpSpPr>
-        <p:cNvPr id="1" name=""/>
-        <p:cNvGrpSpPr/>
-        <p:nvPr/>
-      </p:nvGrpSpPr>
-      <p:grpSpPr>
-        <a:xfrm>
-          <a:off x="0" y="0"/>
-          <a:ext cx="0" cy="0"/>
-          <a:chOff x="0" y="0"/>
-          <a:chExt cx="0" cy="0"/>
-        </a:xfrm>
-      </p:grpSpPr>
-      <p:sp>
-        <p:nvSpPr>
-          <p:cNvPr id="15" name="Rectangle 12">
-            <a:extLst>
-              <a:ext uri="{FF2B5EF4-FFF2-40B4-BE49-F238E27FC236}">
-                <a16:creationId xmlns:a16="http://schemas.microsoft.com/office/drawing/2014/main" id="{867D4867-5BA7-4462-B2F6-A23F4A622AA7}"/>
-              </a:ext>
-              <a:ext uri="{C183D7F6-B498-43B3-948B-1728B52AA6E4}">
-                <adec:decorative xmlns:adec="http://schemas.microsoft.com/office/drawing/2017/decorative" val="1"/>
-              </a:ext>
-            </a:extLst>
-          </p:cNvPr>
-          <p:cNvSpPr>
-            <a:spLocks noGrp="1" noRot="1" noChangeAspect="1" noMove="1" noResize="1" noEditPoints="1" noAdjustHandles="1" noChangeArrowheads="1" noChangeShapeType="1" noTextEdit="1"/>
-          </p:cNvSpPr>
-          <p:nvPr>
-            <p:extLst>
-              <p:ext uri="{386F3935-93C4-4BCD-93E2-E3B085C9AB24}">
-                <p16:designElem xmlns:p16="http://schemas.microsoft.com/office/powerpoint/2015/main" val="1"/>
-              </p:ext>
-            </p:extLst>
-          </p:nvPr>
-        </p:nvSpPr>
-        <p:spPr>
-          <a:xfrm>
-            <a:off x="0" y="0"/>
-            <a:ext cx="3490722" cy="6858000"/>
-          </a:xfrm>
-          <a:prstGeom prst="rect">
-            <a:avLst/>
-          </a:prstGeom>
-          <a:solidFill>
-            <a:schemeClr val="tx1">
-              <a:lumMod val="75000"/>
-              <a:lumOff val="25000"/>
-            </a:schemeClr>
-          </a:solidFill>
-          <a:ln>
-            <a:noFill/>
-          </a:ln>
-        </p:spPr>
-        <p:style>
-          <a:lnRef idx="0">
-            <a:scrgbClr r="0" g="0" b="0"/>
-          </a:lnRef>
-          <a:fillRef idx="0">
-            <a:scrgbClr r="0" g="0" b="0"/>
-          </a:fillRef>
-          <a:effectRef idx="0">
-            <a:scrgbClr r="0" g="0" b="0"/>
-          </a:effectRef>
-          <a:fontRef idx="minor">
-            <a:schemeClr val="lt1"/>
-          </a:fontRef>
-        </p:style>
-        <p:txBody>
-          <a:bodyPr rtlCol="0" anchor="ctr"/>
-          <a:lstStyle/>
-          <a:p>
-            <a:pPr marL="0" marR="0" lvl="0" indent="0" algn="ctr" defTabSz="457200" rtl="0" eaLnBrk="1" fontAlgn="base" latinLnBrk="0" hangingPunct="1">
-              <a:lnSpc>
-                <a:spcPct val="100000"/>
-              </a:lnSpc>
-              <a:spcBef>
-                <a:spcPct val="0"/>
-              </a:spcBef>
-              <a:spcAft>
-                <a:spcPct val="0"/>
-              </a:spcAft>
-              <a:buClrTx/>
-              <a:buSzTx/>
-              <a:buFontTx/>
-              <a:buNone/>
-              <a:tabLst/>
-              <a:defRPr/>
-            </a:pPr>
-            <a:endParaRPr kumimoji="0" lang="en-US" sz="2400" b="0" i="0" u="none" strike="noStrike" kern="1200" cap="none" spc="0" normalizeH="0" baseline="0" noProof="0">
-              <a:ln>
-                <a:noFill/>
-              </a:ln>
-              <a:solidFill>
-                <a:prstClr val="white"/>
-              </a:solidFill>
-              <a:effectLst/>
-              <a:uLnTx/>
-              <a:uFillTx/>
-              <a:latin typeface="Calibri"/>
-              <a:ea typeface="+mn-ea"/>
-              <a:cs typeface="+mn-cs"/>
-            </a:endParaRPr>
-          </a:p>
-        </p:txBody>
-      </p:sp>
-      <p:sp>
-        <p:nvSpPr>
-          <p:cNvPr id="2" name="Title 1"/>
-          <p:cNvSpPr>
-            <a:spLocks noGrp="1"/>
-          </p:cNvSpPr>
-          <p:nvPr>
-            <p:ph type="title"/>
-          </p:nvPr>
-        </p:nvSpPr>
-        <p:spPr>
-          <a:xfrm>
-            <a:off x="482600" y="643467"/>
-            <a:ext cx="2522980" cy="1597315"/>
-          </a:xfrm>
-          <a:noFill/>
-          <a:ln w="19050">
-            <a:solidFill>
-              <a:schemeClr val="bg1"/>
-            </a:solidFill>
-          </a:ln>
-        </p:spPr>
-        <p:txBody>
-          <a:bodyPr vert="horz" wrap="square" lIns="91440" tIns="45720" rIns="91440" bIns="45720" rtlCol="0" anchor="ctr">
-            <a:normAutofit/>
-          </a:bodyPr>
-          <a:lstStyle/>
-          <a:p>
-            <a:pPr defTabSz="914400" eaLnBrk="1" hangingPunct="1">
-              <a:lnSpc>
-                <a:spcPct val="90000"/>
-              </a:lnSpc>
-            </a:pPr>
-            <a:r>
-              <a:rPr lang="en-US" sz="2400" kern="1200" dirty="0">
-                <a:solidFill>
-                  <a:schemeClr val="bg1"/>
-                </a:solidFill>
-                <a:latin typeface="+mj-lt"/>
-                <a:ea typeface="+mj-ea"/>
-                <a:cs typeface="+mj-cs"/>
-              </a:rPr>
-              <a:t>Missing Example</a:t>
-            </a:r>
-          </a:p>
-        </p:txBody>
-      </p:sp>
-      <p:pic>
-        <p:nvPicPr>
-          <p:cNvPr id="8" name="Picture 7">
-            <a:extLst>
-              <a:ext uri="{FF2B5EF4-FFF2-40B4-BE49-F238E27FC236}">
-                <a16:creationId xmlns:a16="http://schemas.microsoft.com/office/drawing/2014/main" id="{521D4292-9ECC-4DA5-8CC0-C561A0DA118E}"/>
-              </a:ext>
-            </a:extLst>
-          </p:cNvPr>
-          <p:cNvPicPr>
-            <a:picLocks noChangeAspect="1"/>
-          </p:cNvPicPr>
-          <p:nvPr/>
-        </p:nvPicPr>
-        <p:blipFill rotWithShape="1">
-          <a:blip r:embed="rId3"/>
-          <a:srcRect l="8000" r="9400"/>
-          <a:stretch/>
-        </p:blipFill>
-        <p:spPr>
-          <a:xfrm>
-            <a:off x="660103" y="3048000"/>
-            <a:ext cx="2167974" cy="2624666"/>
-          </a:xfrm>
-          <a:prstGeom prst="rect">
-            <a:avLst/>
-          </a:prstGeom>
-          <a:noFill/>
-        </p:spPr>
-      </p:pic>
-      <p:pic>
-        <p:nvPicPr>
-          <p:cNvPr id="4" name="Picture 3">
-            <a:extLst>
-              <a:ext uri="{FF2B5EF4-FFF2-40B4-BE49-F238E27FC236}">
-                <a16:creationId xmlns:a16="http://schemas.microsoft.com/office/drawing/2014/main" id="{AB7DD12B-B971-40AA-A621-6B04910601D6}"/>
-              </a:ext>
-            </a:extLst>
-          </p:cNvPr>
-          <p:cNvPicPr>
-            <a:picLocks noChangeAspect="1"/>
-          </p:cNvPicPr>
-          <p:nvPr/>
-        </p:nvPicPr>
-        <p:blipFill>
-          <a:blip r:embed="rId4"/>
-          <a:stretch>
-            <a:fillRect/>
-          </a:stretch>
-        </p:blipFill>
-        <p:spPr>
-          <a:xfrm>
-            <a:off x="4267200" y="152400"/>
-            <a:ext cx="4062220" cy="6617256"/>
-          </a:xfrm>
-          <a:prstGeom prst="rect">
-            <a:avLst/>
-          </a:prstGeom>
-          <a:ln>
-            <a:solidFill>
-              <a:srgbClr val="404040"/>
-            </a:solidFill>
-          </a:ln>
-        </p:spPr>
-        <p:style>
-          <a:lnRef idx="2">
-            <a:schemeClr val="dk1"/>
-          </a:lnRef>
-          <a:fillRef idx="1">
-            <a:schemeClr val="lt1"/>
-          </a:fillRef>
-          <a:effectRef idx="0">
-            <a:schemeClr val="dk1"/>
-          </a:effectRef>
-          <a:fontRef idx="minor">
-            <a:schemeClr val="dk1"/>
-          </a:fontRef>
-        </p:style>
-      </p:pic>
-    </p:spTree>
-    <p:custDataLst>
-      <p:tags r:id="rId1"/>
-    </p:custDataLst>
-    <p:extLst>
-      <p:ext uri="{BB962C8B-B14F-4D97-AF65-F5344CB8AC3E}">
-        <p14:creationId xmlns:p14="http://schemas.microsoft.com/office/powerpoint/2010/main" val="2493366720"/>
-      </p:ext>
-    </p:extLst>
-  </p:cSld>
-  <p:clrMapOvr>
-    <a:masterClrMapping/>
-  </p:clrMapOvr>
-</p:sld>
-</file>
-
-<file path=ppt/slides/slide4.xml><?xml version="1.0" encoding="utf-8"?>
-<p:sld xmlns:a="http://schemas.openxmlformats.org/drawingml/2006/main" xmlns:r="http://schemas.openxmlformats.org/officeDocument/2006/relationships" xmlns:p="http://schemas.openxmlformats.org/presentationml/2006/main">
-  <p:cSld>
-    <p:bg>
-      <p:bgPr>
-        <a:solidFill>
-          <a:schemeClr val="bg1">
-            <a:lumMod val="85000"/>
-          </a:schemeClr>
-        </a:solidFill>
-        <a:effectLst/>
-      </p:bgPr>
-    </p:bg>
-    <p:spTree>
-      <p:nvGrpSpPr>
-        <p:cNvPr id="1" name=""/>
-        <p:cNvGrpSpPr/>
-        <p:nvPr/>
-      </p:nvGrpSpPr>
-      <p:grpSpPr>
-        <a:xfrm>
-          <a:off x="0" y="0"/>
-          <a:ext cx="0" cy="0"/>
-          <a:chOff x="0" y="0"/>
-          <a:chExt cx="0" cy="0"/>
-        </a:xfrm>
-      </p:grpSpPr>
-      <p:sp>
-        <p:nvSpPr>
-          <p:cNvPr id="15" name="Rectangle 12">
-            <a:extLst>
-              <a:ext uri="{FF2B5EF4-FFF2-40B4-BE49-F238E27FC236}">
-                <a16:creationId xmlns:a16="http://schemas.microsoft.com/office/drawing/2014/main" id="{867D4867-5BA7-4462-B2F6-A23F4A622AA7}"/>
-              </a:ext>
-              <a:ext uri="{C183D7F6-B498-43B3-948B-1728B52AA6E4}">
-                <adec:decorative xmlns:adec="http://schemas.microsoft.com/office/drawing/2017/decorative" val="1"/>
-              </a:ext>
-            </a:extLst>
-          </p:cNvPr>
-          <p:cNvSpPr>
-            <a:spLocks noGrp="1" noRot="1" noChangeAspect="1" noMove="1" noResize="1" noEditPoints="1" noAdjustHandles="1" noChangeArrowheads="1" noChangeShapeType="1" noTextEdit="1"/>
-          </p:cNvSpPr>
-          <p:nvPr>
-            <p:extLst>
-              <p:ext uri="{386F3935-93C4-4BCD-93E2-E3B085C9AB24}">
-                <p16:designElem xmlns:p16="http://schemas.microsoft.com/office/powerpoint/2015/main" val="1"/>
-              </p:ext>
-            </p:extLst>
-          </p:nvPr>
-        </p:nvSpPr>
-        <p:spPr>
-          <a:xfrm>
-            <a:off x="0" y="0"/>
-            <a:ext cx="3490722" cy="6858000"/>
-          </a:xfrm>
-          <a:prstGeom prst="rect">
-            <a:avLst/>
-          </a:prstGeom>
-          <a:solidFill>
-            <a:schemeClr val="tx1">
-              <a:lumMod val="75000"/>
-              <a:lumOff val="25000"/>
-            </a:schemeClr>
-          </a:solidFill>
-          <a:ln>
-            <a:noFill/>
-          </a:ln>
-        </p:spPr>
-        <p:style>
-          <a:lnRef idx="0">
-            <a:scrgbClr r="0" g="0" b="0"/>
-          </a:lnRef>
-          <a:fillRef idx="0">
-            <a:scrgbClr r="0" g="0" b="0"/>
-          </a:fillRef>
-          <a:effectRef idx="0">
-            <a:scrgbClr r="0" g="0" b="0"/>
-          </a:effectRef>
-          <a:fontRef idx="minor">
-            <a:schemeClr val="lt1"/>
-          </a:fontRef>
-        </p:style>
-        <p:txBody>
-          <a:bodyPr rtlCol="0" anchor="ctr"/>
-          <a:lstStyle/>
-          <a:p>
-            <a:pPr marL="0" marR="0" lvl="0" indent="0" algn="ctr" defTabSz="457200" rtl="0" eaLnBrk="1" fontAlgn="base" latinLnBrk="0" hangingPunct="1">
-              <a:lnSpc>
-                <a:spcPct val="100000"/>
-              </a:lnSpc>
-              <a:spcBef>
-                <a:spcPct val="0"/>
-              </a:spcBef>
-              <a:spcAft>
-                <a:spcPct val="0"/>
-              </a:spcAft>
-              <a:buClrTx/>
-              <a:buSzTx/>
-              <a:buFontTx/>
-              <a:buNone/>
-              <a:tabLst/>
-              <a:defRPr/>
-            </a:pPr>
-            <a:endParaRPr kumimoji="0" lang="en-US" sz="2400" b="0" i="0" u="none" strike="noStrike" kern="1200" cap="none" spc="0" normalizeH="0" baseline="0" noProof="0">
-              <a:ln>
-                <a:noFill/>
-              </a:ln>
-              <a:solidFill>
-                <a:prstClr val="white"/>
-              </a:solidFill>
-              <a:effectLst/>
-              <a:uLnTx/>
-              <a:uFillTx/>
-              <a:latin typeface="Calibri"/>
-              <a:ea typeface="+mn-ea"/>
-              <a:cs typeface="+mn-cs"/>
-            </a:endParaRPr>
-          </a:p>
-        </p:txBody>
-      </p:sp>
-      <p:sp>
-        <p:nvSpPr>
-          <p:cNvPr id="2" name="Title 1"/>
-          <p:cNvSpPr>
-            <a:spLocks noGrp="1"/>
-          </p:cNvSpPr>
-          <p:nvPr>
-            <p:ph type="title"/>
-          </p:nvPr>
-        </p:nvSpPr>
-        <p:spPr>
-          <a:xfrm>
-            <a:off x="482600" y="643467"/>
-            <a:ext cx="2522980" cy="1597315"/>
-          </a:xfrm>
-          <a:noFill/>
-          <a:ln w="19050">
-            <a:solidFill>
-              <a:schemeClr val="bg1"/>
-            </a:solidFill>
-          </a:ln>
-        </p:spPr>
-        <p:txBody>
-          <a:bodyPr vert="horz" wrap="square" lIns="91440" tIns="45720" rIns="91440" bIns="45720" rtlCol="0" anchor="ctr">
-            <a:normAutofit/>
-          </a:bodyPr>
-          <a:lstStyle/>
-          <a:p>
-            <a:pPr defTabSz="914400" eaLnBrk="1" hangingPunct="1">
-              <a:lnSpc>
-                <a:spcPct val="90000"/>
-              </a:lnSpc>
-            </a:pPr>
-            <a:r>
-              <a:rPr lang="en-US" sz="2400" kern="1200" dirty="0">
-                <a:solidFill>
-                  <a:schemeClr val="bg1"/>
-                </a:solidFill>
-                <a:latin typeface="+mj-lt"/>
-                <a:ea typeface="+mj-ea"/>
-                <a:cs typeface="+mj-cs"/>
-              </a:rPr>
-              <a:t>Missing Values</a:t>
-            </a:r>
-          </a:p>
-        </p:txBody>
-      </p:sp>
-      <p:pic>
-        <p:nvPicPr>
-          <p:cNvPr id="8" name="Picture 7">
-            <a:extLst>
-              <a:ext uri="{FF2B5EF4-FFF2-40B4-BE49-F238E27FC236}">
-                <a16:creationId xmlns:a16="http://schemas.microsoft.com/office/drawing/2014/main" id="{521D4292-9ECC-4DA5-8CC0-C561A0DA118E}"/>
-              </a:ext>
-            </a:extLst>
-          </p:cNvPr>
-          <p:cNvPicPr>
-            <a:picLocks noChangeAspect="1"/>
-          </p:cNvPicPr>
-          <p:nvPr/>
-        </p:nvPicPr>
-        <p:blipFill rotWithShape="1">
-          <a:blip r:embed="rId3"/>
-          <a:srcRect l="8000" r="9400"/>
-          <a:stretch/>
-        </p:blipFill>
-        <p:spPr>
-          <a:xfrm>
-            <a:off x="660103" y="3048000"/>
-            <a:ext cx="2167974" cy="2624666"/>
-          </a:xfrm>
-          <a:prstGeom prst="rect">
-            <a:avLst/>
-          </a:prstGeom>
-          <a:noFill/>
-        </p:spPr>
-      </p:pic>
-      <p:sp>
-        <p:nvSpPr>
-          <p:cNvPr id="6" name="TextBox 5">
-            <a:extLst>
-              <a:ext uri="{FF2B5EF4-FFF2-40B4-BE49-F238E27FC236}">
-                <a16:creationId xmlns:a16="http://schemas.microsoft.com/office/drawing/2014/main" id="{E58EF064-51FF-48A9-8810-E84BE6F6F09D}"/>
-              </a:ext>
-            </a:extLst>
-          </p:cNvPr>
-          <p:cNvSpPr txBox="1"/>
-          <p:nvPr/>
-        </p:nvSpPr>
-        <p:spPr>
-          <a:xfrm>
-            <a:off x="3810000" y="621916"/>
-            <a:ext cx="5029200" cy="461665"/>
-          </a:xfrm>
-          <a:prstGeom prst="rect">
-            <a:avLst/>
-          </a:prstGeom>
-          <a:noFill/>
-        </p:spPr>
-        <p:txBody>
-          <a:bodyPr wrap="square" rtlCol="0">
-            <a:spAutoFit/>
-          </a:bodyPr>
-          <a:lstStyle/>
-          <a:p>
-            <a:pPr marL="342900" indent="-342900">
-              <a:buFont typeface="Arial" panose="020B0604020202020204" pitchFamily="34" charset="0"/>
-              <a:buChar char="•"/>
-            </a:pPr>
-            <a:r>
-              <a:rPr lang="en-US" dirty="0">
-                <a:solidFill>
-                  <a:srgbClr val="404040"/>
-                </a:solidFill>
-              </a:rPr>
-              <a:t>Notice:</a:t>
-            </a:r>
-          </a:p>
-        </p:txBody>
-      </p:sp>
-      <p:pic>
-        <p:nvPicPr>
-          <p:cNvPr id="3" name="Picture 2">
-            <a:extLst>
-              <a:ext uri="{FF2B5EF4-FFF2-40B4-BE49-F238E27FC236}">
-                <a16:creationId xmlns:a16="http://schemas.microsoft.com/office/drawing/2014/main" id="{DF9B25BE-30C4-4A53-A088-CCFE8AC7224F}"/>
-              </a:ext>
-            </a:extLst>
-          </p:cNvPr>
-          <p:cNvPicPr>
-            <a:picLocks noChangeAspect="1"/>
-          </p:cNvPicPr>
-          <p:nvPr/>
-        </p:nvPicPr>
-        <p:blipFill>
-          <a:blip r:embed="rId4"/>
-          <a:stretch>
-            <a:fillRect/>
-          </a:stretch>
-        </p:blipFill>
-        <p:spPr>
-          <a:xfrm>
-            <a:off x="4273216" y="1066800"/>
-            <a:ext cx="4238776" cy="5536532"/>
-          </a:xfrm>
-          <a:prstGeom prst="rect">
-            <a:avLst/>
-          </a:prstGeom>
-          <a:ln>
-            <a:solidFill>
-              <a:srgbClr val="404040"/>
-            </a:solidFill>
-          </a:ln>
-        </p:spPr>
-        <p:style>
-          <a:lnRef idx="2">
-            <a:schemeClr val="dk1"/>
-          </a:lnRef>
-          <a:fillRef idx="1">
-            <a:schemeClr val="lt1"/>
-          </a:fillRef>
-          <a:effectRef idx="0">
-            <a:schemeClr val="dk1"/>
-          </a:effectRef>
-          <a:fontRef idx="minor">
-            <a:schemeClr val="dk1"/>
-          </a:fontRef>
-        </p:style>
-      </p:pic>
-    </p:spTree>
-    <p:custDataLst>
-      <p:tags r:id="rId1"/>
-    </p:custDataLst>
-    <p:extLst>
-      <p:ext uri="{BB962C8B-B14F-4D97-AF65-F5344CB8AC3E}">
-        <p14:creationId xmlns:p14="http://schemas.microsoft.com/office/powerpoint/2010/main" val="1743058089"/>
-      </p:ext>
-    </p:extLst>
-  </p:cSld>
-  <p:clrMapOvr>
-    <a:masterClrMapping/>
-  </p:clrMapOvr>
-</p:sld>
-</file>
-
-<file path=ppt/slides/slide5.xml><?xml version="1.0" encoding="utf-8"?>
-<p:sld xmlns:a="http://schemas.openxmlformats.org/drawingml/2006/main" xmlns:r="http://schemas.openxmlformats.org/officeDocument/2006/relationships" xmlns:p="http://schemas.openxmlformats.org/presentationml/2006/main">
-  <p:cSld>
-    <p:bg>
-      <p:bgPr>
-        <a:solidFill>
-          <a:schemeClr val="bg1">
-            <a:lumMod val="85000"/>
-          </a:schemeClr>
-        </a:solidFill>
-        <a:effectLst/>
-      </p:bgPr>
-    </p:bg>
-    <p:spTree>
-      <p:nvGrpSpPr>
-        <p:cNvPr id="1" name=""/>
-        <p:cNvGrpSpPr/>
-        <p:nvPr/>
-      </p:nvGrpSpPr>
-      <p:grpSpPr>
-        <a:xfrm>
-          <a:off x="0" y="0"/>
-          <a:ext cx="0" cy="0"/>
-          <a:chOff x="0" y="0"/>
-          <a:chExt cx="0" cy="0"/>
-        </a:xfrm>
-      </p:grpSpPr>
-      <p:sp>
-        <p:nvSpPr>
-          <p:cNvPr id="15" name="Rectangle 12">
-            <a:extLst>
-              <a:ext uri="{FF2B5EF4-FFF2-40B4-BE49-F238E27FC236}">
-                <a16:creationId xmlns:a16="http://schemas.microsoft.com/office/drawing/2014/main" id="{867D4867-5BA7-4462-B2F6-A23F4A622AA7}"/>
-              </a:ext>
-              <a:ext uri="{C183D7F6-B498-43B3-948B-1728B52AA6E4}">
-                <adec:decorative xmlns:adec="http://schemas.microsoft.com/office/drawing/2017/decorative" val="1"/>
-              </a:ext>
-            </a:extLst>
-          </p:cNvPr>
-          <p:cNvSpPr>
-            <a:spLocks noGrp="1" noRot="1" noChangeAspect="1" noMove="1" noResize="1" noEditPoints="1" noAdjustHandles="1" noChangeArrowheads="1" noChangeShapeType="1" noTextEdit="1"/>
-          </p:cNvSpPr>
-          <p:nvPr>
-            <p:extLst>
-              <p:ext uri="{386F3935-93C4-4BCD-93E2-E3B085C9AB24}">
-                <p16:designElem xmlns:p16="http://schemas.microsoft.com/office/powerpoint/2015/main" val="1"/>
-              </p:ext>
-            </p:extLst>
-          </p:nvPr>
-        </p:nvSpPr>
-        <p:spPr>
-          <a:xfrm>
-            <a:off x="0" y="0"/>
-            <a:ext cx="3490722" cy="6858000"/>
-          </a:xfrm>
-          <a:prstGeom prst="rect">
-            <a:avLst/>
-          </a:prstGeom>
-          <a:solidFill>
-            <a:schemeClr val="tx1">
-              <a:lumMod val="75000"/>
-              <a:lumOff val="25000"/>
-            </a:schemeClr>
-          </a:solidFill>
-          <a:ln>
-            <a:noFill/>
-          </a:ln>
-        </p:spPr>
-        <p:style>
-          <a:lnRef idx="0">
-            <a:scrgbClr r="0" g="0" b="0"/>
-          </a:lnRef>
-          <a:fillRef idx="0">
-            <a:scrgbClr r="0" g="0" b="0"/>
-          </a:fillRef>
-          <a:effectRef idx="0">
-            <a:scrgbClr r="0" g="0" b="0"/>
-          </a:effectRef>
-          <a:fontRef idx="minor">
-            <a:schemeClr val="lt1"/>
-          </a:fontRef>
-        </p:style>
-        <p:txBody>
-          <a:bodyPr rtlCol="0" anchor="ctr"/>
-          <a:lstStyle/>
-          <a:p>
-            <a:pPr marL="0" marR="0" lvl="0" indent="0" algn="ctr" defTabSz="457200" rtl="0" eaLnBrk="1" fontAlgn="base" latinLnBrk="0" hangingPunct="1">
-              <a:lnSpc>
-                <a:spcPct val="100000"/>
-              </a:lnSpc>
-              <a:spcBef>
-                <a:spcPct val="0"/>
-              </a:spcBef>
-              <a:spcAft>
-                <a:spcPct val="0"/>
-              </a:spcAft>
-              <a:buClrTx/>
-              <a:buSzTx/>
-              <a:buFontTx/>
-              <a:buNone/>
-              <a:tabLst/>
-              <a:defRPr/>
-            </a:pPr>
-            <a:endParaRPr kumimoji="0" lang="en-US" sz="2400" b="0" i="0" u="none" strike="noStrike" kern="1200" cap="none" spc="0" normalizeH="0" baseline="0" noProof="0">
-              <a:ln>
-                <a:noFill/>
-              </a:ln>
-              <a:solidFill>
-                <a:prstClr val="white"/>
-              </a:solidFill>
-              <a:effectLst/>
-              <a:uLnTx/>
-              <a:uFillTx/>
-              <a:latin typeface="Calibri"/>
-              <a:ea typeface="+mn-ea"/>
-              <a:cs typeface="+mn-cs"/>
-            </a:endParaRPr>
-          </a:p>
-        </p:txBody>
-      </p:sp>
-      <p:sp>
-        <p:nvSpPr>
-          <p:cNvPr id="2" name="Title 1"/>
-          <p:cNvSpPr>
-            <a:spLocks noGrp="1"/>
-          </p:cNvSpPr>
-          <p:nvPr>
-            <p:ph type="title"/>
-          </p:nvPr>
-        </p:nvSpPr>
-        <p:spPr>
-          <a:xfrm>
-            <a:off x="482600" y="643467"/>
-            <a:ext cx="2522980" cy="1597315"/>
-          </a:xfrm>
-          <a:noFill/>
-          <a:ln w="19050">
-            <a:solidFill>
-              <a:schemeClr val="bg1"/>
-            </a:solidFill>
-          </a:ln>
-        </p:spPr>
-        <p:txBody>
-          <a:bodyPr vert="horz" wrap="square" lIns="91440" tIns="45720" rIns="91440" bIns="45720" rtlCol="0" anchor="ctr">
-            <a:normAutofit/>
-          </a:bodyPr>
-          <a:lstStyle/>
-          <a:p>
-            <a:pPr defTabSz="914400" eaLnBrk="1" hangingPunct="1">
-              <a:lnSpc>
-                <a:spcPct val="90000"/>
-              </a:lnSpc>
-            </a:pPr>
-            <a:r>
-              <a:rPr lang="en-US" sz="2400" kern="1200" dirty="0">
-                <a:solidFill>
-                  <a:schemeClr val="bg1"/>
-                </a:solidFill>
-                <a:latin typeface="+mj-lt"/>
-                <a:ea typeface="+mj-ea"/>
-                <a:cs typeface="+mj-cs"/>
-              </a:rPr>
-              <a:t>Missing Values</a:t>
-            </a:r>
-          </a:p>
-        </p:txBody>
-      </p:sp>
-      <p:pic>
-        <p:nvPicPr>
-          <p:cNvPr id="8" name="Picture 7">
-            <a:extLst>
-              <a:ext uri="{FF2B5EF4-FFF2-40B4-BE49-F238E27FC236}">
-                <a16:creationId xmlns:a16="http://schemas.microsoft.com/office/drawing/2014/main" id="{521D4292-9ECC-4DA5-8CC0-C561A0DA118E}"/>
-              </a:ext>
-            </a:extLst>
-          </p:cNvPr>
-          <p:cNvPicPr>
-            <a:picLocks noChangeAspect="1"/>
-          </p:cNvPicPr>
-          <p:nvPr/>
-        </p:nvPicPr>
-        <p:blipFill rotWithShape="1">
-          <a:blip r:embed="rId3"/>
-          <a:srcRect l="8000" r="9400"/>
-          <a:stretch/>
-        </p:blipFill>
-        <p:spPr>
-          <a:xfrm>
-            <a:off x="660103" y="3048000"/>
-            <a:ext cx="2167974" cy="2624666"/>
-          </a:xfrm>
-          <a:prstGeom prst="rect">
-            <a:avLst/>
-          </a:prstGeom>
-          <a:noFill/>
-        </p:spPr>
-      </p:pic>
-      <p:sp>
-        <p:nvSpPr>
-          <p:cNvPr id="6" name="TextBox 5">
-            <a:extLst>
-              <a:ext uri="{FF2B5EF4-FFF2-40B4-BE49-F238E27FC236}">
-                <a16:creationId xmlns:a16="http://schemas.microsoft.com/office/drawing/2014/main" id="{E58EF064-51FF-48A9-8810-E84BE6F6F09D}"/>
-              </a:ext>
-            </a:extLst>
-          </p:cNvPr>
-          <p:cNvSpPr txBox="1"/>
-          <p:nvPr/>
-        </p:nvSpPr>
-        <p:spPr>
-          <a:xfrm>
-            <a:off x="3810000" y="621916"/>
-            <a:ext cx="5029200" cy="461665"/>
-          </a:xfrm>
-          <a:prstGeom prst="rect">
-            <a:avLst/>
-          </a:prstGeom>
-          <a:noFill/>
-        </p:spPr>
-        <p:txBody>
-          <a:bodyPr wrap="square" rtlCol="0">
-            <a:spAutoFit/>
-          </a:bodyPr>
-          <a:lstStyle/>
-          <a:p>
-            <a:pPr marL="342900" indent="-342900">
-              <a:buFont typeface="Arial" panose="020B0604020202020204" pitchFamily="34" charset="0"/>
-              <a:buChar char="•"/>
-            </a:pPr>
-            <a:r>
-              <a:rPr lang="en-US" dirty="0">
-                <a:solidFill>
-                  <a:srgbClr val="404040"/>
-                </a:solidFill>
-              </a:rPr>
-              <a:t>Explicit to Implicit</a:t>
-            </a:r>
-          </a:p>
-        </p:txBody>
-      </p:sp>
-      <p:pic>
-        <p:nvPicPr>
-          <p:cNvPr id="3" name="Picture 2">
-            <a:extLst>
-              <a:ext uri="{FF2B5EF4-FFF2-40B4-BE49-F238E27FC236}">
-                <a16:creationId xmlns:a16="http://schemas.microsoft.com/office/drawing/2014/main" id="{9C98C9B2-FCB0-452E-8C0D-55AD70EA00C6}"/>
-              </a:ext>
-            </a:extLst>
-          </p:cNvPr>
-          <p:cNvPicPr>
-            <a:picLocks noChangeAspect="1"/>
-          </p:cNvPicPr>
-          <p:nvPr/>
-        </p:nvPicPr>
-        <p:blipFill>
-          <a:blip r:embed="rId4"/>
-          <a:stretch>
-            <a:fillRect/>
-          </a:stretch>
-        </p:blipFill>
-        <p:spPr>
-          <a:xfrm>
-            <a:off x="3948112" y="1083581"/>
-            <a:ext cx="4752975" cy="5381625"/>
-          </a:xfrm>
-          <a:prstGeom prst="rect">
-            <a:avLst/>
-          </a:prstGeom>
-          <a:ln>
-            <a:solidFill>
-              <a:srgbClr val="404040"/>
-            </a:solidFill>
-          </a:ln>
-        </p:spPr>
-        <p:style>
-          <a:lnRef idx="2">
-            <a:schemeClr val="dk1"/>
-          </a:lnRef>
-          <a:fillRef idx="1">
-            <a:schemeClr val="lt1"/>
-          </a:fillRef>
-          <a:effectRef idx="0">
-            <a:schemeClr val="dk1"/>
-          </a:effectRef>
-          <a:fontRef idx="minor">
-            <a:schemeClr val="dk1"/>
-          </a:fontRef>
-        </p:style>
-      </p:pic>
-    </p:spTree>
-    <p:custDataLst>
-      <p:tags r:id="rId1"/>
-    </p:custDataLst>
-    <p:extLst>
-      <p:ext uri="{BB962C8B-B14F-4D97-AF65-F5344CB8AC3E}">
-        <p14:creationId xmlns:p14="http://schemas.microsoft.com/office/powerpoint/2010/main" val="2931179324"/>
-      </p:ext>
-    </p:extLst>
-  </p:cSld>
-  <p:clrMapOvr>
-    <a:masterClrMapping/>
-  </p:clrMapOvr>
-</p:sld>
-</file>
-
-<file path=ppt/slides/slide6.xml><?xml version="1.0" encoding="utf-8"?>
-<p:sld xmlns:a="http://schemas.openxmlformats.org/drawingml/2006/main" xmlns:r="http://schemas.openxmlformats.org/officeDocument/2006/relationships" xmlns:p="http://schemas.openxmlformats.org/presentationml/2006/main">
-  <p:cSld>
-    <p:bg>
-      <p:bgPr>
-        <a:solidFill>
-          <a:schemeClr val="bg1">
-            <a:lumMod val="85000"/>
-          </a:schemeClr>
-        </a:solidFill>
-        <a:effectLst/>
-      </p:bgPr>
-    </p:bg>
-    <p:spTree>
-      <p:nvGrpSpPr>
-        <p:cNvPr id="1" name=""/>
-        <p:cNvGrpSpPr/>
-        <p:nvPr/>
-      </p:nvGrpSpPr>
-      <p:grpSpPr>
-        <a:xfrm>
-          <a:off x="0" y="0"/>
-          <a:ext cx="0" cy="0"/>
-          <a:chOff x="0" y="0"/>
-          <a:chExt cx="0" cy="0"/>
-        </a:xfrm>
-      </p:grpSpPr>
-      <p:sp>
-        <p:nvSpPr>
-          <p:cNvPr id="15" name="Rectangle 12">
-            <a:extLst>
-              <a:ext uri="{FF2B5EF4-FFF2-40B4-BE49-F238E27FC236}">
-                <a16:creationId xmlns:a16="http://schemas.microsoft.com/office/drawing/2014/main" id="{867D4867-5BA7-4462-B2F6-A23F4A622AA7}"/>
-              </a:ext>
-              <a:ext uri="{C183D7F6-B498-43B3-948B-1728B52AA6E4}">
-                <adec:decorative xmlns:adec="http://schemas.microsoft.com/office/drawing/2017/decorative" val="1"/>
-              </a:ext>
-            </a:extLst>
-          </p:cNvPr>
-          <p:cNvSpPr>
-            <a:spLocks noGrp="1" noRot="1" noChangeAspect="1" noMove="1" noResize="1" noEditPoints="1" noAdjustHandles="1" noChangeArrowheads="1" noChangeShapeType="1" noTextEdit="1"/>
-          </p:cNvSpPr>
-          <p:nvPr>
-            <p:extLst>
-              <p:ext uri="{386F3935-93C4-4BCD-93E2-E3B085C9AB24}">
-                <p16:designElem xmlns:p16="http://schemas.microsoft.com/office/powerpoint/2015/main" val="1"/>
-              </p:ext>
-            </p:extLst>
-          </p:nvPr>
-        </p:nvSpPr>
-        <p:spPr>
-          <a:xfrm>
-            <a:off x="0" y="0"/>
-            <a:ext cx="3490722" cy="6858000"/>
-          </a:xfrm>
-          <a:prstGeom prst="rect">
-            <a:avLst/>
-          </a:prstGeom>
-          <a:solidFill>
-            <a:schemeClr val="tx1">
-              <a:lumMod val="75000"/>
-              <a:lumOff val="25000"/>
-            </a:schemeClr>
-          </a:solidFill>
-          <a:ln>
-            <a:noFill/>
-          </a:ln>
-        </p:spPr>
-        <p:style>
-          <a:lnRef idx="0">
-            <a:scrgbClr r="0" g="0" b="0"/>
-          </a:lnRef>
-          <a:fillRef idx="0">
-            <a:scrgbClr r="0" g="0" b="0"/>
-          </a:fillRef>
-          <a:effectRef idx="0">
-            <a:scrgbClr r="0" g="0" b="0"/>
-          </a:effectRef>
-          <a:fontRef idx="minor">
-            <a:schemeClr val="lt1"/>
-          </a:fontRef>
-        </p:style>
-        <p:txBody>
-          <a:bodyPr rtlCol="0" anchor="ctr"/>
-          <a:lstStyle/>
-          <a:p>
-            <a:pPr marL="0" marR="0" lvl="0" indent="0" algn="ctr" defTabSz="457200" rtl="0" eaLnBrk="1" fontAlgn="base" latinLnBrk="0" hangingPunct="1">
-              <a:lnSpc>
-                <a:spcPct val="100000"/>
-              </a:lnSpc>
-              <a:spcBef>
-                <a:spcPct val="0"/>
-              </a:spcBef>
-              <a:spcAft>
-                <a:spcPct val="0"/>
-              </a:spcAft>
-              <a:buClrTx/>
-              <a:buSzTx/>
-              <a:buFontTx/>
-              <a:buNone/>
-              <a:tabLst/>
-              <a:defRPr/>
-            </a:pPr>
-            <a:endParaRPr kumimoji="0" lang="en-US" sz="2400" b="0" i="0" u="none" strike="noStrike" kern="1200" cap="none" spc="0" normalizeH="0" baseline="0" noProof="0">
-              <a:ln>
-                <a:noFill/>
-              </a:ln>
-              <a:solidFill>
-                <a:prstClr val="white"/>
-              </a:solidFill>
-              <a:effectLst/>
-              <a:uLnTx/>
-              <a:uFillTx/>
-              <a:latin typeface="Calibri"/>
-              <a:ea typeface="+mn-ea"/>
-              <a:cs typeface="+mn-cs"/>
-            </a:endParaRPr>
-          </a:p>
-        </p:txBody>
-      </p:sp>
-      <p:sp>
-        <p:nvSpPr>
-          <p:cNvPr id="2" name="Title 1"/>
-          <p:cNvSpPr>
-            <a:spLocks noGrp="1"/>
-          </p:cNvSpPr>
-          <p:nvPr>
-            <p:ph type="title"/>
-          </p:nvPr>
-        </p:nvSpPr>
-        <p:spPr>
-          <a:xfrm>
-            <a:off x="482600" y="643467"/>
-            <a:ext cx="2522980" cy="1597315"/>
-          </a:xfrm>
-          <a:noFill/>
-          <a:ln w="19050">
-            <a:solidFill>
-              <a:schemeClr val="bg1"/>
-            </a:solidFill>
-          </a:ln>
-        </p:spPr>
-        <p:txBody>
-          <a:bodyPr vert="horz" wrap="square" lIns="91440" tIns="45720" rIns="91440" bIns="45720" rtlCol="0" anchor="ctr">
-            <a:normAutofit/>
-          </a:bodyPr>
-          <a:lstStyle/>
-          <a:p>
-            <a:pPr defTabSz="914400" eaLnBrk="1" hangingPunct="1">
-              <a:lnSpc>
-                <a:spcPct val="90000"/>
-              </a:lnSpc>
-            </a:pPr>
-            <a:r>
-              <a:rPr lang="en-US" sz="2400" kern="1200" dirty="0">
-                <a:solidFill>
-                  <a:schemeClr val="bg1"/>
-                </a:solidFill>
-                <a:latin typeface="+mj-lt"/>
-                <a:ea typeface="+mj-ea"/>
-                <a:cs typeface="+mj-cs"/>
-              </a:rPr>
-              <a:t>Missing Values</a:t>
-            </a:r>
-          </a:p>
-        </p:txBody>
-      </p:sp>
-      <p:pic>
-        <p:nvPicPr>
-          <p:cNvPr id="8" name="Picture 7">
-            <a:extLst>
-              <a:ext uri="{FF2B5EF4-FFF2-40B4-BE49-F238E27FC236}">
-                <a16:creationId xmlns:a16="http://schemas.microsoft.com/office/drawing/2014/main" id="{521D4292-9ECC-4DA5-8CC0-C561A0DA118E}"/>
-              </a:ext>
-            </a:extLst>
-          </p:cNvPr>
-          <p:cNvPicPr>
-            <a:picLocks noChangeAspect="1"/>
-          </p:cNvPicPr>
-          <p:nvPr/>
-        </p:nvPicPr>
-        <p:blipFill rotWithShape="1">
-          <a:blip r:embed="rId3"/>
-          <a:srcRect l="8000" r="9400"/>
-          <a:stretch/>
-        </p:blipFill>
-        <p:spPr>
-          <a:xfrm>
-            <a:off x="660103" y="3048000"/>
-            <a:ext cx="2167974" cy="2624666"/>
-          </a:xfrm>
-          <a:prstGeom prst="rect">
-            <a:avLst/>
-          </a:prstGeom>
-          <a:noFill/>
-        </p:spPr>
-      </p:pic>
-      <p:sp>
-        <p:nvSpPr>
-          <p:cNvPr id="6" name="TextBox 5">
-            <a:extLst>
-              <a:ext uri="{FF2B5EF4-FFF2-40B4-BE49-F238E27FC236}">
-                <a16:creationId xmlns:a16="http://schemas.microsoft.com/office/drawing/2014/main" id="{E58EF064-51FF-48A9-8810-E84BE6F6F09D}"/>
-              </a:ext>
-            </a:extLst>
-          </p:cNvPr>
-          <p:cNvSpPr txBox="1"/>
-          <p:nvPr/>
-        </p:nvSpPr>
-        <p:spPr>
-          <a:xfrm>
-            <a:off x="3810000" y="621916"/>
-            <a:ext cx="5029200" cy="461665"/>
-          </a:xfrm>
-          <a:prstGeom prst="rect">
-            <a:avLst/>
-          </a:prstGeom>
-          <a:noFill/>
-        </p:spPr>
-        <p:txBody>
-          <a:bodyPr wrap="square" rtlCol="0">
-            <a:spAutoFit/>
-          </a:bodyPr>
-          <a:lstStyle/>
-          <a:p>
-            <a:pPr marL="342900" indent="-342900">
-              <a:buFont typeface="Arial" panose="020B0604020202020204" pitchFamily="34" charset="0"/>
-              <a:buChar char="•"/>
-            </a:pPr>
-            <a:r>
-              <a:rPr lang="en-US" dirty="0">
-                <a:solidFill>
-                  <a:srgbClr val="404040"/>
-                </a:solidFill>
-              </a:rPr>
-              <a:t>Implicit to Explicit</a:t>
-            </a:r>
-          </a:p>
-        </p:txBody>
-      </p:sp>
-      <p:pic>
-        <p:nvPicPr>
-          <p:cNvPr id="4" name="Picture 3">
-            <a:extLst>
-              <a:ext uri="{FF2B5EF4-FFF2-40B4-BE49-F238E27FC236}">
-                <a16:creationId xmlns:a16="http://schemas.microsoft.com/office/drawing/2014/main" id="{7CCB45DA-216F-4232-8186-9D7EA24F80BA}"/>
-              </a:ext>
-            </a:extLst>
-          </p:cNvPr>
-          <p:cNvPicPr>
-            <a:picLocks noChangeAspect="1"/>
-          </p:cNvPicPr>
-          <p:nvPr/>
-        </p:nvPicPr>
-        <p:blipFill>
-          <a:blip r:embed="rId4"/>
-          <a:stretch>
-            <a:fillRect/>
-          </a:stretch>
-        </p:blipFill>
-        <p:spPr>
-          <a:xfrm>
-            <a:off x="4207739" y="1083581"/>
-            <a:ext cx="4246450" cy="5701647"/>
-          </a:xfrm>
-          <a:prstGeom prst="rect">
-            <a:avLst/>
-          </a:prstGeom>
-          <a:ln>
-            <a:solidFill>
-              <a:srgbClr val="404040"/>
-            </a:solidFill>
-          </a:ln>
-        </p:spPr>
-        <p:style>
-          <a:lnRef idx="2">
-            <a:schemeClr val="dk1"/>
-          </a:lnRef>
-          <a:fillRef idx="1">
-            <a:schemeClr val="lt1"/>
-          </a:fillRef>
-          <a:effectRef idx="0">
-            <a:schemeClr val="dk1"/>
-          </a:effectRef>
-          <a:fontRef idx="minor">
-            <a:schemeClr val="dk1"/>
-          </a:fontRef>
-        </p:style>
-      </p:pic>
-    </p:spTree>
-    <p:custDataLst>
-      <p:tags r:id="rId1"/>
-    </p:custDataLst>
-    <p:extLst>
-      <p:ext uri="{BB962C8B-B14F-4D97-AF65-F5344CB8AC3E}">
-        <p14:creationId xmlns:p14="http://schemas.microsoft.com/office/powerpoint/2010/main" val="904529735"/>
-      </p:ext>
-    </p:extLst>
-  </p:cSld>
-  <p:clrMapOvr>
-    <a:masterClrMapping/>
-  </p:clrMapOvr>
-</p:sld>
-</file>
-
-<file path=ppt/slides/slide7.xml><?xml version="1.0" encoding="utf-8"?>
-<p:sld xmlns:a="http://schemas.openxmlformats.org/drawingml/2006/main" xmlns:r="http://schemas.openxmlformats.org/officeDocument/2006/relationships" xmlns:p="http://schemas.openxmlformats.org/presentationml/2006/main">
-  <p:cSld>
-    <p:bg>
-      <p:bgPr>
-        <a:solidFill>
-          <a:schemeClr val="bg1">
-            <a:lumMod val="85000"/>
-          </a:schemeClr>
-        </a:solidFill>
-        <a:effectLst/>
-      </p:bgPr>
-    </p:bg>
-    <p:spTree>
-      <p:nvGrpSpPr>
-        <p:cNvPr id="1" name=""/>
-        <p:cNvGrpSpPr/>
-        <p:nvPr/>
-      </p:nvGrpSpPr>
-      <p:grpSpPr>
-        <a:xfrm>
-          <a:off x="0" y="0"/>
-          <a:ext cx="0" cy="0"/>
-          <a:chOff x="0" y="0"/>
-          <a:chExt cx="0" cy="0"/>
-        </a:xfrm>
-      </p:grpSpPr>
-      <p:sp>
-        <p:nvSpPr>
-          <p:cNvPr id="15" name="Rectangle 12">
-            <a:extLst>
-              <a:ext uri="{FF2B5EF4-FFF2-40B4-BE49-F238E27FC236}">
-                <a16:creationId xmlns:a16="http://schemas.microsoft.com/office/drawing/2014/main" id="{867D4867-5BA7-4462-B2F6-A23F4A622AA7}"/>
-              </a:ext>
-              <a:ext uri="{C183D7F6-B498-43B3-948B-1728B52AA6E4}">
-                <adec:decorative xmlns:adec="http://schemas.microsoft.com/office/drawing/2017/decorative" val="1"/>
-              </a:ext>
-            </a:extLst>
-          </p:cNvPr>
-          <p:cNvSpPr>
-            <a:spLocks noGrp="1" noRot="1" noChangeAspect="1" noMove="1" noResize="1" noEditPoints="1" noAdjustHandles="1" noChangeArrowheads="1" noChangeShapeType="1" noTextEdit="1"/>
-          </p:cNvSpPr>
-          <p:nvPr>
-            <p:extLst>
-              <p:ext uri="{386F3935-93C4-4BCD-93E2-E3B085C9AB24}">
-                <p16:designElem xmlns:p16="http://schemas.microsoft.com/office/powerpoint/2015/main" val="1"/>
-              </p:ext>
-            </p:extLst>
-          </p:nvPr>
-        </p:nvSpPr>
-        <p:spPr>
-          <a:xfrm>
-            <a:off x="0" y="0"/>
-            <a:ext cx="3490722" cy="6858000"/>
-          </a:xfrm>
-          <a:prstGeom prst="rect">
-            <a:avLst/>
-          </a:prstGeom>
-          <a:solidFill>
-            <a:schemeClr val="tx1">
-              <a:lumMod val="75000"/>
-              <a:lumOff val="25000"/>
-            </a:schemeClr>
-          </a:solidFill>
-          <a:ln>
-            <a:noFill/>
-          </a:ln>
-        </p:spPr>
-        <p:style>
-          <a:lnRef idx="0">
-            <a:scrgbClr r="0" g="0" b="0"/>
-          </a:lnRef>
-          <a:fillRef idx="0">
-            <a:scrgbClr r="0" g="0" b="0"/>
-          </a:fillRef>
-          <a:effectRef idx="0">
-            <a:scrgbClr r="0" g="0" b="0"/>
-          </a:effectRef>
-          <a:fontRef idx="minor">
-            <a:schemeClr val="lt1"/>
-          </a:fontRef>
-        </p:style>
-        <p:txBody>
-          <a:bodyPr rtlCol="0" anchor="ctr"/>
-          <a:lstStyle/>
-          <a:p>
-            <a:pPr marL="0" marR="0" lvl="0" indent="0" algn="ctr" defTabSz="457200" rtl="0" eaLnBrk="1" fontAlgn="base" latinLnBrk="0" hangingPunct="1">
-              <a:lnSpc>
-                <a:spcPct val="100000"/>
-              </a:lnSpc>
-              <a:spcBef>
-                <a:spcPct val="0"/>
-              </a:spcBef>
-              <a:spcAft>
-                <a:spcPct val="0"/>
-              </a:spcAft>
-              <a:buClrTx/>
-              <a:buSzTx/>
-              <a:buFontTx/>
-              <a:buNone/>
-              <a:tabLst/>
-              <a:defRPr/>
-            </a:pPr>
-            <a:endParaRPr kumimoji="0" lang="en-US" sz="2400" b="0" i="0" u="none" strike="noStrike" kern="1200" cap="none" spc="0" normalizeH="0" baseline="0" noProof="0">
-              <a:ln>
-                <a:noFill/>
-              </a:ln>
-              <a:solidFill>
-                <a:prstClr val="white"/>
-              </a:solidFill>
-              <a:effectLst/>
-              <a:uLnTx/>
-              <a:uFillTx/>
-              <a:latin typeface="Calibri"/>
-              <a:ea typeface="+mn-ea"/>
-              <a:cs typeface="+mn-cs"/>
-            </a:endParaRPr>
-          </a:p>
-        </p:txBody>
-      </p:sp>
-      <p:sp>
-        <p:nvSpPr>
-          <p:cNvPr id="2" name="Title 1"/>
-          <p:cNvSpPr>
-            <a:spLocks noGrp="1"/>
-          </p:cNvSpPr>
-          <p:nvPr>
-            <p:ph type="title"/>
-          </p:nvPr>
-        </p:nvSpPr>
-        <p:spPr>
-          <a:xfrm>
-            <a:off x="482600" y="643467"/>
-            <a:ext cx="2522980" cy="1597315"/>
-          </a:xfrm>
-          <a:noFill/>
-          <a:ln w="19050">
-            <a:solidFill>
-              <a:schemeClr val="bg1"/>
-            </a:solidFill>
-          </a:ln>
-        </p:spPr>
-        <p:txBody>
-          <a:bodyPr vert="horz" wrap="square" lIns="91440" tIns="45720" rIns="91440" bIns="45720" rtlCol="0" anchor="ctr">
-            <a:normAutofit/>
-          </a:bodyPr>
-          <a:lstStyle/>
-          <a:p>
-            <a:pPr defTabSz="914400" eaLnBrk="1" hangingPunct="1">
-              <a:lnSpc>
-                <a:spcPct val="90000"/>
-              </a:lnSpc>
-            </a:pPr>
-            <a:r>
-              <a:rPr lang="en-US" sz="2400" kern="1200" dirty="0">
-                <a:solidFill>
-                  <a:schemeClr val="bg1"/>
-                </a:solidFill>
-                <a:latin typeface="+mj-lt"/>
-                <a:ea typeface="+mj-ea"/>
-                <a:cs typeface="+mj-cs"/>
-              </a:rPr>
-              <a:t>Missing Values</a:t>
-            </a:r>
-          </a:p>
-        </p:txBody>
-      </p:sp>
-      <p:pic>
-        <p:nvPicPr>
-          <p:cNvPr id="8" name="Picture 7">
-            <a:extLst>
-              <a:ext uri="{FF2B5EF4-FFF2-40B4-BE49-F238E27FC236}">
-                <a16:creationId xmlns:a16="http://schemas.microsoft.com/office/drawing/2014/main" id="{521D4292-9ECC-4DA5-8CC0-C561A0DA118E}"/>
-              </a:ext>
-            </a:extLst>
-          </p:cNvPr>
-          <p:cNvPicPr>
-            <a:picLocks noChangeAspect="1"/>
-          </p:cNvPicPr>
-          <p:nvPr/>
-        </p:nvPicPr>
-        <p:blipFill rotWithShape="1">
-          <a:blip r:embed="rId3"/>
-          <a:srcRect l="8000" r="9400"/>
-          <a:stretch/>
-        </p:blipFill>
-        <p:spPr>
-          <a:xfrm>
-            <a:off x="660103" y="3048000"/>
-            <a:ext cx="2167974" cy="2624666"/>
-          </a:xfrm>
-          <a:prstGeom prst="rect">
-            <a:avLst/>
-          </a:prstGeom>
-          <a:noFill/>
-        </p:spPr>
-      </p:pic>
-      <p:sp>
-        <p:nvSpPr>
-          <p:cNvPr id="6" name="TextBox 5">
-            <a:extLst>
-              <a:ext uri="{FF2B5EF4-FFF2-40B4-BE49-F238E27FC236}">
-                <a16:creationId xmlns:a16="http://schemas.microsoft.com/office/drawing/2014/main" id="{E58EF064-51FF-48A9-8810-E84BE6F6F09D}"/>
-              </a:ext>
-            </a:extLst>
-          </p:cNvPr>
-          <p:cNvSpPr txBox="1"/>
-          <p:nvPr/>
-        </p:nvSpPr>
-        <p:spPr>
-          <a:xfrm>
-            <a:off x="3810000" y="621916"/>
-            <a:ext cx="5029200" cy="461665"/>
-          </a:xfrm>
-          <a:prstGeom prst="rect">
-            <a:avLst/>
-          </a:prstGeom>
-          <a:noFill/>
-        </p:spPr>
-        <p:txBody>
-          <a:bodyPr wrap="square" rtlCol="0">
-            <a:spAutoFit/>
-          </a:bodyPr>
-          <a:lstStyle/>
-          <a:p>
-            <a:pPr marL="342900" indent="-342900">
-              <a:buFont typeface="Arial" panose="020B0604020202020204" pitchFamily="34" charset="0"/>
-              <a:buChar char="•"/>
-            </a:pPr>
-            <a:r>
-              <a:rPr lang="en-US" dirty="0">
-                <a:solidFill>
-                  <a:srgbClr val="404040"/>
-                </a:solidFill>
-              </a:rPr>
-              <a:t>Complete Function</a:t>
-            </a:r>
-          </a:p>
-        </p:txBody>
-      </p:sp>
-      <p:pic>
-        <p:nvPicPr>
-          <p:cNvPr id="3" name="Picture 2">
-            <a:extLst>
-              <a:ext uri="{FF2B5EF4-FFF2-40B4-BE49-F238E27FC236}">
-                <a16:creationId xmlns:a16="http://schemas.microsoft.com/office/drawing/2014/main" id="{A11B684E-270F-4912-865E-9965BDA65078}"/>
-              </a:ext>
-            </a:extLst>
-          </p:cNvPr>
-          <p:cNvPicPr>
-            <a:picLocks noChangeAspect="1"/>
-          </p:cNvPicPr>
-          <p:nvPr/>
-        </p:nvPicPr>
-        <p:blipFill>
-          <a:blip r:embed="rId4"/>
-          <a:stretch>
-            <a:fillRect/>
-          </a:stretch>
-        </p:blipFill>
-        <p:spPr>
-          <a:xfrm>
-            <a:off x="4267200" y="1128341"/>
-            <a:ext cx="4370137" cy="5671506"/>
-          </a:xfrm>
-          <a:prstGeom prst="rect">
-            <a:avLst/>
-          </a:prstGeom>
-          <a:ln>
-            <a:solidFill>
-              <a:srgbClr val="404040"/>
-            </a:solidFill>
-          </a:ln>
-        </p:spPr>
-        <p:style>
-          <a:lnRef idx="2">
-            <a:schemeClr val="dk1"/>
-          </a:lnRef>
-          <a:fillRef idx="1">
-            <a:schemeClr val="lt1"/>
-          </a:fillRef>
-          <a:effectRef idx="0">
-            <a:schemeClr val="dk1"/>
-          </a:effectRef>
-          <a:fontRef idx="minor">
-            <a:schemeClr val="dk1"/>
-          </a:fontRef>
-        </p:style>
-      </p:pic>
-    </p:spTree>
-    <p:custDataLst>
-      <p:tags r:id="rId1"/>
-    </p:custDataLst>
-    <p:extLst>
-      <p:ext uri="{BB962C8B-B14F-4D97-AF65-F5344CB8AC3E}">
-        <p14:creationId xmlns:p14="http://schemas.microsoft.com/office/powerpoint/2010/main" val="904255967"/>
-      </p:ext>
-    </p:extLst>
-  </p:cSld>
-  <p:clrMapOvr>
-    <a:masterClrMapping/>
-  </p:clrMapOvr>
-</p:sld>
-</file>
-
-<file path=ppt/slides/slide8.xml><?xml version="1.0" encoding="utf-8"?>
+<file path=ppt/slides/slide10.xml><?xml version="1.0" encoding="utf-8"?>
 <p:sld xmlns:a="http://schemas.openxmlformats.org/drawingml/2006/main" xmlns:r="http://schemas.openxmlformats.org/officeDocument/2006/relationships" xmlns:p="http://schemas.openxmlformats.org/presentationml/2006/main">
   <p:cSld>
     <p:bg>
@@ -10964,6 +9131,2830 @@
 </p:sld>
 </file>
 
+<file path=ppt/slides/slide2.xml><?xml version="1.0" encoding="utf-8"?>
+<p:sld xmlns:a="http://schemas.openxmlformats.org/drawingml/2006/main" xmlns:r="http://schemas.openxmlformats.org/officeDocument/2006/relationships" xmlns:p="http://schemas.openxmlformats.org/presentationml/2006/main">
+  <p:cSld>
+    <p:bg>
+      <p:bgPr>
+        <a:solidFill>
+          <a:schemeClr val="bg1">
+            <a:lumMod val="85000"/>
+          </a:schemeClr>
+        </a:solidFill>
+        <a:effectLst/>
+      </p:bgPr>
+    </p:bg>
+    <p:spTree>
+      <p:nvGrpSpPr>
+        <p:cNvPr id="1" name=""/>
+        <p:cNvGrpSpPr/>
+        <p:nvPr/>
+      </p:nvGrpSpPr>
+      <p:grpSpPr>
+        <a:xfrm>
+          <a:off x="0" y="0"/>
+          <a:ext cx="0" cy="0"/>
+          <a:chOff x="0" y="0"/>
+          <a:chExt cx="0" cy="0"/>
+        </a:xfrm>
+      </p:grpSpPr>
+      <p:sp>
+        <p:nvSpPr>
+          <p:cNvPr id="15" name="Rectangle 12">
+            <a:extLst>
+              <a:ext uri="{FF2B5EF4-FFF2-40B4-BE49-F238E27FC236}">
+                <a16:creationId xmlns:a16="http://schemas.microsoft.com/office/drawing/2014/main" id="{867D4867-5BA7-4462-B2F6-A23F4A622AA7}"/>
+              </a:ext>
+              <a:ext uri="{C183D7F6-B498-43B3-948B-1728B52AA6E4}">
+                <adec:decorative xmlns:adec="http://schemas.microsoft.com/office/drawing/2017/decorative" val="1"/>
+              </a:ext>
+            </a:extLst>
+          </p:cNvPr>
+          <p:cNvSpPr>
+            <a:spLocks noGrp="1" noRot="1" noChangeAspect="1" noMove="1" noResize="1" noEditPoints="1" noAdjustHandles="1" noChangeArrowheads="1" noChangeShapeType="1" noTextEdit="1"/>
+          </p:cNvSpPr>
+          <p:nvPr>
+            <p:extLst>
+              <p:ext uri="{386F3935-93C4-4BCD-93E2-E3B085C9AB24}">
+                <p16:designElem xmlns:p16="http://schemas.microsoft.com/office/powerpoint/2015/main" val="1"/>
+              </p:ext>
+            </p:extLst>
+          </p:nvPr>
+        </p:nvSpPr>
+        <p:spPr>
+          <a:xfrm>
+            <a:off x="0" y="0"/>
+            <a:ext cx="3490722" cy="6858000"/>
+          </a:xfrm>
+          <a:prstGeom prst="rect">
+            <a:avLst/>
+          </a:prstGeom>
+          <a:solidFill>
+            <a:schemeClr val="tx1">
+              <a:lumMod val="75000"/>
+              <a:lumOff val="25000"/>
+            </a:schemeClr>
+          </a:solidFill>
+          <a:ln>
+            <a:noFill/>
+          </a:ln>
+        </p:spPr>
+        <p:style>
+          <a:lnRef idx="0">
+            <a:scrgbClr r="0" g="0" b="0"/>
+          </a:lnRef>
+          <a:fillRef idx="0">
+            <a:scrgbClr r="0" g="0" b="0"/>
+          </a:fillRef>
+          <a:effectRef idx="0">
+            <a:scrgbClr r="0" g="0" b="0"/>
+          </a:effectRef>
+          <a:fontRef idx="minor">
+            <a:schemeClr val="lt1"/>
+          </a:fontRef>
+        </p:style>
+        <p:txBody>
+          <a:bodyPr rtlCol="0" anchor="ctr"/>
+          <a:lstStyle/>
+          <a:p>
+            <a:pPr marL="0" marR="0" lvl="0" indent="0" algn="ctr" defTabSz="457200" rtl="0" eaLnBrk="1" fontAlgn="base" latinLnBrk="0" hangingPunct="1">
+              <a:lnSpc>
+                <a:spcPct val="100000"/>
+              </a:lnSpc>
+              <a:spcBef>
+                <a:spcPct val="0"/>
+              </a:spcBef>
+              <a:spcAft>
+                <a:spcPct val="0"/>
+              </a:spcAft>
+              <a:buClrTx/>
+              <a:buSzTx/>
+              <a:buFontTx/>
+              <a:buNone/>
+              <a:tabLst/>
+              <a:defRPr/>
+            </a:pPr>
+            <a:endParaRPr kumimoji="0" lang="en-US" sz="2400" b="0" i="0" u="none" strike="noStrike" kern="1200" cap="none" spc="0" normalizeH="0" baseline="0" noProof="0">
+              <a:ln>
+                <a:noFill/>
+              </a:ln>
+              <a:solidFill>
+                <a:prstClr val="white"/>
+              </a:solidFill>
+              <a:effectLst/>
+              <a:uLnTx/>
+              <a:uFillTx/>
+              <a:latin typeface="Calibri"/>
+              <a:ea typeface="+mn-ea"/>
+              <a:cs typeface="+mn-cs"/>
+            </a:endParaRPr>
+          </a:p>
+        </p:txBody>
+      </p:sp>
+      <p:sp>
+        <p:nvSpPr>
+          <p:cNvPr id="2" name="Title 1"/>
+          <p:cNvSpPr>
+            <a:spLocks noGrp="1"/>
+          </p:cNvSpPr>
+          <p:nvPr>
+            <p:ph type="title"/>
+          </p:nvPr>
+        </p:nvSpPr>
+        <p:spPr>
+          <a:xfrm>
+            <a:off x="482600" y="643467"/>
+            <a:ext cx="2522980" cy="1597315"/>
+          </a:xfrm>
+          <a:noFill/>
+          <a:ln w="19050">
+            <a:solidFill>
+              <a:schemeClr val="bg1"/>
+            </a:solidFill>
+          </a:ln>
+        </p:spPr>
+        <p:txBody>
+          <a:bodyPr vert="horz" wrap="square" lIns="91440" tIns="45720" rIns="91440" bIns="45720" rtlCol="0" anchor="ctr">
+            <a:normAutofit/>
+          </a:bodyPr>
+          <a:lstStyle/>
+          <a:p>
+            <a:pPr defTabSz="914400" eaLnBrk="1" hangingPunct="1">
+              <a:lnSpc>
+                <a:spcPct val="90000"/>
+              </a:lnSpc>
+            </a:pPr>
+            <a:r>
+              <a:rPr lang="en-US" sz="2400" kern="1200" dirty="0">
+                <a:solidFill>
+                  <a:schemeClr val="bg1"/>
+                </a:solidFill>
+                <a:latin typeface="+mj-lt"/>
+                <a:ea typeface="+mj-ea"/>
+                <a:cs typeface="+mj-cs"/>
+              </a:rPr>
+              <a:t>Missing Values</a:t>
+            </a:r>
+          </a:p>
+        </p:txBody>
+      </p:sp>
+      <p:pic>
+        <p:nvPicPr>
+          <p:cNvPr id="8" name="Picture 7">
+            <a:extLst>
+              <a:ext uri="{FF2B5EF4-FFF2-40B4-BE49-F238E27FC236}">
+                <a16:creationId xmlns:a16="http://schemas.microsoft.com/office/drawing/2014/main" id="{521D4292-9ECC-4DA5-8CC0-C561A0DA118E}"/>
+              </a:ext>
+            </a:extLst>
+          </p:cNvPr>
+          <p:cNvPicPr>
+            <a:picLocks noChangeAspect="1"/>
+          </p:cNvPicPr>
+          <p:nvPr/>
+        </p:nvPicPr>
+        <p:blipFill rotWithShape="1">
+          <a:blip r:embed="rId3"/>
+          <a:srcRect l="8000" r="9400"/>
+          <a:stretch/>
+        </p:blipFill>
+        <p:spPr>
+          <a:xfrm>
+            <a:off x="660103" y="3048000"/>
+            <a:ext cx="2167974" cy="2624666"/>
+          </a:xfrm>
+          <a:prstGeom prst="rect">
+            <a:avLst/>
+          </a:prstGeom>
+          <a:noFill/>
+        </p:spPr>
+      </p:pic>
+      <p:sp>
+        <p:nvSpPr>
+          <p:cNvPr id="6" name="TextBox 5">
+            <a:extLst>
+              <a:ext uri="{FF2B5EF4-FFF2-40B4-BE49-F238E27FC236}">
+                <a16:creationId xmlns:a16="http://schemas.microsoft.com/office/drawing/2014/main" id="{E58EF064-51FF-48A9-8810-E84BE6F6F09D}"/>
+              </a:ext>
+            </a:extLst>
+          </p:cNvPr>
+          <p:cNvSpPr txBox="1"/>
+          <p:nvPr/>
+        </p:nvSpPr>
+        <p:spPr>
+          <a:xfrm>
+            <a:off x="3810000" y="621916"/>
+            <a:ext cx="5029200" cy="5262979"/>
+          </a:xfrm>
+          <a:prstGeom prst="rect">
+            <a:avLst/>
+          </a:prstGeom>
+          <a:noFill/>
+        </p:spPr>
+        <p:txBody>
+          <a:bodyPr wrap="square" rtlCol="0">
+            <a:spAutoFit/>
+          </a:bodyPr>
+          <a:lstStyle/>
+          <a:p>
+            <a:pPr marL="342900" indent="-342900">
+              <a:buFont typeface="Arial" panose="020B0604020202020204" pitchFamily="34" charset="0"/>
+              <a:buChar char="•"/>
+            </a:pPr>
+            <a:r>
+              <a:rPr lang="en-US" dirty="0">
+                <a:solidFill>
+                  <a:srgbClr val="404040"/>
+                </a:solidFill>
+              </a:rPr>
+              <a:t>Two Ways</a:t>
+            </a:r>
+          </a:p>
+          <a:p>
+            <a:pPr marL="342900" indent="-342900">
+              <a:buFont typeface="Arial" panose="020B0604020202020204" pitchFamily="34" charset="0"/>
+              <a:buChar char="•"/>
+            </a:pPr>
+            <a:endParaRPr lang="en-US" dirty="0">
+              <a:solidFill>
+                <a:srgbClr val="404040"/>
+              </a:solidFill>
+            </a:endParaRPr>
+          </a:p>
+          <a:p>
+            <a:pPr marL="800100" lvl="1" indent="-342900">
+              <a:buFont typeface="Arial" panose="020B0604020202020204" pitchFamily="34" charset="0"/>
+              <a:buChar char="•"/>
+            </a:pPr>
+            <a:r>
+              <a:rPr lang="en-US" dirty="0">
+                <a:solidFill>
+                  <a:srgbClr val="404040"/>
+                </a:solidFill>
+              </a:rPr>
+              <a:t>Explicitly: Defined to Be Missing Using NA </a:t>
+            </a:r>
+          </a:p>
+          <a:p>
+            <a:pPr lvl="1"/>
+            <a:endParaRPr lang="en-US" dirty="0">
+              <a:solidFill>
+                <a:srgbClr val="404040"/>
+              </a:solidFill>
+            </a:endParaRPr>
+          </a:p>
+          <a:p>
+            <a:pPr marL="800100" lvl="1" indent="-342900">
+              <a:buFont typeface="Arial" panose="020B0604020202020204" pitchFamily="34" charset="0"/>
+              <a:buChar char="•"/>
+            </a:pPr>
+            <a:r>
+              <a:rPr lang="en-US" dirty="0">
+                <a:solidFill>
+                  <a:srgbClr val="404040"/>
+                </a:solidFill>
+              </a:rPr>
+              <a:t>Implicitly: Absent From Data</a:t>
+            </a:r>
+          </a:p>
+          <a:p>
+            <a:pPr marL="800100" lvl="1" indent="-342900">
+              <a:buFont typeface="Arial" panose="020B0604020202020204" pitchFamily="34" charset="0"/>
+              <a:buChar char="•"/>
+            </a:pPr>
+            <a:endParaRPr lang="en-US" dirty="0">
+              <a:solidFill>
+                <a:srgbClr val="404040"/>
+              </a:solidFill>
+            </a:endParaRPr>
+          </a:p>
+          <a:p>
+            <a:pPr marL="342900" indent="-342900">
+              <a:buFont typeface="Arial" panose="020B0604020202020204" pitchFamily="34" charset="0"/>
+              <a:buChar char="•"/>
+            </a:pPr>
+            <a:r>
+              <a:rPr lang="en-US" dirty="0">
+                <a:solidFill>
+                  <a:srgbClr val="404040"/>
+                </a:solidFill>
+              </a:rPr>
+              <a:t>There is not a Uniform Way to Handle Either of These Problems</a:t>
+            </a:r>
+          </a:p>
+          <a:p>
+            <a:pPr marL="342900" indent="-342900">
+              <a:buFont typeface="Arial" panose="020B0604020202020204" pitchFamily="34" charset="0"/>
+              <a:buChar char="•"/>
+            </a:pPr>
+            <a:endParaRPr lang="en-US" dirty="0">
+              <a:solidFill>
+                <a:srgbClr val="404040"/>
+              </a:solidFill>
+            </a:endParaRPr>
+          </a:p>
+          <a:p>
+            <a:pPr marL="342900" indent="-342900">
+              <a:buFont typeface="Arial" panose="020B0604020202020204" pitchFamily="34" charset="0"/>
+              <a:buChar char="•"/>
+            </a:pPr>
+            <a:r>
+              <a:rPr lang="en-US" dirty="0">
+                <a:solidFill>
+                  <a:srgbClr val="404040"/>
+                </a:solidFill>
+              </a:rPr>
+              <a:t>Rule: Either Convert All Explicitly Missing to Implicitly Missing or Convert All Implicitly Missing to Explicitly Missing </a:t>
+            </a:r>
+          </a:p>
+        </p:txBody>
+      </p:sp>
+    </p:spTree>
+    <p:custDataLst>
+      <p:tags r:id="rId1"/>
+    </p:custDataLst>
+    <p:extLst>
+      <p:ext uri="{BB962C8B-B14F-4D97-AF65-F5344CB8AC3E}">
+        <p14:creationId xmlns:p14="http://schemas.microsoft.com/office/powerpoint/2010/main" val="2811406856"/>
+      </p:ext>
+    </p:extLst>
+  </p:cSld>
+  <p:clrMapOvr>
+    <a:masterClrMapping/>
+  </p:clrMapOvr>
+</p:sld>
+</file>
+
+<file path=ppt/slides/slide3.xml><?xml version="1.0" encoding="utf-8"?>
+<p:sld xmlns:a="http://schemas.openxmlformats.org/drawingml/2006/main" xmlns:r="http://schemas.openxmlformats.org/officeDocument/2006/relationships" xmlns:p="http://schemas.openxmlformats.org/presentationml/2006/main">
+  <p:cSld>
+    <p:bg>
+      <p:bgPr>
+        <a:solidFill>
+          <a:schemeClr val="bg1">
+            <a:lumMod val="85000"/>
+          </a:schemeClr>
+        </a:solidFill>
+        <a:effectLst/>
+      </p:bgPr>
+    </p:bg>
+    <p:spTree>
+      <p:nvGrpSpPr>
+        <p:cNvPr id="1" name=""/>
+        <p:cNvGrpSpPr/>
+        <p:nvPr/>
+      </p:nvGrpSpPr>
+      <p:grpSpPr>
+        <a:xfrm>
+          <a:off x="0" y="0"/>
+          <a:ext cx="0" cy="0"/>
+          <a:chOff x="0" y="0"/>
+          <a:chExt cx="0" cy="0"/>
+        </a:xfrm>
+      </p:grpSpPr>
+      <p:sp>
+        <p:nvSpPr>
+          <p:cNvPr id="15" name="Rectangle 12">
+            <a:extLst>
+              <a:ext uri="{FF2B5EF4-FFF2-40B4-BE49-F238E27FC236}">
+                <a16:creationId xmlns:a16="http://schemas.microsoft.com/office/drawing/2014/main" id="{867D4867-5BA7-4462-B2F6-A23F4A622AA7}"/>
+              </a:ext>
+              <a:ext uri="{C183D7F6-B498-43B3-948B-1728B52AA6E4}">
+                <adec:decorative xmlns:adec="http://schemas.microsoft.com/office/drawing/2017/decorative" val="1"/>
+              </a:ext>
+            </a:extLst>
+          </p:cNvPr>
+          <p:cNvSpPr>
+            <a:spLocks noGrp="1" noRot="1" noChangeAspect="1" noMove="1" noResize="1" noEditPoints="1" noAdjustHandles="1" noChangeArrowheads="1" noChangeShapeType="1" noTextEdit="1"/>
+          </p:cNvSpPr>
+          <p:nvPr>
+            <p:extLst>
+              <p:ext uri="{386F3935-93C4-4BCD-93E2-E3B085C9AB24}">
+                <p16:designElem xmlns:p16="http://schemas.microsoft.com/office/powerpoint/2015/main" val="1"/>
+              </p:ext>
+            </p:extLst>
+          </p:nvPr>
+        </p:nvSpPr>
+        <p:spPr>
+          <a:xfrm>
+            <a:off x="0" y="0"/>
+            <a:ext cx="3490722" cy="6858000"/>
+          </a:xfrm>
+          <a:prstGeom prst="rect">
+            <a:avLst/>
+          </a:prstGeom>
+          <a:solidFill>
+            <a:schemeClr val="tx1">
+              <a:lumMod val="75000"/>
+              <a:lumOff val="25000"/>
+            </a:schemeClr>
+          </a:solidFill>
+          <a:ln>
+            <a:noFill/>
+          </a:ln>
+        </p:spPr>
+        <p:style>
+          <a:lnRef idx="0">
+            <a:scrgbClr r="0" g="0" b="0"/>
+          </a:lnRef>
+          <a:fillRef idx="0">
+            <a:scrgbClr r="0" g="0" b="0"/>
+          </a:fillRef>
+          <a:effectRef idx="0">
+            <a:scrgbClr r="0" g="0" b="0"/>
+          </a:effectRef>
+          <a:fontRef idx="minor">
+            <a:schemeClr val="lt1"/>
+          </a:fontRef>
+        </p:style>
+        <p:txBody>
+          <a:bodyPr rtlCol="0" anchor="ctr"/>
+          <a:lstStyle/>
+          <a:p>
+            <a:pPr marL="0" marR="0" lvl="0" indent="0" algn="ctr" defTabSz="457200" rtl="0" eaLnBrk="1" fontAlgn="base" latinLnBrk="0" hangingPunct="1">
+              <a:lnSpc>
+                <a:spcPct val="100000"/>
+              </a:lnSpc>
+              <a:spcBef>
+                <a:spcPct val="0"/>
+              </a:spcBef>
+              <a:spcAft>
+                <a:spcPct val="0"/>
+              </a:spcAft>
+              <a:buClrTx/>
+              <a:buSzTx/>
+              <a:buFontTx/>
+              <a:buNone/>
+              <a:tabLst/>
+              <a:defRPr/>
+            </a:pPr>
+            <a:endParaRPr kumimoji="0" lang="en-US" sz="2400" b="0" i="0" u="none" strike="noStrike" kern="1200" cap="none" spc="0" normalizeH="0" baseline="0" noProof="0">
+              <a:ln>
+                <a:noFill/>
+              </a:ln>
+              <a:solidFill>
+                <a:prstClr val="white"/>
+              </a:solidFill>
+              <a:effectLst/>
+              <a:uLnTx/>
+              <a:uFillTx/>
+              <a:latin typeface="Calibri"/>
+              <a:ea typeface="+mn-ea"/>
+              <a:cs typeface="+mn-cs"/>
+            </a:endParaRPr>
+          </a:p>
+        </p:txBody>
+      </p:sp>
+      <p:sp>
+        <p:nvSpPr>
+          <p:cNvPr id="2" name="Title 1"/>
+          <p:cNvSpPr>
+            <a:spLocks noGrp="1"/>
+          </p:cNvSpPr>
+          <p:nvPr>
+            <p:ph type="title"/>
+          </p:nvPr>
+        </p:nvSpPr>
+        <p:spPr>
+          <a:xfrm>
+            <a:off x="482600" y="643467"/>
+            <a:ext cx="2522980" cy="1597315"/>
+          </a:xfrm>
+          <a:noFill/>
+          <a:ln w="19050">
+            <a:solidFill>
+              <a:schemeClr val="bg1"/>
+            </a:solidFill>
+          </a:ln>
+        </p:spPr>
+        <p:txBody>
+          <a:bodyPr vert="horz" wrap="square" lIns="91440" tIns="45720" rIns="91440" bIns="45720" rtlCol="0" anchor="ctr">
+            <a:normAutofit/>
+          </a:bodyPr>
+          <a:lstStyle/>
+          <a:p>
+            <a:pPr defTabSz="914400" eaLnBrk="1" hangingPunct="1">
+              <a:lnSpc>
+                <a:spcPct val="90000"/>
+              </a:lnSpc>
+            </a:pPr>
+            <a:r>
+              <a:rPr lang="en-US" sz="2400" kern="1200" dirty="0">
+                <a:solidFill>
+                  <a:schemeClr val="bg1"/>
+                </a:solidFill>
+                <a:latin typeface="+mj-lt"/>
+                <a:ea typeface="+mj-ea"/>
+                <a:cs typeface="+mj-cs"/>
+              </a:rPr>
+              <a:t>Missing Example</a:t>
+            </a:r>
+          </a:p>
+        </p:txBody>
+      </p:sp>
+      <p:pic>
+        <p:nvPicPr>
+          <p:cNvPr id="8" name="Picture 7">
+            <a:extLst>
+              <a:ext uri="{FF2B5EF4-FFF2-40B4-BE49-F238E27FC236}">
+                <a16:creationId xmlns:a16="http://schemas.microsoft.com/office/drawing/2014/main" id="{521D4292-9ECC-4DA5-8CC0-C561A0DA118E}"/>
+              </a:ext>
+            </a:extLst>
+          </p:cNvPr>
+          <p:cNvPicPr>
+            <a:picLocks noChangeAspect="1"/>
+          </p:cNvPicPr>
+          <p:nvPr/>
+        </p:nvPicPr>
+        <p:blipFill rotWithShape="1">
+          <a:blip r:embed="rId3"/>
+          <a:srcRect l="8000" r="9400"/>
+          <a:stretch/>
+        </p:blipFill>
+        <p:spPr>
+          <a:xfrm>
+            <a:off x="660103" y="3048000"/>
+            <a:ext cx="2167974" cy="2624666"/>
+          </a:xfrm>
+          <a:prstGeom prst="rect">
+            <a:avLst/>
+          </a:prstGeom>
+          <a:noFill/>
+        </p:spPr>
+      </p:pic>
+      <p:pic>
+        <p:nvPicPr>
+          <p:cNvPr id="4" name="Picture 3">
+            <a:extLst>
+              <a:ext uri="{FF2B5EF4-FFF2-40B4-BE49-F238E27FC236}">
+                <a16:creationId xmlns:a16="http://schemas.microsoft.com/office/drawing/2014/main" id="{AB7DD12B-B971-40AA-A621-6B04910601D6}"/>
+              </a:ext>
+            </a:extLst>
+          </p:cNvPr>
+          <p:cNvPicPr>
+            <a:picLocks noChangeAspect="1"/>
+          </p:cNvPicPr>
+          <p:nvPr/>
+        </p:nvPicPr>
+        <p:blipFill>
+          <a:blip r:embed="rId4"/>
+          <a:stretch>
+            <a:fillRect/>
+          </a:stretch>
+        </p:blipFill>
+        <p:spPr>
+          <a:xfrm>
+            <a:off x="4267200" y="152400"/>
+            <a:ext cx="4062220" cy="6617256"/>
+          </a:xfrm>
+          <a:prstGeom prst="rect">
+            <a:avLst/>
+          </a:prstGeom>
+          <a:ln>
+            <a:solidFill>
+              <a:srgbClr val="404040"/>
+            </a:solidFill>
+          </a:ln>
+        </p:spPr>
+        <p:style>
+          <a:lnRef idx="2">
+            <a:schemeClr val="dk1"/>
+          </a:lnRef>
+          <a:fillRef idx="1">
+            <a:schemeClr val="lt1"/>
+          </a:fillRef>
+          <a:effectRef idx="0">
+            <a:schemeClr val="dk1"/>
+          </a:effectRef>
+          <a:fontRef idx="minor">
+            <a:schemeClr val="dk1"/>
+          </a:fontRef>
+        </p:style>
+      </p:pic>
+    </p:spTree>
+    <p:custDataLst>
+      <p:tags r:id="rId1"/>
+    </p:custDataLst>
+    <p:extLst>
+      <p:ext uri="{BB962C8B-B14F-4D97-AF65-F5344CB8AC3E}">
+        <p14:creationId xmlns:p14="http://schemas.microsoft.com/office/powerpoint/2010/main" val="2493366720"/>
+      </p:ext>
+    </p:extLst>
+  </p:cSld>
+  <p:clrMapOvr>
+    <a:masterClrMapping/>
+  </p:clrMapOvr>
+</p:sld>
+</file>
+
+<file path=ppt/slides/slide4.xml><?xml version="1.0" encoding="utf-8"?>
+<p:sld xmlns:a="http://schemas.openxmlformats.org/drawingml/2006/main" xmlns:r="http://schemas.openxmlformats.org/officeDocument/2006/relationships" xmlns:p="http://schemas.openxmlformats.org/presentationml/2006/main">
+  <p:cSld>
+    <p:bg>
+      <p:bgPr>
+        <a:solidFill>
+          <a:schemeClr val="bg1">
+            <a:lumMod val="85000"/>
+          </a:schemeClr>
+        </a:solidFill>
+        <a:effectLst/>
+      </p:bgPr>
+    </p:bg>
+    <p:spTree>
+      <p:nvGrpSpPr>
+        <p:cNvPr id="1" name=""/>
+        <p:cNvGrpSpPr/>
+        <p:nvPr/>
+      </p:nvGrpSpPr>
+      <p:grpSpPr>
+        <a:xfrm>
+          <a:off x="0" y="0"/>
+          <a:ext cx="0" cy="0"/>
+          <a:chOff x="0" y="0"/>
+          <a:chExt cx="0" cy="0"/>
+        </a:xfrm>
+      </p:grpSpPr>
+      <p:sp>
+        <p:nvSpPr>
+          <p:cNvPr id="15" name="Rectangle 12">
+            <a:extLst>
+              <a:ext uri="{FF2B5EF4-FFF2-40B4-BE49-F238E27FC236}">
+                <a16:creationId xmlns:a16="http://schemas.microsoft.com/office/drawing/2014/main" id="{867D4867-5BA7-4462-B2F6-A23F4A622AA7}"/>
+              </a:ext>
+              <a:ext uri="{C183D7F6-B498-43B3-948B-1728B52AA6E4}">
+                <adec:decorative xmlns:adec="http://schemas.microsoft.com/office/drawing/2017/decorative" val="1"/>
+              </a:ext>
+            </a:extLst>
+          </p:cNvPr>
+          <p:cNvSpPr>
+            <a:spLocks noGrp="1" noRot="1" noChangeAspect="1" noMove="1" noResize="1" noEditPoints="1" noAdjustHandles="1" noChangeArrowheads="1" noChangeShapeType="1" noTextEdit="1"/>
+          </p:cNvSpPr>
+          <p:nvPr>
+            <p:extLst>
+              <p:ext uri="{386F3935-93C4-4BCD-93E2-E3B085C9AB24}">
+                <p16:designElem xmlns:p16="http://schemas.microsoft.com/office/powerpoint/2015/main" val="1"/>
+              </p:ext>
+            </p:extLst>
+          </p:nvPr>
+        </p:nvSpPr>
+        <p:spPr>
+          <a:xfrm>
+            <a:off x="0" y="0"/>
+            <a:ext cx="3490722" cy="6858000"/>
+          </a:xfrm>
+          <a:prstGeom prst="rect">
+            <a:avLst/>
+          </a:prstGeom>
+          <a:solidFill>
+            <a:schemeClr val="tx1">
+              <a:lumMod val="75000"/>
+              <a:lumOff val="25000"/>
+            </a:schemeClr>
+          </a:solidFill>
+          <a:ln>
+            <a:noFill/>
+          </a:ln>
+        </p:spPr>
+        <p:style>
+          <a:lnRef idx="0">
+            <a:scrgbClr r="0" g="0" b="0"/>
+          </a:lnRef>
+          <a:fillRef idx="0">
+            <a:scrgbClr r="0" g="0" b="0"/>
+          </a:fillRef>
+          <a:effectRef idx="0">
+            <a:scrgbClr r="0" g="0" b="0"/>
+          </a:effectRef>
+          <a:fontRef idx="minor">
+            <a:schemeClr val="lt1"/>
+          </a:fontRef>
+        </p:style>
+        <p:txBody>
+          <a:bodyPr rtlCol="0" anchor="ctr"/>
+          <a:lstStyle/>
+          <a:p>
+            <a:pPr marL="0" marR="0" lvl="0" indent="0" algn="ctr" defTabSz="457200" rtl="0" eaLnBrk="1" fontAlgn="base" latinLnBrk="0" hangingPunct="1">
+              <a:lnSpc>
+                <a:spcPct val="100000"/>
+              </a:lnSpc>
+              <a:spcBef>
+                <a:spcPct val="0"/>
+              </a:spcBef>
+              <a:spcAft>
+                <a:spcPct val="0"/>
+              </a:spcAft>
+              <a:buClrTx/>
+              <a:buSzTx/>
+              <a:buFontTx/>
+              <a:buNone/>
+              <a:tabLst/>
+              <a:defRPr/>
+            </a:pPr>
+            <a:endParaRPr kumimoji="0" lang="en-US" sz="2400" b="0" i="0" u="none" strike="noStrike" kern="1200" cap="none" spc="0" normalizeH="0" baseline="0" noProof="0">
+              <a:ln>
+                <a:noFill/>
+              </a:ln>
+              <a:solidFill>
+                <a:prstClr val="white"/>
+              </a:solidFill>
+              <a:effectLst/>
+              <a:uLnTx/>
+              <a:uFillTx/>
+              <a:latin typeface="Calibri"/>
+              <a:ea typeface="+mn-ea"/>
+              <a:cs typeface="+mn-cs"/>
+            </a:endParaRPr>
+          </a:p>
+        </p:txBody>
+      </p:sp>
+      <p:sp>
+        <p:nvSpPr>
+          <p:cNvPr id="2" name="Title 1"/>
+          <p:cNvSpPr>
+            <a:spLocks noGrp="1"/>
+          </p:cNvSpPr>
+          <p:nvPr>
+            <p:ph type="title"/>
+          </p:nvPr>
+        </p:nvSpPr>
+        <p:spPr>
+          <a:xfrm>
+            <a:off x="482600" y="643467"/>
+            <a:ext cx="2522980" cy="1597315"/>
+          </a:xfrm>
+          <a:noFill/>
+          <a:ln w="19050">
+            <a:solidFill>
+              <a:schemeClr val="bg1"/>
+            </a:solidFill>
+          </a:ln>
+        </p:spPr>
+        <p:txBody>
+          <a:bodyPr vert="horz" wrap="square" lIns="91440" tIns="45720" rIns="91440" bIns="45720" rtlCol="0" anchor="ctr">
+            <a:normAutofit/>
+          </a:bodyPr>
+          <a:lstStyle/>
+          <a:p>
+            <a:pPr defTabSz="914400" eaLnBrk="1" hangingPunct="1">
+              <a:lnSpc>
+                <a:spcPct val="90000"/>
+              </a:lnSpc>
+            </a:pPr>
+            <a:r>
+              <a:rPr lang="en-US" sz="2400" kern="1200" dirty="0">
+                <a:solidFill>
+                  <a:schemeClr val="bg1"/>
+                </a:solidFill>
+                <a:latin typeface="+mj-lt"/>
+                <a:ea typeface="+mj-ea"/>
+                <a:cs typeface="+mj-cs"/>
+              </a:rPr>
+              <a:t>Missing Values</a:t>
+            </a:r>
+          </a:p>
+        </p:txBody>
+      </p:sp>
+      <p:pic>
+        <p:nvPicPr>
+          <p:cNvPr id="8" name="Picture 7">
+            <a:extLst>
+              <a:ext uri="{FF2B5EF4-FFF2-40B4-BE49-F238E27FC236}">
+                <a16:creationId xmlns:a16="http://schemas.microsoft.com/office/drawing/2014/main" id="{521D4292-9ECC-4DA5-8CC0-C561A0DA118E}"/>
+              </a:ext>
+            </a:extLst>
+          </p:cNvPr>
+          <p:cNvPicPr>
+            <a:picLocks noChangeAspect="1"/>
+          </p:cNvPicPr>
+          <p:nvPr/>
+        </p:nvPicPr>
+        <p:blipFill rotWithShape="1">
+          <a:blip r:embed="rId3"/>
+          <a:srcRect l="8000" r="9400"/>
+          <a:stretch/>
+        </p:blipFill>
+        <p:spPr>
+          <a:xfrm>
+            <a:off x="660103" y="3048000"/>
+            <a:ext cx="2167974" cy="2624666"/>
+          </a:xfrm>
+          <a:prstGeom prst="rect">
+            <a:avLst/>
+          </a:prstGeom>
+          <a:noFill/>
+        </p:spPr>
+      </p:pic>
+      <p:sp>
+        <p:nvSpPr>
+          <p:cNvPr id="6" name="TextBox 5">
+            <a:extLst>
+              <a:ext uri="{FF2B5EF4-FFF2-40B4-BE49-F238E27FC236}">
+                <a16:creationId xmlns:a16="http://schemas.microsoft.com/office/drawing/2014/main" id="{E58EF064-51FF-48A9-8810-E84BE6F6F09D}"/>
+              </a:ext>
+            </a:extLst>
+          </p:cNvPr>
+          <p:cNvSpPr txBox="1"/>
+          <p:nvPr/>
+        </p:nvSpPr>
+        <p:spPr>
+          <a:xfrm>
+            <a:off x="3810000" y="621916"/>
+            <a:ext cx="5029200" cy="461665"/>
+          </a:xfrm>
+          <a:prstGeom prst="rect">
+            <a:avLst/>
+          </a:prstGeom>
+          <a:noFill/>
+        </p:spPr>
+        <p:txBody>
+          <a:bodyPr wrap="square" rtlCol="0">
+            <a:spAutoFit/>
+          </a:bodyPr>
+          <a:lstStyle/>
+          <a:p>
+            <a:pPr marL="342900" indent="-342900">
+              <a:buFont typeface="Arial" panose="020B0604020202020204" pitchFamily="34" charset="0"/>
+              <a:buChar char="•"/>
+            </a:pPr>
+            <a:r>
+              <a:rPr lang="en-US" dirty="0">
+                <a:solidFill>
+                  <a:srgbClr val="404040"/>
+                </a:solidFill>
+              </a:rPr>
+              <a:t>Notice:</a:t>
+            </a:r>
+          </a:p>
+        </p:txBody>
+      </p:sp>
+      <p:pic>
+        <p:nvPicPr>
+          <p:cNvPr id="3" name="Picture 2">
+            <a:extLst>
+              <a:ext uri="{FF2B5EF4-FFF2-40B4-BE49-F238E27FC236}">
+                <a16:creationId xmlns:a16="http://schemas.microsoft.com/office/drawing/2014/main" id="{DF9B25BE-30C4-4A53-A088-CCFE8AC7224F}"/>
+              </a:ext>
+            </a:extLst>
+          </p:cNvPr>
+          <p:cNvPicPr>
+            <a:picLocks noChangeAspect="1"/>
+          </p:cNvPicPr>
+          <p:nvPr/>
+        </p:nvPicPr>
+        <p:blipFill>
+          <a:blip r:embed="rId4"/>
+          <a:stretch>
+            <a:fillRect/>
+          </a:stretch>
+        </p:blipFill>
+        <p:spPr>
+          <a:xfrm>
+            <a:off x="4273216" y="1066800"/>
+            <a:ext cx="4238776" cy="5536532"/>
+          </a:xfrm>
+          <a:prstGeom prst="rect">
+            <a:avLst/>
+          </a:prstGeom>
+          <a:ln>
+            <a:solidFill>
+              <a:srgbClr val="404040"/>
+            </a:solidFill>
+          </a:ln>
+        </p:spPr>
+        <p:style>
+          <a:lnRef idx="2">
+            <a:schemeClr val="dk1"/>
+          </a:lnRef>
+          <a:fillRef idx="1">
+            <a:schemeClr val="lt1"/>
+          </a:fillRef>
+          <a:effectRef idx="0">
+            <a:schemeClr val="dk1"/>
+          </a:effectRef>
+          <a:fontRef idx="minor">
+            <a:schemeClr val="dk1"/>
+          </a:fontRef>
+        </p:style>
+      </p:pic>
+    </p:spTree>
+    <p:custDataLst>
+      <p:tags r:id="rId1"/>
+    </p:custDataLst>
+    <p:extLst>
+      <p:ext uri="{BB962C8B-B14F-4D97-AF65-F5344CB8AC3E}">
+        <p14:creationId xmlns:p14="http://schemas.microsoft.com/office/powerpoint/2010/main" val="1743058089"/>
+      </p:ext>
+    </p:extLst>
+  </p:cSld>
+  <p:clrMapOvr>
+    <a:masterClrMapping/>
+  </p:clrMapOvr>
+</p:sld>
+</file>
+
+<file path=ppt/slides/slide5.xml><?xml version="1.0" encoding="utf-8"?>
+<p:sld xmlns:a="http://schemas.openxmlformats.org/drawingml/2006/main" xmlns:r="http://schemas.openxmlformats.org/officeDocument/2006/relationships" xmlns:p="http://schemas.openxmlformats.org/presentationml/2006/main">
+  <p:cSld>
+    <p:bg>
+      <p:bgPr>
+        <a:solidFill>
+          <a:schemeClr val="bg1">
+            <a:lumMod val="85000"/>
+          </a:schemeClr>
+        </a:solidFill>
+        <a:effectLst/>
+      </p:bgPr>
+    </p:bg>
+    <p:spTree>
+      <p:nvGrpSpPr>
+        <p:cNvPr id="1" name=""/>
+        <p:cNvGrpSpPr/>
+        <p:nvPr/>
+      </p:nvGrpSpPr>
+      <p:grpSpPr>
+        <a:xfrm>
+          <a:off x="0" y="0"/>
+          <a:ext cx="0" cy="0"/>
+          <a:chOff x="0" y="0"/>
+          <a:chExt cx="0" cy="0"/>
+        </a:xfrm>
+      </p:grpSpPr>
+      <p:sp>
+        <p:nvSpPr>
+          <p:cNvPr id="15" name="Rectangle 12">
+            <a:extLst>
+              <a:ext uri="{FF2B5EF4-FFF2-40B4-BE49-F238E27FC236}">
+                <a16:creationId xmlns:a16="http://schemas.microsoft.com/office/drawing/2014/main" id="{867D4867-5BA7-4462-B2F6-A23F4A622AA7}"/>
+              </a:ext>
+              <a:ext uri="{C183D7F6-B498-43B3-948B-1728B52AA6E4}">
+                <adec:decorative xmlns:adec="http://schemas.microsoft.com/office/drawing/2017/decorative" val="1"/>
+              </a:ext>
+            </a:extLst>
+          </p:cNvPr>
+          <p:cNvSpPr>
+            <a:spLocks noGrp="1" noRot="1" noChangeAspect="1" noMove="1" noResize="1" noEditPoints="1" noAdjustHandles="1" noChangeArrowheads="1" noChangeShapeType="1" noTextEdit="1"/>
+          </p:cNvSpPr>
+          <p:nvPr>
+            <p:extLst>
+              <p:ext uri="{386F3935-93C4-4BCD-93E2-E3B085C9AB24}">
+                <p16:designElem xmlns:p16="http://schemas.microsoft.com/office/powerpoint/2015/main" val="1"/>
+              </p:ext>
+            </p:extLst>
+          </p:nvPr>
+        </p:nvSpPr>
+        <p:spPr>
+          <a:xfrm>
+            <a:off x="0" y="0"/>
+            <a:ext cx="3490722" cy="6858000"/>
+          </a:xfrm>
+          <a:prstGeom prst="rect">
+            <a:avLst/>
+          </a:prstGeom>
+          <a:solidFill>
+            <a:schemeClr val="tx1">
+              <a:lumMod val="75000"/>
+              <a:lumOff val="25000"/>
+            </a:schemeClr>
+          </a:solidFill>
+          <a:ln>
+            <a:noFill/>
+          </a:ln>
+        </p:spPr>
+        <p:style>
+          <a:lnRef idx="0">
+            <a:scrgbClr r="0" g="0" b="0"/>
+          </a:lnRef>
+          <a:fillRef idx="0">
+            <a:scrgbClr r="0" g="0" b="0"/>
+          </a:fillRef>
+          <a:effectRef idx="0">
+            <a:scrgbClr r="0" g="0" b="0"/>
+          </a:effectRef>
+          <a:fontRef idx="minor">
+            <a:schemeClr val="lt1"/>
+          </a:fontRef>
+        </p:style>
+        <p:txBody>
+          <a:bodyPr rtlCol="0" anchor="ctr"/>
+          <a:lstStyle/>
+          <a:p>
+            <a:pPr marL="0" marR="0" lvl="0" indent="0" algn="ctr" defTabSz="457200" rtl="0" eaLnBrk="1" fontAlgn="base" latinLnBrk="0" hangingPunct="1">
+              <a:lnSpc>
+                <a:spcPct val="100000"/>
+              </a:lnSpc>
+              <a:spcBef>
+                <a:spcPct val="0"/>
+              </a:spcBef>
+              <a:spcAft>
+                <a:spcPct val="0"/>
+              </a:spcAft>
+              <a:buClrTx/>
+              <a:buSzTx/>
+              <a:buFontTx/>
+              <a:buNone/>
+              <a:tabLst/>
+              <a:defRPr/>
+            </a:pPr>
+            <a:endParaRPr kumimoji="0" lang="en-US" sz="2400" b="0" i="0" u="none" strike="noStrike" kern="1200" cap="none" spc="0" normalizeH="0" baseline="0" noProof="0">
+              <a:ln>
+                <a:noFill/>
+              </a:ln>
+              <a:solidFill>
+                <a:prstClr val="white"/>
+              </a:solidFill>
+              <a:effectLst/>
+              <a:uLnTx/>
+              <a:uFillTx/>
+              <a:latin typeface="Calibri"/>
+              <a:ea typeface="+mn-ea"/>
+              <a:cs typeface="+mn-cs"/>
+            </a:endParaRPr>
+          </a:p>
+        </p:txBody>
+      </p:sp>
+      <p:sp>
+        <p:nvSpPr>
+          <p:cNvPr id="2" name="Title 1"/>
+          <p:cNvSpPr>
+            <a:spLocks noGrp="1"/>
+          </p:cNvSpPr>
+          <p:nvPr>
+            <p:ph type="title"/>
+          </p:nvPr>
+        </p:nvSpPr>
+        <p:spPr>
+          <a:xfrm>
+            <a:off x="482600" y="643467"/>
+            <a:ext cx="2522980" cy="1597315"/>
+          </a:xfrm>
+          <a:noFill/>
+          <a:ln w="19050">
+            <a:solidFill>
+              <a:schemeClr val="bg1"/>
+            </a:solidFill>
+          </a:ln>
+        </p:spPr>
+        <p:txBody>
+          <a:bodyPr vert="horz" wrap="square" lIns="91440" tIns="45720" rIns="91440" bIns="45720" rtlCol="0" anchor="ctr">
+            <a:normAutofit/>
+          </a:bodyPr>
+          <a:lstStyle/>
+          <a:p>
+            <a:pPr defTabSz="914400" eaLnBrk="1" hangingPunct="1">
+              <a:lnSpc>
+                <a:spcPct val="90000"/>
+              </a:lnSpc>
+            </a:pPr>
+            <a:r>
+              <a:rPr lang="en-US" sz="2400" kern="1200" dirty="0">
+                <a:solidFill>
+                  <a:schemeClr val="bg1"/>
+                </a:solidFill>
+                <a:latin typeface="+mj-lt"/>
+                <a:ea typeface="+mj-ea"/>
+                <a:cs typeface="+mj-cs"/>
+              </a:rPr>
+              <a:t>Missing Values</a:t>
+            </a:r>
+          </a:p>
+        </p:txBody>
+      </p:sp>
+      <p:pic>
+        <p:nvPicPr>
+          <p:cNvPr id="8" name="Picture 7">
+            <a:extLst>
+              <a:ext uri="{FF2B5EF4-FFF2-40B4-BE49-F238E27FC236}">
+                <a16:creationId xmlns:a16="http://schemas.microsoft.com/office/drawing/2014/main" id="{521D4292-9ECC-4DA5-8CC0-C561A0DA118E}"/>
+              </a:ext>
+            </a:extLst>
+          </p:cNvPr>
+          <p:cNvPicPr>
+            <a:picLocks noChangeAspect="1"/>
+          </p:cNvPicPr>
+          <p:nvPr/>
+        </p:nvPicPr>
+        <p:blipFill rotWithShape="1">
+          <a:blip r:embed="rId3"/>
+          <a:srcRect l="8000" r="9400"/>
+          <a:stretch/>
+        </p:blipFill>
+        <p:spPr>
+          <a:xfrm>
+            <a:off x="660103" y="3048000"/>
+            <a:ext cx="2167974" cy="2624666"/>
+          </a:xfrm>
+          <a:prstGeom prst="rect">
+            <a:avLst/>
+          </a:prstGeom>
+          <a:noFill/>
+        </p:spPr>
+      </p:pic>
+      <p:sp>
+        <p:nvSpPr>
+          <p:cNvPr id="6" name="TextBox 5">
+            <a:extLst>
+              <a:ext uri="{FF2B5EF4-FFF2-40B4-BE49-F238E27FC236}">
+                <a16:creationId xmlns:a16="http://schemas.microsoft.com/office/drawing/2014/main" id="{E58EF064-51FF-48A9-8810-E84BE6F6F09D}"/>
+              </a:ext>
+            </a:extLst>
+          </p:cNvPr>
+          <p:cNvSpPr txBox="1"/>
+          <p:nvPr/>
+        </p:nvSpPr>
+        <p:spPr>
+          <a:xfrm>
+            <a:off x="3810000" y="621916"/>
+            <a:ext cx="5029200" cy="461665"/>
+          </a:xfrm>
+          <a:prstGeom prst="rect">
+            <a:avLst/>
+          </a:prstGeom>
+          <a:noFill/>
+        </p:spPr>
+        <p:txBody>
+          <a:bodyPr wrap="square" rtlCol="0">
+            <a:spAutoFit/>
+          </a:bodyPr>
+          <a:lstStyle/>
+          <a:p>
+            <a:pPr marL="342900" indent="-342900">
+              <a:buFont typeface="Arial" panose="020B0604020202020204" pitchFamily="34" charset="0"/>
+              <a:buChar char="•"/>
+            </a:pPr>
+            <a:r>
+              <a:rPr lang="en-US" dirty="0">
+                <a:solidFill>
+                  <a:srgbClr val="404040"/>
+                </a:solidFill>
+              </a:rPr>
+              <a:t>Explicit to Implicit</a:t>
+            </a:r>
+          </a:p>
+        </p:txBody>
+      </p:sp>
+      <p:pic>
+        <p:nvPicPr>
+          <p:cNvPr id="3" name="Picture 2">
+            <a:extLst>
+              <a:ext uri="{FF2B5EF4-FFF2-40B4-BE49-F238E27FC236}">
+                <a16:creationId xmlns:a16="http://schemas.microsoft.com/office/drawing/2014/main" id="{9C98C9B2-FCB0-452E-8C0D-55AD70EA00C6}"/>
+              </a:ext>
+            </a:extLst>
+          </p:cNvPr>
+          <p:cNvPicPr>
+            <a:picLocks noChangeAspect="1"/>
+          </p:cNvPicPr>
+          <p:nvPr/>
+        </p:nvPicPr>
+        <p:blipFill>
+          <a:blip r:embed="rId4"/>
+          <a:stretch>
+            <a:fillRect/>
+          </a:stretch>
+        </p:blipFill>
+        <p:spPr>
+          <a:xfrm>
+            <a:off x="3948112" y="1083581"/>
+            <a:ext cx="4752975" cy="5381625"/>
+          </a:xfrm>
+          <a:prstGeom prst="rect">
+            <a:avLst/>
+          </a:prstGeom>
+          <a:ln>
+            <a:solidFill>
+              <a:srgbClr val="404040"/>
+            </a:solidFill>
+          </a:ln>
+        </p:spPr>
+        <p:style>
+          <a:lnRef idx="2">
+            <a:schemeClr val="dk1"/>
+          </a:lnRef>
+          <a:fillRef idx="1">
+            <a:schemeClr val="lt1"/>
+          </a:fillRef>
+          <a:effectRef idx="0">
+            <a:schemeClr val="dk1"/>
+          </a:effectRef>
+          <a:fontRef idx="minor">
+            <a:schemeClr val="dk1"/>
+          </a:fontRef>
+        </p:style>
+      </p:pic>
+    </p:spTree>
+    <p:custDataLst>
+      <p:tags r:id="rId1"/>
+    </p:custDataLst>
+    <p:extLst>
+      <p:ext uri="{BB962C8B-B14F-4D97-AF65-F5344CB8AC3E}">
+        <p14:creationId xmlns:p14="http://schemas.microsoft.com/office/powerpoint/2010/main" val="2931179324"/>
+      </p:ext>
+    </p:extLst>
+  </p:cSld>
+  <p:clrMapOvr>
+    <a:masterClrMapping/>
+  </p:clrMapOvr>
+</p:sld>
+</file>
+
+<file path=ppt/slides/slide6.xml><?xml version="1.0" encoding="utf-8"?>
+<p:sld xmlns:a="http://schemas.openxmlformats.org/drawingml/2006/main" xmlns:r="http://schemas.openxmlformats.org/officeDocument/2006/relationships" xmlns:p="http://schemas.openxmlformats.org/presentationml/2006/main">
+  <p:cSld>
+    <p:bg>
+      <p:bgPr>
+        <a:solidFill>
+          <a:schemeClr val="bg1">
+            <a:lumMod val="85000"/>
+          </a:schemeClr>
+        </a:solidFill>
+        <a:effectLst/>
+      </p:bgPr>
+    </p:bg>
+    <p:spTree>
+      <p:nvGrpSpPr>
+        <p:cNvPr id="1" name=""/>
+        <p:cNvGrpSpPr/>
+        <p:nvPr/>
+      </p:nvGrpSpPr>
+      <p:grpSpPr>
+        <a:xfrm>
+          <a:off x="0" y="0"/>
+          <a:ext cx="0" cy="0"/>
+          <a:chOff x="0" y="0"/>
+          <a:chExt cx="0" cy="0"/>
+        </a:xfrm>
+      </p:grpSpPr>
+      <p:sp>
+        <p:nvSpPr>
+          <p:cNvPr id="15" name="Rectangle 12">
+            <a:extLst>
+              <a:ext uri="{FF2B5EF4-FFF2-40B4-BE49-F238E27FC236}">
+                <a16:creationId xmlns:a16="http://schemas.microsoft.com/office/drawing/2014/main" id="{867D4867-5BA7-4462-B2F6-A23F4A622AA7}"/>
+              </a:ext>
+              <a:ext uri="{C183D7F6-B498-43B3-948B-1728B52AA6E4}">
+                <adec:decorative xmlns:adec="http://schemas.microsoft.com/office/drawing/2017/decorative" val="1"/>
+              </a:ext>
+            </a:extLst>
+          </p:cNvPr>
+          <p:cNvSpPr>
+            <a:spLocks noGrp="1" noRot="1" noChangeAspect="1" noMove="1" noResize="1" noEditPoints="1" noAdjustHandles="1" noChangeArrowheads="1" noChangeShapeType="1" noTextEdit="1"/>
+          </p:cNvSpPr>
+          <p:nvPr>
+            <p:extLst>
+              <p:ext uri="{386F3935-93C4-4BCD-93E2-E3B085C9AB24}">
+                <p16:designElem xmlns:p16="http://schemas.microsoft.com/office/powerpoint/2015/main" val="1"/>
+              </p:ext>
+            </p:extLst>
+          </p:nvPr>
+        </p:nvSpPr>
+        <p:spPr>
+          <a:xfrm>
+            <a:off x="0" y="0"/>
+            <a:ext cx="3490722" cy="6858000"/>
+          </a:xfrm>
+          <a:prstGeom prst="rect">
+            <a:avLst/>
+          </a:prstGeom>
+          <a:solidFill>
+            <a:schemeClr val="tx1">
+              <a:lumMod val="75000"/>
+              <a:lumOff val="25000"/>
+            </a:schemeClr>
+          </a:solidFill>
+          <a:ln>
+            <a:noFill/>
+          </a:ln>
+        </p:spPr>
+        <p:style>
+          <a:lnRef idx="0">
+            <a:scrgbClr r="0" g="0" b="0"/>
+          </a:lnRef>
+          <a:fillRef idx="0">
+            <a:scrgbClr r="0" g="0" b="0"/>
+          </a:fillRef>
+          <a:effectRef idx="0">
+            <a:scrgbClr r="0" g="0" b="0"/>
+          </a:effectRef>
+          <a:fontRef idx="minor">
+            <a:schemeClr val="lt1"/>
+          </a:fontRef>
+        </p:style>
+        <p:txBody>
+          <a:bodyPr rtlCol="0" anchor="ctr"/>
+          <a:lstStyle/>
+          <a:p>
+            <a:pPr marL="0" marR="0" lvl="0" indent="0" algn="ctr" defTabSz="457200" rtl="0" eaLnBrk="1" fontAlgn="base" latinLnBrk="0" hangingPunct="1">
+              <a:lnSpc>
+                <a:spcPct val="100000"/>
+              </a:lnSpc>
+              <a:spcBef>
+                <a:spcPct val="0"/>
+              </a:spcBef>
+              <a:spcAft>
+                <a:spcPct val="0"/>
+              </a:spcAft>
+              <a:buClrTx/>
+              <a:buSzTx/>
+              <a:buFontTx/>
+              <a:buNone/>
+              <a:tabLst/>
+              <a:defRPr/>
+            </a:pPr>
+            <a:endParaRPr kumimoji="0" lang="en-US" sz="2400" b="0" i="0" u="none" strike="noStrike" kern="1200" cap="none" spc="0" normalizeH="0" baseline="0" noProof="0">
+              <a:ln>
+                <a:noFill/>
+              </a:ln>
+              <a:solidFill>
+                <a:prstClr val="white"/>
+              </a:solidFill>
+              <a:effectLst/>
+              <a:uLnTx/>
+              <a:uFillTx/>
+              <a:latin typeface="Calibri"/>
+              <a:ea typeface="+mn-ea"/>
+              <a:cs typeface="+mn-cs"/>
+            </a:endParaRPr>
+          </a:p>
+        </p:txBody>
+      </p:sp>
+      <p:sp>
+        <p:nvSpPr>
+          <p:cNvPr id="2" name="Title 1"/>
+          <p:cNvSpPr>
+            <a:spLocks noGrp="1"/>
+          </p:cNvSpPr>
+          <p:nvPr>
+            <p:ph type="title"/>
+          </p:nvPr>
+        </p:nvSpPr>
+        <p:spPr>
+          <a:xfrm>
+            <a:off x="482600" y="643467"/>
+            <a:ext cx="2522980" cy="1597315"/>
+          </a:xfrm>
+          <a:noFill/>
+          <a:ln w="19050">
+            <a:solidFill>
+              <a:schemeClr val="bg1"/>
+            </a:solidFill>
+          </a:ln>
+        </p:spPr>
+        <p:txBody>
+          <a:bodyPr vert="horz" wrap="square" lIns="91440" tIns="45720" rIns="91440" bIns="45720" rtlCol="0" anchor="ctr">
+            <a:normAutofit/>
+          </a:bodyPr>
+          <a:lstStyle/>
+          <a:p>
+            <a:pPr defTabSz="914400" eaLnBrk="1" hangingPunct="1">
+              <a:lnSpc>
+                <a:spcPct val="90000"/>
+              </a:lnSpc>
+            </a:pPr>
+            <a:r>
+              <a:rPr lang="en-US" sz="2400" kern="1200" dirty="0">
+                <a:solidFill>
+                  <a:schemeClr val="bg1"/>
+                </a:solidFill>
+                <a:latin typeface="+mj-lt"/>
+                <a:ea typeface="+mj-ea"/>
+                <a:cs typeface="+mj-cs"/>
+              </a:rPr>
+              <a:t>Missing Values</a:t>
+            </a:r>
+          </a:p>
+        </p:txBody>
+      </p:sp>
+      <p:pic>
+        <p:nvPicPr>
+          <p:cNvPr id="8" name="Picture 7">
+            <a:extLst>
+              <a:ext uri="{FF2B5EF4-FFF2-40B4-BE49-F238E27FC236}">
+                <a16:creationId xmlns:a16="http://schemas.microsoft.com/office/drawing/2014/main" id="{521D4292-9ECC-4DA5-8CC0-C561A0DA118E}"/>
+              </a:ext>
+            </a:extLst>
+          </p:cNvPr>
+          <p:cNvPicPr>
+            <a:picLocks noChangeAspect="1"/>
+          </p:cNvPicPr>
+          <p:nvPr/>
+        </p:nvPicPr>
+        <p:blipFill rotWithShape="1">
+          <a:blip r:embed="rId3"/>
+          <a:srcRect l="8000" r="9400"/>
+          <a:stretch/>
+        </p:blipFill>
+        <p:spPr>
+          <a:xfrm>
+            <a:off x="660103" y="3048000"/>
+            <a:ext cx="2167974" cy="2624666"/>
+          </a:xfrm>
+          <a:prstGeom prst="rect">
+            <a:avLst/>
+          </a:prstGeom>
+          <a:noFill/>
+        </p:spPr>
+      </p:pic>
+      <p:sp>
+        <p:nvSpPr>
+          <p:cNvPr id="6" name="TextBox 5">
+            <a:extLst>
+              <a:ext uri="{FF2B5EF4-FFF2-40B4-BE49-F238E27FC236}">
+                <a16:creationId xmlns:a16="http://schemas.microsoft.com/office/drawing/2014/main" id="{E58EF064-51FF-48A9-8810-E84BE6F6F09D}"/>
+              </a:ext>
+            </a:extLst>
+          </p:cNvPr>
+          <p:cNvSpPr txBox="1"/>
+          <p:nvPr/>
+        </p:nvSpPr>
+        <p:spPr>
+          <a:xfrm>
+            <a:off x="3810000" y="621916"/>
+            <a:ext cx="5029200" cy="461665"/>
+          </a:xfrm>
+          <a:prstGeom prst="rect">
+            <a:avLst/>
+          </a:prstGeom>
+          <a:noFill/>
+        </p:spPr>
+        <p:txBody>
+          <a:bodyPr wrap="square" rtlCol="0">
+            <a:spAutoFit/>
+          </a:bodyPr>
+          <a:lstStyle/>
+          <a:p>
+            <a:pPr marL="342900" indent="-342900">
+              <a:buFont typeface="Arial" panose="020B0604020202020204" pitchFamily="34" charset="0"/>
+              <a:buChar char="•"/>
+            </a:pPr>
+            <a:r>
+              <a:rPr lang="en-US" dirty="0">
+                <a:solidFill>
+                  <a:srgbClr val="404040"/>
+                </a:solidFill>
+              </a:rPr>
+              <a:t>Implicit to Explicit</a:t>
+            </a:r>
+          </a:p>
+        </p:txBody>
+      </p:sp>
+      <p:pic>
+        <p:nvPicPr>
+          <p:cNvPr id="4" name="Picture 3">
+            <a:extLst>
+              <a:ext uri="{FF2B5EF4-FFF2-40B4-BE49-F238E27FC236}">
+                <a16:creationId xmlns:a16="http://schemas.microsoft.com/office/drawing/2014/main" id="{7CCB45DA-216F-4232-8186-9D7EA24F80BA}"/>
+              </a:ext>
+            </a:extLst>
+          </p:cNvPr>
+          <p:cNvPicPr>
+            <a:picLocks noChangeAspect="1"/>
+          </p:cNvPicPr>
+          <p:nvPr/>
+        </p:nvPicPr>
+        <p:blipFill>
+          <a:blip r:embed="rId4"/>
+          <a:stretch>
+            <a:fillRect/>
+          </a:stretch>
+        </p:blipFill>
+        <p:spPr>
+          <a:xfrm>
+            <a:off x="4207739" y="1083581"/>
+            <a:ext cx="4246450" cy="5701647"/>
+          </a:xfrm>
+          <a:prstGeom prst="rect">
+            <a:avLst/>
+          </a:prstGeom>
+          <a:ln>
+            <a:solidFill>
+              <a:srgbClr val="404040"/>
+            </a:solidFill>
+          </a:ln>
+        </p:spPr>
+        <p:style>
+          <a:lnRef idx="2">
+            <a:schemeClr val="dk1"/>
+          </a:lnRef>
+          <a:fillRef idx="1">
+            <a:schemeClr val="lt1"/>
+          </a:fillRef>
+          <a:effectRef idx="0">
+            <a:schemeClr val="dk1"/>
+          </a:effectRef>
+          <a:fontRef idx="minor">
+            <a:schemeClr val="dk1"/>
+          </a:fontRef>
+        </p:style>
+      </p:pic>
+    </p:spTree>
+    <p:custDataLst>
+      <p:tags r:id="rId1"/>
+    </p:custDataLst>
+    <p:extLst>
+      <p:ext uri="{BB962C8B-B14F-4D97-AF65-F5344CB8AC3E}">
+        <p14:creationId xmlns:p14="http://schemas.microsoft.com/office/powerpoint/2010/main" val="904529735"/>
+      </p:ext>
+    </p:extLst>
+  </p:cSld>
+  <p:clrMapOvr>
+    <a:masterClrMapping/>
+  </p:clrMapOvr>
+</p:sld>
+</file>
+
+<file path=ppt/slides/slide7.xml><?xml version="1.0" encoding="utf-8"?>
+<p:sld xmlns:a="http://schemas.openxmlformats.org/drawingml/2006/main" xmlns:r="http://schemas.openxmlformats.org/officeDocument/2006/relationships" xmlns:p="http://schemas.openxmlformats.org/presentationml/2006/main">
+  <p:cSld>
+    <p:bg>
+      <p:bgPr>
+        <a:solidFill>
+          <a:schemeClr val="bg1">
+            <a:lumMod val="85000"/>
+          </a:schemeClr>
+        </a:solidFill>
+        <a:effectLst/>
+      </p:bgPr>
+    </p:bg>
+    <p:spTree>
+      <p:nvGrpSpPr>
+        <p:cNvPr id="1" name=""/>
+        <p:cNvGrpSpPr/>
+        <p:nvPr/>
+      </p:nvGrpSpPr>
+      <p:grpSpPr>
+        <a:xfrm>
+          <a:off x="0" y="0"/>
+          <a:ext cx="0" cy="0"/>
+          <a:chOff x="0" y="0"/>
+          <a:chExt cx="0" cy="0"/>
+        </a:xfrm>
+      </p:grpSpPr>
+      <p:sp>
+        <p:nvSpPr>
+          <p:cNvPr id="15" name="Rectangle 12">
+            <a:extLst>
+              <a:ext uri="{FF2B5EF4-FFF2-40B4-BE49-F238E27FC236}">
+                <a16:creationId xmlns:a16="http://schemas.microsoft.com/office/drawing/2014/main" id="{867D4867-5BA7-4462-B2F6-A23F4A622AA7}"/>
+              </a:ext>
+              <a:ext uri="{C183D7F6-B498-43B3-948B-1728B52AA6E4}">
+                <adec:decorative xmlns:adec="http://schemas.microsoft.com/office/drawing/2017/decorative" val="1"/>
+              </a:ext>
+            </a:extLst>
+          </p:cNvPr>
+          <p:cNvSpPr>
+            <a:spLocks noGrp="1" noRot="1" noChangeAspect="1" noMove="1" noResize="1" noEditPoints="1" noAdjustHandles="1" noChangeArrowheads="1" noChangeShapeType="1" noTextEdit="1"/>
+          </p:cNvSpPr>
+          <p:nvPr>
+            <p:extLst>
+              <p:ext uri="{386F3935-93C4-4BCD-93E2-E3B085C9AB24}">
+                <p16:designElem xmlns:p16="http://schemas.microsoft.com/office/powerpoint/2015/main" val="1"/>
+              </p:ext>
+            </p:extLst>
+          </p:nvPr>
+        </p:nvSpPr>
+        <p:spPr>
+          <a:xfrm>
+            <a:off x="0" y="0"/>
+            <a:ext cx="3490722" cy="6858000"/>
+          </a:xfrm>
+          <a:prstGeom prst="rect">
+            <a:avLst/>
+          </a:prstGeom>
+          <a:solidFill>
+            <a:schemeClr val="tx1">
+              <a:lumMod val="75000"/>
+              <a:lumOff val="25000"/>
+            </a:schemeClr>
+          </a:solidFill>
+          <a:ln>
+            <a:noFill/>
+          </a:ln>
+        </p:spPr>
+        <p:style>
+          <a:lnRef idx="0">
+            <a:scrgbClr r="0" g="0" b="0"/>
+          </a:lnRef>
+          <a:fillRef idx="0">
+            <a:scrgbClr r="0" g="0" b="0"/>
+          </a:fillRef>
+          <a:effectRef idx="0">
+            <a:scrgbClr r="0" g="0" b="0"/>
+          </a:effectRef>
+          <a:fontRef idx="minor">
+            <a:schemeClr val="lt1"/>
+          </a:fontRef>
+        </p:style>
+        <p:txBody>
+          <a:bodyPr rtlCol="0" anchor="ctr"/>
+          <a:lstStyle/>
+          <a:p>
+            <a:pPr marL="0" marR="0" lvl="0" indent="0" algn="ctr" defTabSz="457200" rtl="0" eaLnBrk="1" fontAlgn="base" latinLnBrk="0" hangingPunct="1">
+              <a:lnSpc>
+                <a:spcPct val="100000"/>
+              </a:lnSpc>
+              <a:spcBef>
+                <a:spcPct val="0"/>
+              </a:spcBef>
+              <a:spcAft>
+                <a:spcPct val="0"/>
+              </a:spcAft>
+              <a:buClrTx/>
+              <a:buSzTx/>
+              <a:buFontTx/>
+              <a:buNone/>
+              <a:tabLst/>
+              <a:defRPr/>
+            </a:pPr>
+            <a:endParaRPr kumimoji="0" lang="en-US" sz="2400" b="0" i="0" u="none" strike="noStrike" kern="1200" cap="none" spc="0" normalizeH="0" baseline="0" noProof="0">
+              <a:ln>
+                <a:noFill/>
+              </a:ln>
+              <a:solidFill>
+                <a:prstClr val="white"/>
+              </a:solidFill>
+              <a:effectLst/>
+              <a:uLnTx/>
+              <a:uFillTx/>
+              <a:latin typeface="Calibri"/>
+              <a:ea typeface="+mn-ea"/>
+              <a:cs typeface="+mn-cs"/>
+            </a:endParaRPr>
+          </a:p>
+        </p:txBody>
+      </p:sp>
+      <p:sp>
+        <p:nvSpPr>
+          <p:cNvPr id="2" name="Title 1"/>
+          <p:cNvSpPr>
+            <a:spLocks noGrp="1"/>
+          </p:cNvSpPr>
+          <p:nvPr>
+            <p:ph type="title"/>
+          </p:nvPr>
+        </p:nvSpPr>
+        <p:spPr>
+          <a:xfrm>
+            <a:off x="482600" y="643467"/>
+            <a:ext cx="2522980" cy="1597315"/>
+          </a:xfrm>
+          <a:noFill/>
+          <a:ln w="19050">
+            <a:solidFill>
+              <a:schemeClr val="bg1"/>
+            </a:solidFill>
+          </a:ln>
+        </p:spPr>
+        <p:txBody>
+          <a:bodyPr vert="horz" wrap="square" lIns="91440" tIns="45720" rIns="91440" bIns="45720" rtlCol="0" anchor="ctr">
+            <a:normAutofit/>
+          </a:bodyPr>
+          <a:lstStyle/>
+          <a:p>
+            <a:pPr defTabSz="914400" eaLnBrk="1" hangingPunct="1">
+              <a:lnSpc>
+                <a:spcPct val="90000"/>
+              </a:lnSpc>
+            </a:pPr>
+            <a:r>
+              <a:rPr lang="en-US" sz="2400" kern="1200" dirty="0">
+                <a:solidFill>
+                  <a:schemeClr val="bg1"/>
+                </a:solidFill>
+                <a:latin typeface="+mj-lt"/>
+                <a:ea typeface="+mj-ea"/>
+                <a:cs typeface="+mj-cs"/>
+              </a:rPr>
+              <a:t>Missing Values</a:t>
+            </a:r>
+          </a:p>
+        </p:txBody>
+      </p:sp>
+      <p:pic>
+        <p:nvPicPr>
+          <p:cNvPr id="8" name="Picture 7">
+            <a:extLst>
+              <a:ext uri="{FF2B5EF4-FFF2-40B4-BE49-F238E27FC236}">
+                <a16:creationId xmlns:a16="http://schemas.microsoft.com/office/drawing/2014/main" id="{521D4292-9ECC-4DA5-8CC0-C561A0DA118E}"/>
+              </a:ext>
+            </a:extLst>
+          </p:cNvPr>
+          <p:cNvPicPr>
+            <a:picLocks noChangeAspect="1"/>
+          </p:cNvPicPr>
+          <p:nvPr/>
+        </p:nvPicPr>
+        <p:blipFill rotWithShape="1">
+          <a:blip r:embed="rId3"/>
+          <a:srcRect l="8000" r="9400"/>
+          <a:stretch/>
+        </p:blipFill>
+        <p:spPr>
+          <a:xfrm>
+            <a:off x="660103" y="3048000"/>
+            <a:ext cx="2167974" cy="2624666"/>
+          </a:xfrm>
+          <a:prstGeom prst="rect">
+            <a:avLst/>
+          </a:prstGeom>
+          <a:noFill/>
+        </p:spPr>
+      </p:pic>
+      <p:sp>
+        <p:nvSpPr>
+          <p:cNvPr id="6" name="TextBox 5">
+            <a:extLst>
+              <a:ext uri="{FF2B5EF4-FFF2-40B4-BE49-F238E27FC236}">
+                <a16:creationId xmlns:a16="http://schemas.microsoft.com/office/drawing/2014/main" id="{E58EF064-51FF-48A9-8810-E84BE6F6F09D}"/>
+              </a:ext>
+            </a:extLst>
+          </p:cNvPr>
+          <p:cNvSpPr txBox="1"/>
+          <p:nvPr/>
+        </p:nvSpPr>
+        <p:spPr>
+          <a:xfrm>
+            <a:off x="3810000" y="621916"/>
+            <a:ext cx="5029200" cy="461665"/>
+          </a:xfrm>
+          <a:prstGeom prst="rect">
+            <a:avLst/>
+          </a:prstGeom>
+          <a:noFill/>
+        </p:spPr>
+        <p:txBody>
+          <a:bodyPr wrap="square" rtlCol="0">
+            <a:spAutoFit/>
+          </a:bodyPr>
+          <a:lstStyle/>
+          <a:p>
+            <a:pPr marL="342900" indent="-342900">
+              <a:buFont typeface="Arial" panose="020B0604020202020204" pitchFamily="34" charset="0"/>
+              <a:buChar char="•"/>
+            </a:pPr>
+            <a:r>
+              <a:rPr lang="en-US" dirty="0">
+                <a:solidFill>
+                  <a:srgbClr val="404040"/>
+                </a:solidFill>
+              </a:rPr>
+              <a:t>Complete Function</a:t>
+            </a:r>
+          </a:p>
+        </p:txBody>
+      </p:sp>
+      <p:pic>
+        <p:nvPicPr>
+          <p:cNvPr id="3" name="Picture 2">
+            <a:extLst>
+              <a:ext uri="{FF2B5EF4-FFF2-40B4-BE49-F238E27FC236}">
+                <a16:creationId xmlns:a16="http://schemas.microsoft.com/office/drawing/2014/main" id="{A11B684E-270F-4912-865E-9965BDA65078}"/>
+              </a:ext>
+            </a:extLst>
+          </p:cNvPr>
+          <p:cNvPicPr>
+            <a:picLocks noChangeAspect="1"/>
+          </p:cNvPicPr>
+          <p:nvPr/>
+        </p:nvPicPr>
+        <p:blipFill>
+          <a:blip r:embed="rId4"/>
+          <a:stretch>
+            <a:fillRect/>
+          </a:stretch>
+        </p:blipFill>
+        <p:spPr>
+          <a:xfrm>
+            <a:off x="4267200" y="1128341"/>
+            <a:ext cx="4370137" cy="5671506"/>
+          </a:xfrm>
+          <a:prstGeom prst="rect">
+            <a:avLst/>
+          </a:prstGeom>
+          <a:ln>
+            <a:solidFill>
+              <a:srgbClr val="404040"/>
+            </a:solidFill>
+          </a:ln>
+        </p:spPr>
+        <p:style>
+          <a:lnRef idx="2">
+            <a:schemeClr val="dk1"/>
+          </a:lnRef>
+          <a:fillRef idx="1">
+            <a:schemeClr val="lt1"/>
+          </a:fillRef>
+          <a:effectRef idx="0">
+            <a:schemeClr val="dk1"/>
+          </a:effectRef>
+          <a:fontRef idx="minor">
+            <a:schemeClr val="dk1"/>
+          </a:fontRef>
+        </p:style>
+      </p:pic>
+    </p:spTree>
+    <p:custDataLst>
+      <p:tags r:id="rId1"/>
+    </p:custDataLst>
+    <p:extLst>
+      <p:ext uri="{BB962C8B-B14F-4D97-AF65-F5344CB8AC3E}">
+        <p14:creationId xmlns:p14="http://schemas.microsoft.com/office/powerpoint/2010/main" val="904255967"/>
+      </p:ext>
+    </p:extLst>
+  </p:cSld>
+  <p:clrMapOvr>
+    <a:masterClrMapping/>
+  </p:clrMapOvr>
+</p:sld>
+</file>
+
+<file path=ppt/slides/slide8.xml><?xml version="1.0" encoding="utf-8"?>
+<p:sld xmlns:a="http://schemas.openxmlformats.org/drawingml/2006/main" xmlns:r="http://schemas.openxmlformats.org/officeDocument/2006/relationships" xmlns:p="http://schemas.openxmlformats.org/presentationml/2006/main">
+  <p:cSld>
+    <p:bg>
+      <p:bgPr>
+        <a:solidFill>
+          <a:schemeClr val="bg1">
+            <a:lumMod val="85000"/>
+          </a:schemeClr>
+        </a:solidFill>
+        <a:effectLst/>
+      </p:bgPr>
+    </p:bg>
+    <p:spTree>
+      <p:nvGrpSpPr>
+        <p:cNvPr id="1" name=""/>
+        <p:cNvGrpSpPr/>
+        <p:nvPr/>
+      </p:nvGrpSpPr>
+      <p:grpSpPr>
+        <a:xfrm>
+          <a:off x="0" y="0"/>
+          <a:ext cx="0" cy="0"/>
+          <a:chOff x="0" y="0"/>
+          <a:chExt cx="0" cy="0"/>
+        </a:xfrm>
+      </p:grpSpPr>
+      <p:sp>
+        <p:nvSpPr>
+          <p:cNvPr id="15" name="Rectangle 12">
+            <a:extLst>
+              <a:ext uri="{FF2B5EF4-FFF2-40B4-BE49-F238E27FC236}">
+                <a16:creationId xmlns:a16="http://schemas.microsoft.com/office/drawing/2014/main" id="{867D4867-5BA7-4462-B2F6-A23F4A622AA7}"/>
+              </a:ext>
+              <a:ext uri="{C183D7F6-B498-43B3-948B-1728B52AA6E4}">
+                <adec:decorative xmlns:adec="http://schemas.microsoft.com/office/drawing/2017/decorative" val="1"/>
+              </a:ext>
+            </a:extLst>
+          </p:cNvPr>
+          <p:cNvSpPr>
+            <a:spLocks noGrp="1" noRot="1" noChangeAspect="1" noMove="1" noResize="1" noEditPoints="1" noAdjustHandles="1" noChangeArrowheads="1" noChangeShapeType="1" noTextEdit="1"/>
+          </p:cNvSpPr>
+          <p:nvPr>
+            <p:extLst>
+              <p:ext uri="{386F3935-93C4-4BCD-93E2-E3B085C9AB24}">
+                <p16:designElem xmlns:p16="http://schemas.microsoft.com/office/powerpoint/2015/main" val="1"/>
+              </p:ext>
+            </p:extLst>
+          </p:nvPr>
+        </p:nvSpPr>
+        <p:spPr>
+          <a:xfrm>
+            <a:off x="0" y="0"/>
+            <a:ext cx="3490722" cy="6858000"/>
+          </a:xfrm>
+          <a:prstGeom prst="rect">
+            <a:avLst/>
+          </a:prstGeom>
+          <a:solidFill>
+            <a:schemeClr val="tx1">
+              <a:lumMod val="75000"/>
+              <a:lumOff val="25000"/>
+            </a:schemeClr>
+          </a:solidFill>
+          <a:ln>
+            <a:noFill/>
+          </a:ln>
+        </p:spPr>
+        <p:style>
+          <a:lnRef idx="0">
+            <a:scrgbClr r="0" g="0" b="0"/>
+          </a:lnRef>
+          <a:fillRef idx="0">
+            <a:scrgbClr r="0" g="0" b="0"/>
+          </a:fillRef>
+          <a:effectRef idx="0">
+            <a:scrgbClr r="0" g="0" b="0"/>
+          </a:effectRef>
+          <a:fontRef idx="minor">
+            <a:schemeClr val="lt1"/>
+          </a:fontRef>
+        </p:style>
+        <p:txBody>
+          <a:bodyPr rtlCol="0" anchor="ctr"/>
+          <a:lstStyle/>
+          <a:p>
+            <a:pPr marL="0" marR="0" lvl="0" indent="0" algn="ctr" defTabSz="457200" rtl="0" eaLnBrk="1" fontAlgn="base" latinLnBrk="0" hangingPunct="1">
+              <a:lnSpc>
+                <a:spcPct val="100000"/>
+              </a:lnSpc>
+              <a:spcBef>
+                <a:spcPct val="0"/>
+              </a:spcBef>
+              <a:spcAft>
+                <a:spcPct val="0"/>
+              </a:spcAft>
+              <a:buClrTx/>
+              <a:buSzTx/>
+              <a:buFontTx/>
+              <a:buNone/>
+              <a:tabLst/>
+              <a:defRPr/>
+            </a:pPr>
+            <a:endParaRPr kumimoji="0" lang="en-US" sz="2400" b="0" i="0" u="none" strike="noStrike" kern="1200" cap="none" spc="0" normalizeH="0" baseline="0" noProof="0">
+              <a:ln>
+                <a:noFill/>
+              </a:ln>
+              <a:solidFill>
+                <a:prstClr val="white"/>
+              </a:solidFill>
+              <a:effectLst/>
+              <a:uLnTx/>
+              <a:uFillTx/>
+              <a:latin typeface="Calibri"/>
+              <a:ea typeface="+mn-ea"/>
+              <a:cs typeface="+mn-cs"/>
+            </a:endParaRPr>
+          </a:p>
+        </p:txBody>
+      </p:sp>
+      <p:sp>
+        <p:nvSpPr>
+          <p:cNvPr id="2" name="Title 1"/>
+          <p:cNvSpPr>
+            <a:spLocks noGrp="1"/>
+          </p:cNvSpPr>
+          <p:nvPr>
+            <p:ph type="title"/>
+          </p:nvPr>
+        </p:nvSpPr>
+        <p:spPr>
+          <a:xfrm>
+            <a:off x="482600" y="643467"/>
+            <a:ext cx="2522980" cy="1597315"/>
+          </a:xfrm>
+          <a:noFill/>
+          <a:ln w="19050">
+            <a:solidFill>
+              <a:schemeClr val="bg1"/>
+            </a:solidFill>
+          </a:ln>
+        </p:spPr>
+        <p:txBody>
+          <a:bodyPr vert="horz" wrap="square" lIns="91440" tIns="45720" rIns="91440" bIns="45720" rtlCol="0" anchor="ctr">
+            <a:normAutofit/>
+          </a:bodyPr>
+          <a:lstStyle/>
+          <a:p>
+            <a:pPr defTabSz="914400" eaLnBrk="1" hangingPunct="1">
+              <a:lnSpc>
+                <a:spcPct val="90000"/>
+              </a:lnSpc>
+            </a:pPr>
+            <a:r>
+              <a:rPr lang="en-US" sz="2400" kern="1200" dirty="0">
+                <a:solidFill>
+                  <a:schemeClr val="bg1"/>
+                </a:solidFill>
+                <a:latin typeface="+mj-lt"/>
+                <a:ea typeface="+mj-ea"/>
+                <a:cs typeface="+mj-cs"/>
+              </a:rPr>
+              <a:t>Contingency Tables</a:t>
+            </a:r>
+          </a:p>
+        </p:txBody>
+      </p:sp>
+      <p:pic>
+        <p:nvPicPr>
+          <p:cNvPr id="8" name="Picture 7">
+            <a:extLst>
+              <a:ext uri="{FF2B5EF4-FFF2-40B4-BE49-F238E27FC236}">
+                <a16:creationId xmlns:a16="http://schemas.microsoft.com/office/drawing/2014/main" id="{521D4292-9ECC-4DA5-8CC0-C561A0DA118E}"/>
+              </a:ext>
+            </a:extLst>
+          </p:cNvPr>
+          <p:cNvPicPr>
+            <a:picLocks noChangeAspect="1"/>
+          </p:cNvPicPr>
+          <p:nvPr/>
+        </p:nvPicPr>
+        <p:blipFill rotWithShape="1">
+          <a:blip r:embed="rId3"/>
+          <a:srcRect l="8000" r="9400"/>
+          <a:stretch/>
+        </p:blipFill>
+        <p:spPr>
+          <a:xfrm>
+            <a:off x="660103" y="3048000"/>
+            <a:ext cx="2167974" cy="2624666"/>
+          </a:xfrm>
+          <a:prstGeom prst="rect">
+            <a:avLst/>
+          </a:prstGeom>
+          <a:noFill/>
+        </p:spPr>
+      </p:pic>
+      <p:sp>
+        <p:nvSpPr>
+          <p:cNvPr id="6" name="TextBox 5">
+            <a:extLst>
+              <a:ext uri="{FF2B5EF4-FFF2-40B4-BE49-F238E27FC236}">
+                <a16:creationId xmlns:a16="http://schemas.microsoft.com/office/drawing/2014/main" id="{E58EF064-51FF-48A9-8810-E84BE6F6F09D}"/>
+              </a:ext>
+            </a:extLst>
+          </p:cNvPr>
+          <p:cNvSpPr txBox="1"/>
+          <p:nvPr/>
+        </p:nvSpPr>
+        <p:spPr>
+          <a:xfrm>
+            <a:off x="3810000" y="621916"/>
+            <a:ext cx="5181600" cy="3046988"/>
+          </a:xfrm>
+          <a:prstGeom prst="rect">
+            <a:avLst/>
+          </a:prstGeom>
+          <a:noFill/>
+        </p:spPr>
+        <p:txBody>
+          <a:bodyPr wrap="square" rtlCol="0">
+            <a:spAutoFit/>
+          </a:bodyPr>
+          <a:lstStyle/>
+          <a:p>
+            <a:pPr marL="342900" indent="-342900">
+              <a:buFont typeface="Arial" panose="020B0604020202020204" pitchFamily="34" charset="0"/>
+              <a:buChar char="•"/>
+            </a:pPr>
+            <a:r>
+              <a:rPr lang="en-US" dirty="0">
+                <a:solidFill>
+                  <a:srgbClr val="404040"/>
+                </a:solidFill>
+              </a:rPr>
+              <a:t>Contingency Tables</a:t>
+            </a:r>
+          </a:p>
+          <a:p>
+            <a:pPr marL="800100" lvl="1" indent="-342900">
+              <a:buFont typeface="Arial" panose="020B0604020202020204" pitchFamily="34" charset="0"/>
+              <a:buChar char="•"/>
+            </a:pPr>
+            <a:r>
+              <a:rPr lang="en-US" dirty="0">
+                <a:solidFill>
+                  <a:srgbClr val="404040"/>
+                </a:solidFill>
+              </a:rPr>
+              <a:t>Frequencies for Combination of 2 Categorical Variables</a:t>
+            </a:r>
+          </a:p>
+          <a:p>
+            <a:pPr marL="800100" lvl="1" indent="-342900">
+              <a:buFont typeface="Arial" panose="020B0604020202020204" pitchFamily="34" charset="0"/>
+              <a:buChar char="•"/>
+            </a:pPr>
+            <a:r>
+              <a:rPr lang="en-US" dirty="0">
+                <a:solidFill>
+                  <a:srgbClr val="404040"/>
+                </a:solidFill>
+              </a:rPr>
+              <a:t>Relative Frequencies</a:t>
+            </a:r>
+          </a:p>
+          <a:p>
+            <a:pPr marL="800100" lvl="1" indent="-342900">
+              <a:buFont typeface="Arial" panose="020B0604020202020204" pitchFamily="34" charset="0"/>
+              <a:buChar char="•"/>
+            </a:pPr>
+            <a:r>
+              <a:rPr lang="en-US" dirty="0">
+                <a:solidFill>
+                  <a:srgbClr val="404040"/>
+                </a:solidFill>
+              </a:rPr>
+              <a:t>Summarize() + Spread()</a:t>
+            </a:r>
+          </a:p>
+          <a:p>
+            <a:pPr marL="800100" lvl="1" indent="-342900">
+              <a:buFont typeface="Arial" panose="020B0604020202020204" pitchFamily="34" charset="0"/>
+              <a:buChar char="•"/>
+            </a:pPr>
+            <a:endParaRPr lang="en-US" dirty="0">
+              <a:solidFill>
+                <a:srgbClr val="404040"/>
+              </a:solidFill>
+            </a:endParaRPr>
+          </a:p>
+          <a:p>
+            <a:pPr marL="342900" indent="-342900">
+              <a:buFont typeface="Arial" panose="020B0604020202020204" pitchFamily="34" charset="0"/>
+              <a:buChar char="•"/>
+            </a:pPr>
+            <a:r>
+              <a:rPr lang="en-US" dirty="0">
+                <a:solidFill>
+                  <a:srgbClr val="404040"/>
+                </a:solidFill>
+              </a:rPr>
+              <a:t>AIDS Data from MASS Package</a:t>
+            </a:r>
+          </a:p>
+          <a:p>
+            <a:pPr marL="800100" lvl="1" indent="-342900">
+              <a:buFont typeface="Arial" panose="020B0604020202020204" pitchFamily="34" charset="0"/>
+              <a:buChar char="•"/>
+            </a:pPr>
+            <a:r>
+              <a:rPr lang="en-US" dirty="0">
+                <a:solidFill>
+                  <a:srgbClr val="404040"/>
+                </a:solidFill>
+              </a:rPr>
+              <a:t>Data from 2,843 Patients</a:t>
+            </a:r>
+          </a:p>
+        </p:txBody>
+      </p:sp>
+      <p:pic>
+        <p:nvPicPr>
+          <p:cNvPr id="5" name="Picture 4">
+            <a:extLst>
+              <a:ext uri="{FF2B5EF4-FFF2-40B4-BE49-F238E27FC236}">
+                <a16:creationId xmlns:a16="http://schemas.microsoft.com/office/drawing/2014/main" id="{9AF74CE6-3D35-D844-4CA9-4565D5892878}"/>
+              </a:ext>
+            </a:extLst>
+          </p:cNvPr>
+          <p:cNvPicPr>
+            <a:picLocks noChangeAspect="1"/>
+          </p:cNvPicPr>
+          <p:nvPr/>
+        </p:nvPicPr>
+        <p:blipFill>
+          <a:blip r:embed="rId4"/>
+          <a:stretch>
+            <a:fillRect/>
+          </a:stretch>
+        </p:blipFill>
+        <p:spPr>
+          <a:xfrm>
+            <a:off x="4665194" y="3621770"/>
+            <a:ext cx="3506487" cy="1331230"/>
+          </a:xfrm>
+          <a:prstGeom prst="rect">
+            <a:avLst/>
+          </a:prstGeom>
+          <a:ln w="25400">
+            <a:solidFill>
+              <a:srgbClr val="404040"/>
+            </a:solidFill>
+          </a:ln>
+        </p:spPr>
+      </p:pic>
+      <p:pic>
+        <p:nvPicPr>
+          <p:cNvPr id="9" name="Picture 8">
+            <a:extLst>
+              <a:ext uri="{FF2B5EF4-FFF2-40B4-BE49-F238E27FC236}">
+                <a16:creationId xmlns:a16="http://schemas.microsoft.com/office/drawing/2014/main" id="{F42CC930-1F66-E57B-E9BB-D55D60A23270}"/>
+              </a:ext>
+            </a:extLst>
+          </p:cNvPr>
+          <p:cNvPicPr>
+            <a:picLocks noChangeAspect="1"/>
+          </p:cNvPicPr>
+          <p:nvPr/>
+        </p:nvPicPr>
+        <p:blipFill>
+          <a:blip r:embed="rId5"/>
+          <a:stretch>
+            <a:fillRect/>
+          </a:stretch>
+        </p:blipFill>
+        <p:spPr>
+          <a:xfrm>
+            <a:off x="4664098" y="5017712"/>
+            <a:ext cx="3506487" cy="1764088"/>
+          </a:xfrm>
+          <a:prstGeom prst="rect">
+            <a:avLst/>
+          </a:prstGeom>
+          <a:ln w="25400">
+            <a:solidFill>
+              <a:srgbClr val="404040"/>
+            </a:solidFill>
+          </a:ln>
+        </p:spPr>
+      </p:pic>
+    </p:spTree>
+    <p:custDataLst>
+      <p:tags r:id="rId1"/>
+    </p:custDataLst>
+    <p:extLst>
+      <p:ext uri="{BB962C8B-B14F-4D97-AF65-F5344CB8AC3E}">
+        <p14:creationId xmlns:p14="http://schemas.microsoft.com/office/powerpoint/2010/main" val="943871006"/>
+      </p:ext>
+    </p:extLst>
+  </p:cSld>
+  <p:clrMapOvr>
+    <a:masterClrMapping/>
+  </p:clrMapOvr>
+</p:sld>
+</file>
+
+<file path=ppt/slides/slide9.xml><?xml version="1.0" encoding="utf-8"?>
+<p:sld xmlns:a="http://schemas.openxmlformats.org/drawingml/2006/main" xmlns:r="http://schemas.openxmlformats.org/officeDocument/2006/relationships" xmlns:p="http://schemas.openxmlformats.org/presentationml/2006/main">
+  <p:cSld>
+    <p:bg>
+      <p:bgPr>
+        <a:solidFill>
+          <a:schemeClr val="bg1">
+            <a:lumMod val="85000"/>
+          </a:schemeClr>
+        </a:solidFill>
+        <a:effectLst/>
+      </p:bgPr>
+    </p:bg>
+    <p:spTree>
+      <p:nvGrpSpPr>
+        <p:cNvPr id="1" name=""/>
+        <p:cNvGrpSpPr/>
+        <p:nvPr/>
+      </p:nvGrpSpPr>
+      <p:grpSpPr>
+        <a:xfrm>
+          <a:off x="0" y="0"/>
+          <a:ext cx="0" cy="0"/>
+          <a:chOff x="0" y="0"/>
+          <a:chExt cx="0" cy="0"/>
+        </a:xfrm>
+      </p:grpSpPr>
+      <p:sp>
+        <p:nvSpPr>
+          <p:cNvPr id="15" name="Rectangle 12">
+            <a:extLst>
+              <a:ext uri="{FF2B5EF4-FFF2-40B4-BE49-F238E27FC236}">
+                <a16:creationId xmlns:a16="http://schemas.microsoft.com/office/drawing/2014/main" id="{867D4867-5BA7-4462-B2F6-A23F4A622AA7}"/>
+              </a:ext>
+              <a:ext uri="{C183D7F6-B498-43B3-948B-1728B52AA6E4}">
+                <adec:decorative xmlns:adec="http://schemas.microsoft.com/office/drawing/2017/decorative" val="1"/>
+              </a:ext>
+            </a:extLst>
+          </p:cNvPr>
+          <p:cNvSpPr>
+            <a:spLocks noGrp="1" noRot="1" noChangeAspect="1" noMove="1" noResize="1" noEditPoints="1" noAdjustHandles="1" noChangeArrowheads="1" noChangeShapeType="1" noTextEdit="1"/>
+          </p:cNvSpPr>
+          <p:nvPr>
+            <p:extLst>
+              <p:ext uri="{386F3935-93C4-4BCD-93E2-E3B085C9AB24}">
+                <p16:designElem xmlns:p16="http://schemas.microsoft.com/office/powerpoint/2015/main" val="1"/>
+              </p:ext>
+            </p:extLst>
+          </p:nvPr>
+        </p:nvSpPr>
+        <p:spPr>
+          <a:xfrm>
+            <a:off x="0" y="0"/>
+            <a:ext cx="3490722" cy="6858000"/>
+          </a:xfrm>
+          <a:prstGeom prst="rect">
+            <a:avLst/>
+          </a:prstGeom>
+          <a:solidFill>
+            <a:schemeClr val="tx1">
+              <a:lumMod val="75000"/>
+              <a:lumOff val="25000"/>
+            </a:schemeClr>
+          </a:solidFill>
+          <a:ln>
+            <a:noFill/>
+          </a:ln>
+        </p:spPr>
+        <p:style>
+          <a:lnRef idx="0">
+            <a:scrgbClr r="0" g="0" b="0"/>
+          </a:lnRef>
+          <a:fillRef idx="0">
+            <a:scrgbClr r="0" g="0" b="0"/>
+          </a:fillRef>
+          <a:effectRef idx="0">
+            <a:scrgbClr r="0" g="0" b="0"/>
+          </a:effectRef>
+          <a:fontRef idx="minor">
+            <a:schemeClr val="lt1"/>
+          </a:fontRef>
+        </p:style>
+        <p:txBody>
+          <a:bodyPr rtlCol="0" anchor="ctr"/>
+          <a:lstStyle/>
+          <a:p>
+            <a:pPr marL="0" marR="0" lvl="0" indent="0" algn="ctr" defTabSz="457200" rtl="0" eaLnBrk="1" fontAlgn="base" latinLnBrk="0" hangingPunct="1">
+              <a:lnSpc>
+                <a:spcPct val="100000"/>
+              </a:lnSpc>
+              <a:spcBef>
+                <a:spcPct val="0"/>
+              </a:spcBef>
+              <a:spcAft>
+                <a:spcPct val="0"/>
+              </a:spcAft>
+              <a:buClrTx/>
+              <a:buSzTx/>
+              <a:buFontTx/>
+              <a:buNone/>
+              <a:tabLst/>
+              <a:defRPr/>
+            </a:pPr>
+            <a:endParaRPr kumimoji="0" lang="en-US" sz="2400" b="0" i="0" u="none" strike="noStrike" kern="1200" cap="none" spc="0" normalizeH="0" baseline="0" noProof="0">
+              <a:ln>
+                <a:noFill/>
+              </a:ln>
+              <a:solidFill>
+                <a:prstClr val="white"/>
+              </a:solidFill>
+              <a:effectLst/>
+              <a:uLnTx/>
+              <a:uFillTx/>
+              <a:latin typeface="Calibri"/>
+              <a:ea typeface="+mn-ea"/>
+              <a:cs typeface="+mn-cs"/>
+            </a:endParaRPr>
+          </a:p>
+        </p:txBody>
+      </p:sp>
+      <p:sp>
+        <p:nvSpPr>
+          <p:cNvPr id="2" name="Title 1"/>
+          <p:cNvSpPr>
+            <a:spLocks noGrp="1"/>
+          </p:cNvSpPr>
+          <p:nvPr>
+            <p:ph type="title"/>
+          </p:nvPr>
+        </p:nvSpPr>
+        <p:spPr>
+          <a:xfrm>
+            <a:off x="482600" y="643467"/>
+            <a:ext cx="2522980" cy="1597315"/>
+          </a:xfrm>
+          <a:noFill/>
+          <a:ln w="19050">
+            <a:solidFill>
+              <a:schemeClr val="bg1"/>
+            </a:solidFill>
+          </a:ln>
+        </p:spPr>
+        <p:txBody>
+          <a:bodyPr vert="horz" wrap="square" lIns="91440" tIns="45720" rIns="91440" bIns="45720" rtlCol="0" anchor="ctr">
+            <a:normAutofit/>
+          </a:bodyPr>
+          <a:lstStyle/>
+          <a:p>
+            <a:pPr defTabSz="914400" eaLnBrk="1" hangingPunct="1">
+              <a:lnSpc>
+                <a:spcPct val="90000"/>
+              </a:lnSpc>
+            </a:pPr>
+            <a:r>
+              <a:rPr lang="en-US" sz="2400" kern="1200" dirty="0">
+                <a:solidFill>
+                  <a:schemeClr val="bg1"/>
+                </a:solidFill>
+                <a:latin typeface="+mj-lt"/>
+                <a:ea typeface="+mj-ea"/>
+                <a:cs typeface="+mj-cs"/>
+              </a:rPr>
+              <a:t>Contingency Tables</a:t>
+            </a:r>
+          </a:p>
+        </p:txBody>
+      </p:sp>
+      <p:pic>
+        <p:nvPicPr>
+          <p:cNvPr id="8" name="Picture 7">
+            <a:extLst>
+              <a:ext uri="{FF2B5EF4-FFF2-40B4-BE49-F238E27FC236}">
+                <a16:creationId xmlns:a16="http://schemas.microsoft.com/office/drawing/2014/main" id="{521D4292-9ECC-4DA5-8CC0-C561A0DA118E}"/>
+              </a:ext>
+            </a:extLst>
+          </p:cNvPr>
+          <p:cNvPicPr>
+            <a:picLocks noChangeAspect="1"/>
+          </p:cNvPicPr>
+          <p:nvPr/>
+        </p:nvPicPr>
+        <p:blipFill rotWithShape="1">
+          <a:blip r:embed="rId3"/>
+          <a:srcRect l="8000" r="9400"/>
+          <a:stretch/>
+        </p:blipFill>
+        <p:spPr>
+          <a:xfrm>
+            <a:off x="660103" y="3048000"/>
+            <a:ext cx="2167974" cy="2624666"/>
+          </a:xfrm>
+          <a:prstGeom prst="rect">
+            <a:avLst/>
+          </a:prstGeom>
+          <a:noFill/>
+        </p:spPr>
+      </p:pic>
+      <p:sp>
+        <p:nvSpPr>
+          <p:cNvPr id="6" name="TextBox 5">
+            <a:extLst>
+              <a:ext uri="{FF2B5EF4-FFF2-40B4-BE49-F238E27FC236}">
+                <a16:creationId xmlns:a16="http://schemas.microsoft.com/office/drawing/2014/main" id="{E58EF064-51FF-48A9-8810-E84BE6F6F09D}"/>
+              </a:ext>
+            </a:extLst>
+          </p:cNvPr>
+          <p:cNvSpPr txBox="1"/>
+          <p:nvPr/>
+        </p:nvSpPr>
+        <p:spPr>
+          <a:xfrm>
+            <a:off x="3810000" y="621916"/>
+            <a:ext cx="5181600" cy="5632311"/>
+          </a:xfrm>
+          <a:prstGeom prst="rect">
+            <a:avLst/>
+          </a:prstGeom>
+          <a:noFill/>
+        </p:spPr>
+        <p:txBody>
+          <a:bodyPr wrap="square" rtlCol="0">
+            <a:spAutoFit/>
+          </a:bodyPr>
+          <a:lstStyle/>
+          <a:p>
+            <a:pPr marL="342900" indent="-342900">
+              <a:buFont typeface="Arial" panose="020B0604020202020204" pitchFamily="34" charset="0"/>
+              <a:buChar char="•"/>
+            </a:pPr>
+            <a:r>
+              <a:rPr lang="en-US" dirty="0">
+                <a:solidFill>
+                  <a:srgbClr val="404040"/>
+                </a:solidFill>
+              </a:rPr>
+              <a:t>Create Table of Frequencies</a:t>
+            </a:r>
+          </a:p>
+          <a:p>
+            <a:pPr marL="800100" lvl="1" indent="-342900">
+              <a:buFont typeface="Arial" panose="020B0604020202020204" pitchFamily="34" charset="0"/>
+              <a:buChar char="•"/>
+            </a:pPr>
+            <a:endParaRPr lang="en-US" dirty="0">
+              <a:solidFill>
+                <a:srgbClr val="404040"/>
+              </a:solidFill>
+            </a:endParaRPr>
+          </a:p>
+          <a:p>
+            <a:pPr marL="800100" lvl="1" indent="-342900">
+              <a:buFont typeface="Arial" panose="020B0604020202020204" pitchFamily="34" charset="0"/>
+              <a:buChar char="•"/>
+            </a:pPr>
+            <a:r>
+              <a:rPr lang="en-US" dirty="0">
+                <a:solidFill>
+                  <a:srgbClr val="404040"/>
+                </a:solidFill>
+              </a:rPr>
+              <a:t>Used</a:t>
+            </a:r>
+          </a:p>
+          <a:p>
+            <a:pPr marL="800100" lvl="1" indent="-342900">
+              <a:buFont typeface="Arial" panose="020B0604020202020204" pitchFamily="34" charset="0"/>
+              <a:buChar char="•"/>
+            </a:pPr>
+            <a:endParaRPr lang="en-US" dirty="0">
+              <a:solidFill>
+                <a:srgbClr val="404040"/>
+              </a:solidFill>
+            </a:endParaRPr>
+          </a:p>
+          <a:p>
+            <a:pPr marL="800100" lvl="1" indent="-342900">
+              <a:buFont typeface="Arial" panose="020B0604020202020204" pitchFamily="34" charset="0"/>
+              <a:buChar char="•"/>
+            </a:pPr>
+            <a:endParaRPr lang="en-US" dirty="0">
+              <a:solidFill>
+                <a:srgbClr val="404040"/>
+              </a:solidFill>
+            </a:endParaRPr>
+          </a:p>
+          <a:p>
+            <a:pPr marL="800100" lvl="1" indent="-342900">
+              <a:buFont typeface="Arial" panose="020B0604020202020204" pitchFamily="34" charset="0"/>
+              <a:buChar char="•"/>
+            </a:pPr>
+            <a:endParaRPr lang="en-US" dirty="0">
+              <a:solidFill>
+                <a:srgbClr val="404040"/>
+              </a:solidFill>
+            </a:endParaRPr>
+          </a:p>
+          <a:p>
+            <a:pPr marL="800100" lvl="1" indent="-342900">
+              <a:buFont typeface="Arial" panose="020B0604020202020204" pitchFamily="34" charset="0"/>
+              <a:buChar char="•"/>
+            </a:pPr>
+            <a:endParaRPr lang="en-US" dirty="0">
+              <a:solidFill>
+                <a:srgbClr val="404040"/>
+              </a:solidFill>
+            </a:endParaRPr>
+          </a:p>
+          <a:p>
+            <a:pPr marL="800100" lvl="1" indent="-342900">
+              <a:buFont typeface="Arial" panose="020B0604020202020204" pitchFamily="34" charset="0"/>
+              <a:buChar char="•"/>
+            </a:pPr>
+            <a:endParaRPr lang="en-US" dirty="0">
+              <a:solidFill>
+                <a:srgbClr val="404040"/>
+              </a:solidFill>
+            </a:endParaRPr>
+          </a:p>
+          <a:p>
+            <a:pPr marL="800100" lvl="1" indent="-342900">
+              <a:buFont typeface="Arial" panose="020B0604020202020204" pitchFamily="34" charset="0"/>
+              <a:buChar char="•"/>
+            </a:pPr>
+            <a:endParaRPr lang="en-US" dirty="0">
+              <a:solidFill>
+                <a:srgbClr val="404040"/>
+              </a:solidFill>
+            </a:endParaRPr>
+          </a:p>
+          <a:p>
+            <a:pPr marL="800100" lvl="1" indent="-342900">
+              <a:buFont typeface="Arial" panose="020B0604020202020204" pitchFamily="34" charset="0"/>
+              <a:buChar char="•"/>
+            </a:pPr>
+            <a:endParaRPr lang="en-US" dirty="0">
+              <a:solidFill>
+                <a:srgbClr val="404040"/>
+              </a:solidFill>
+            </a:endParaRPr>
+          </a:p>
+          <a:p>
+            <a:pPr marL="800100" lvl="1" indent="-342900">
+              <a:buFont typeface="Arial" panose="020B0604020202020204" pitchFamily="34" charset="0"/>
+              <a:buChar char="•"/>
+            </a:pPr>
+            <a:endParaRPr lang="en-US" dirty="0">
+              <a:solidFill>
+                <a:srgbClr val="404040"/>
+              </a:solidFill>
+            </a:endParaRPr>
+          </a:p>
+          <a:p>
+            <a:pPr marL="800100" lvl="1" indent="-342900">
+              <a:buFont typeface="Arial" panose="020B0604020202020204" pitchFamily="34" charset="0"/>
+              <a:buChar char="•"/>
+            </a:pPr>
+            <a:endParaRPr lang="en-US" dirty="0">
+              <a:solidFill>
+                <a:srgbClr val="404040"/>
+              </a:solidFill>
+            </a:endParaRPr>
+          </a:p>
+          <a:p>
+            <a:pPr marL="800100" lvl="1" indent="-342900">
+              <a:buFont typeface="Arial" panose="020B0604020202020204" pitchFamily="34" charset="0"/>
+              <a:buChar char="•"/>
+            </a:pPr>
+            <a:endParaRPr lang="en-US" dirty="0">
+              <a:solidFill>
+                <a:srgbClr val="404040"/>
+              </a:solidFill>
+            </a:endParaRPr>
+          </a:p>
+          <a:p>
+            <a:pPr marL="800100" lvl="1" indent="-342900">
+              <a:buFont typeface="Arial" panose="020B0604020202020204" pitchFamily="34" charset="0"/>
+              <a:buChar char="•"/>
+            </a:pPr>
+            <a:r>
+              <a:rPr lang="en-US" dirty="0">
+                <a:solidFill>
+                  <a:srgbClr val="404040"/>
+                </a:solidFill>
+              </a:rPr>
+              <a:t>Check: </a:t>
+            </a:r>
+          </a:p>
+          <a:p>
+            <a:pPr marL="342900" indent="-342900">
+              <a:buFont typeface="Arial" panose="020B0604020202020204" pitchFamily="34" charset="0"/>
+              <a:buChar char="•"/>
+            </a:pPr>
+            <a:endParaRPr lang="en-US" dirty="0">
+              <a:solidFill>
+                <a:srgbClr val="404040"/>
+              </a:solidFill>
+            </a:endParaRPr>
+          </a:p>
+        </p:txBody>
+      </p:sp>
+      <p:pic>
+        <p:nvPicPr>
+          <p:cNvPr id="4" name="Picture 3">
+            <a:extLst>
+              <a:ext uri="{FF2B5EF4-FFF2-40B4-BE49-F238E27FC236}">
+                <a16:creationId xmlns:a16="http://schemas.microsoft.com/office/drawing/2014/main" id="{E9C5E9CB-965C-8E3D-9A62-A1447584729B}"/>
+              </a:ext>
+            </a:extLst>
+          </p:cNvPr>
+          <p:cNvPicPr>
+            <a:picLocks noChangeAspect="1"/>
+          </p:cNvPicPr>
+          <p:nvPr/>
+        </p:nvPicPr>
+        <p:blipFill>
+          <a:blip r:embed="rId4"/>
+          <a:stretch>
+            <a:fillRect/>
+          </a:stretch>
+        </p:blipFill>
+        <p:spPr>
+          <a:xfrm>
+            <a:off x="4289128" y="1948161"/>
+            <a:ext cx="4152272" cy="3152775"/>
+          </a:xfrm>
+          <a:prstGeom prst="rect">
+            <a:avLst/>
+          </a:prstGeom>
+        </p:spPr>
+      </p:pic>
+      <p:sp>
+        <p:nvSpPr>
+          <p:cNvPr id="7" name="TextBox 6">
+            <a:extLst>
+              <a:ext uri="{FF2B5EF4-FFF2-40B4-BE49-F238E27FC236}">
+                <a16:creationId xmlns:a16="http://schemas.microsoft.com/office/drawing/2014/main" id="{BC77DE5B-C129-1405-F79D-85744BE45C56}"/>
+              </a:ext>
+            </a:extLst>
+          </p:cNvPr>
+          <p:cNvSpPr txBox="1"/>
+          <p:nvPr/>
+        </p:nvSpPr>
+        <p:spPr>
+          <a:xfrm>
+            <a:off x="5532997" y="1295400"/>
+            <a:ext cx="2590800" cy="461665"/>
+          </a:xfrm>
+          <a:prstGeom prst="rect">
+            <a:avLst/>
+          </a:prstGeom>
+          <a:solidFill>
+            <a:srgbClr val="404040"/>
+          </a:solidFill>
+        </p:spPr>
+        <p:txBody>
+          <a:bodyPr wrap="square" rtlCol="0">
+            <a:spAutoFit/>
+          </a:bodyPr>
+          <a:lstStyle/>
+          <a:p>
+            <a:r>
+              <a:rPr lang="en-US" dirty="0">
+                <a:solidFill>
+                  <a:schemeClr val="bg1"/>
+                </a:solidFill>
+              </a:rPr>
+              <a:t>message=FALSE</a:t>
+            </a:r>
+          </a:p>
+        </p:txBody>
+      </p:sp>
+      <mc:AlternateContent xmlns:mc="http://schemas.openxmlformats.org/markup-compatibility/2006">
+        <mc:Choice xmlns:a14="http://schemas.microsoft.com/office/drawing/2010/main" Requires="a14">
+          <p:sp>
+            <p:nvSpPr>
+              <p:cNvPr id="10" name="TextBox 9">
+                <a:extLst>
+                  <a:ext uri="{FF2B5EF4-FFF2-40B4-BE49-F238E27FC236}">
+                    <a16:creationId xmlns:a16="http://schemas.microsoft.com/office/drawing/2014/main" id="{06308F8C-4570-CF05-921B-9CA28EBBFB9E}"/>
+                  </a:ext>
+                </a:extLst>
+              </p:cNvPr>
+              <p:cNvSpPr txBox="1"/>
+              <p:nvPr/>
+            </p:nvSpPr>
+            <p:spPr>
+              <a:xfrm>
+                <a:off x="4161300" y="5884895"/>
+                <a:ext cx="4479000" cy="369332"/>
+              </a:xfrm>
+              <a:prstGeom prst="rect">
+                <a:avLst/>
+              </a:prstGeom>
+              <a:noFill/>
+            </p:spPr>
+            <p:txBody>
+              <a:bodyPr wrap="square" lIns="0" tIns="0" rIns="0" bIns="0" rtlCol="0">
+                <a:spAutoFit/>
+              </a:bodyPr>
+              <a:lstStyle/>
+              <a:p>
+                <a14:m>
+                  <m:oMathPara xmlns:m="http://schemas.openxmlformats.org/officeDocument/2006/math">
+                    <m:oMathParaPr>
+                      <m:jc m:val="centerGroup"/>
+                    </m:oMathParaPr>
+                    <m:oMath xmlns:m="http://schemas.openxmlformats.org/officeDocument/2006/math">
+                      <m:r>
+                        <a:rPr lang="en-US" b="0" i="1" smtClean="0">
+                          <a:latin typeface="Cambria Math" panose="02040503050406030204" pitchFamily="18" charset="0"/>
+                        </a:rPr>
+                        <m:t>36+53+1046+1708=2843</m:t>
+                      </m:r>
+                    </m:oMath>
+                  </m:oMathPara>
+                </a14:m>
+                <a:endParaRPr lang="en-US" dirty="0"/>
+              </a:p>
+            </p:txBody>
+          </p:sp>
+        </mc:Choice>
+        <mc:Fallback>
+          <p:sp>
+            <p:nvSpPr>
+              <p:cNvPr id="10" name="TextBox 9">
+                <a:extLst>
+                  <a:ext uri="{FF2B5EF4-FFF2-40B4-BE49-F238E27FC236}">
+                    <a16:creationId xmlns:a16="http://schemas.microsoft.com/office/drawing/2014/main" id="{06308F8C-4570-CF05-921B-9CA28EBBFB9E}"/>
+                  </a:ext>
+                </a:extLst>
+              </p:cNvPr>
+              <p:cNvSpPr txBox="1">
+                <a:spLocks noRot="1" noChangeAspect="1" noMove="1" noResize="1" noEditPoints="1" noAdjustHandles="1" noChangeArrowheads="1" noChangeShapeType="1" noTextEdit="1"/>
+              </p:cNvSpPr>
+              <p:nvPr/>
+            </p:nvSpPr>
+            <p:spPr>
+              <a:xfrm>
+                <a:off x="4161300" y="5884895"/>
+                <a:ext cx="4479000" cy="369332"/>
+              </a:xfrm>
+              <a:prstGeom prst="rect">
+                <a:avLst/>
+              </a:prstGeom>
+              <a:blipFill>
+                <a:blip r:embed="rId5"/>
+                <a:stretch>
+                  <a:fillRect b="-11475"/>
+                </a:stretch>
+              </a:blipFill>
+            </p:spPr>
+            <p:txBody>
+              <a:bodyPr/>
+              <a:lstStyle/>
+              <a:p>
+                <a:r>
+                  <a:rPr lang="en-US">
+                    <a:noFill/>
+                  </a:rPr>
+                  <a:t> </a:t>
+                </a:r>
+              </a:p>
+            </p:txBody>
+          </p:sp>
+        </mc:Fallback>
+      </mc:AlternateContent>
+    </p:spTree>
+    <p:custDataLst>
+      <p:tags r:id="rId1"/>
+    </p:custDataLst>
+    <p:extLst>
+      <p:ext uri="{BB962C8B-B14F-4D97-AF65-F5344CB8AC3E}">
+        <p14:creationId xmlns:p14="http://schemas.microsoft.com/office/powerpoint/2010/main" val="1251892715"/>
+      </p:ext>
+    </p:extLst>
+  </p:cSld>
+  <p:clrMapOvr>
+    <a:masterClrMapping/>
+  </p:clrMapOvr>
+</p:sld>
+</file>
+
 <file path=ppt/tags/tag1.xml><?xml version="1.0" encoding="utf-8"?>
 <p:tagLst xmlns:a="http://schemas.openxmlformats.org/drawingml/2006/main" xmlns:r="http://schemas.openxmlformats.org/officeDocument/2006/relationships" xmlns:p="http://schemas.openxmlformats.org/presentationml/2006/main">
   <p:tag name="EXPANDSHOWBAR" val="True"/>
@@ -11052,6 +12043,18 @@
   <p:tag name="CUSTOMCELLBACKCOLOR1" val="-657956"/>
   <p:tag name="PRRESPONSE4" val="7"/>
   <p:tag name="ADVANCEDSETTINGSVIEW" val="True"/>
+  <p:tag name="DELIMITERS" val="3.1"/>
+</p:tagLst>
+</file>
+
+<file path=ppt/tags/tag10.xml><?xml version="1.0" encoding="utf-8"?>
+<p:tagLst xmlns:a="http://schemas.openxmlformats.org/drawingml/2006/main" xmlns:r="http://schemas.openxmlformats.org/officeDocument/2006/relationships" xmlns:p="http://schemas.openxmlformats.org/presentationml/2006/main">
+  <p:tag name="DELIMITERS" val="3.1"/>
+</p:tagLst>
+</file>
+
+<file path=ppt/tags/tag11.xml><?xml version="1.0" encoding="utf-8"?>
+<p:tagLst xmlns:a="http://schemas.openxmlformats.org/drawingml/2006/main" xmlns:r="http://schemas.openxmlformats.org/officeDocument/2006/relationships" xmlns:p="http://schemas.openxmlformats.org/presentationml/2006/main">
   <p:tag name="DELIMITERS" val="3.1"/>
 </p:tagLst>
 </file>

--- a/Lecture/Tidy Data 2/Tidy_Data_2_Lecture.pptx
+++ b/Lecture/Tidy Data 2/Tidy_Data_2_Lecture.pptx
@@ -6,10 +6,10 @@
     <p:sldMasterId id="2147483676" r:id="rId2"/>
   </p:sldMasterIdLst>
   <p:notesMasterIdLst>
-    <p:notesMasterId r:id="rId13"/>
+    <p:notesMasterId r:id="rId15"/>
   </p:notesMasterIdLst>
   <p:handoutMasterIdLst>
-    <p:handoutMasterId r:id="rId14"/>
+    <p:handoutMasterId r:id="rId16"/>
   </p:handoutMasterIdLst>
   <p:sldIdLst>
     <p:sldId id="320" r:id="rId3"/>
@@ -21,12 +21,14 @@
     <p:sldId id="395" r:id="rId9"/>
     <p:sldId id="396" r:id="rId10"/>
     <p:sldId id="397" r:id="rId11"/>
-    <p:sldId id="329" r:id="rId12"/>
+    <p:sldId id="398" r:id="rId12"/>
+    <p:sldId id="399" r:id="rId13"/>
+    <p:sldId id="329" r:id="rId14"/>
   </p:sldIdLst>
   <p:sldSz cx="9144000" cy="6858000" type="screen4x3"/>
   <p:notesSz cx="6858000" cy="9144000"/>
   <p:custDataLst>
-    <p:tags r:id="rId15"/>
+    <p:tags r:id="rId17"/>
   </p:custDataLst>
   <p:defaultTextStyle>
     <a:defPPr>
@@ -297,7 +299,7 @@
               <a:pPr>
                 <a:defRPr/>
               </a:pPr>
-              <a:t>2/6/2023</a:t>
+              <a:t>2/7/2023</a:t>
             </a:fld>
             <a:endParaRPr lang="en-US" dirty="0"/>
           </a:p>
@@ -509,7 +511,7 @@
               <a:pPr>
                 <a:defRPr/>
               </a:pPr>
-              <a:t>2/6/2023</a:t>
+              <a:t>2/7/2023</a:t>
             </a:fld>
             <a:endParaRPr lang="en-US" dirty="0"/>
           </a:p>
@@ -1028,7 +1030,7 @@
               <a:pPr>
                 <a:defRPr/>
               </a:pPr>
-              <a:t>2/6/2023</a:t>
+              <a:t>2/7/2023</a:t>
             </a:fld>
             <a:endParaRPr lang="en-US" dirty="0"/>
           </a:p>
@@ -1218,7 +1220,7 @@
               <a:pPr>
                 <a:defRPr/>
               </a:pPr>
-              <a:t>2/6/2023</a:t>
+              <a:t>2/7/2023</a:t>
             </a:fld>
             <a:endParaRPr lang="en-US" dirty="0"/>
           </a:p>
@@ -1418,7 +1420,7 @@
               <a:pPr>
                 <a:defRPr/>
               </a:pPr>
-              <a:t>2/6/2023</a:t>
+              <a:t>2/7/2023</a:t>
             </a:fld>
             <a:endParaRPr lang="en-US" dirty="0"/>
           </a:p>
@@ -1686,7 +1688,7 @@
               <a:pPr>
                 <a:defRPr/>
               </a:pPr>
-              <a:t>2/6/2023</a:t>
+              <a:t>2/7/2023</a:t>
             </a:fld>
             <a:endParaRPr lang="en-US" dirty="0">
               <a:solidFill>
@@ -1900,7 +1902,7 @@
               <a:pPr>
                 <a:defRPr/>
               </a:pPr>
-              <a:t>2/6/2023</a:t>
+              <a:t>2/7/2023</a:t>
             </a:fld>
             <a:endParaRPr lang="en-US" dirty="0">
               <a:solidFill>
@@ -2191,7 +2193,7 @@
               <a:pPr>
                 <a:defRPr/>
               </a:pPr>
-              <a:t>2/6/2023</a:t>
+              <a:t>2/7/2023</a:t>
             </a:fld>
             <a:endParaRPr lang="en-US" dirty="0">
               <a:solidFill>
@@ -2522,7 +2524,7 @@
               <a:pPr>
                 <a:defRPr/>
               </a:pPr>
-              <a:t>2/6/2023</a:t>
+              <a:t>2/7/2023</a:t>
             </a:fld>
             <a:endParaRPr lang="en-US" dirty="0">
               <a:solidFill>
@@ -2987,7 +2989,7 @@
               <a:pPr>
                 <a:defRPr/>
               </a:pPr>
-              <a:t>2/6/2023</a:t>
+              <a:t>2/7/2023</a:t>
             </a:fld>
             <a:endParaRPr lang="en-US" dirty="0">
               <a:solidFill>
@@ -3150,7 +3152,7 @@
               <a:pPr>
                 <a:defRPr/>
               </a:pPr>
-              <a:t>2/6/2023</a:t>
+              <a:t>2/7/2023</a:t>
             </a:fld>
             <a:endParaRPr lang="en-US" dirty="0">
               <a:solidFill>
@@ -3291,7 +3293,7 @@
               <a:pPr>
                 <a:defRPr/>
               </a:pPr>
-              <a:t>2/6/2023</a:t>
+              <a:t>2/7/2023</a:t>
             </a:fld>
             <a:endParaRPr lang="en-US" dirty="0">
               <a:solidFill>
@@ -3612,7 +3614,7 @@
               <a:pPr>
                 <a:defRPr/>
               </a:pPr>
-              <a:t>2/6/2023</a:t>
+              <a:t>2/7/2023</a:t>
             </a:fld>
             <a:endParaRPr lang="en-US" dirty="0">
               <a:solidFill>
@@ -3820,7 +3822,7 @@
               <a:pPr>
                 <a:defRPr/>
               </a:pPr>
-              <a:t>2/6/2023</a:t>
+              <a:t>2/7/2023</a:t>
             </a:fld>
             <a:endParaRPr lang="en-US" dirty="0"/>
           </a:p>
@@ -4103,7 +4105,7 @@
               <a:pPr>
                 <a:defRPr/>
               </a:pPr>
-              <a:t>2/6/2023</a:t>
+              <a:t>2/7/2023</a:t>
             </a:fld>
             <a:endParaRPr lang="en-US" dirty="0">
               <a:solidFill>
@@ -4317,7 +4319,7 @@
               <a:pPr>
                 <a:defRPr/>
               </a:pPr>
-              <a:t>2/6/2023</a:t>
+              <a:t>2/7/2023</a:t>
             </a:fld>
             <a:endParaRPr lang="en-US" dirty="0">
               <a:solidFill>
@@ -4541,7 +4543,7 @@
               <a:pPr>
                 <a:defRPr/>
               </a:pPr>
-              <a:t>2/6/2023</a:t>
+              <a:t>2/7/2023</a:t>
             </a:fld>
             <a:endParaRPr lang="en-US" dirty="0">
               <a:solidFill>
@@ -4751,7 +4753,7 @@
               <a:pPr>
                 <a:defRPr/>
               </a:pPr>
-              <a:t>2/6/2023</a:t>
+              <a:t>2/7/2023</a:t>
             </a:fld>
             <a:endParaRPr lang="en-US" dirty="0">
               <a:solidFill>
@@ -5028,7 +5030,7 @@
               <a:pPr>
                 <a:defRPr/>
               </a:pPr>
-              <a:t>2/6/2023</a:t>
+              <a:t>2/7/2023</a:t>
             </a:fld>
             <a:endParaRPr lang="en-US" dirty="0"/>
           </a:p>
@@ -5335,7 +5337,7 @@
               <a:pPr>
                 <a:defRPr/>
               </a:pPr>
-              <a:t>2/6/2023</a:t>
+              <a:t>2/7/2023</a:t>
             </a:fld>
             <a:endParaRPr lang="en-US" dirty="0"/>
           </a:p>
@@ -5776,7 +5778,7 @@
               <a:pPr>
                 <a:defRPr/>
               </a:pPr>
-              <a:t>2/6/2023</a:t>
+              <a:t>2/7/2023</a:t>
             </a:fld>
             <a:endParaRPr lang="en-US" dirty="0"/>
           </a:p>
@@ -5915,7 +5917,7 @@
               <a:pPr>
                 <a:defRPr/>
               </a:pPr>
-              <a:t>2/6/2023</a:t>
+              <a:t>2/7/2023</a:t>
             </a:fld>
             <a:endParaRPr lang="en-US" dirty="0"/>
           </a:p>
@@ -6032,7 +6034,7 @@
               <a:pPr>
                 <a:defRPr/>
               </a:pPr>
-              <a:t>2/6/2023</a:t>
+              <a:t>2/7/2023</a:t>
             </a:fld>
             <a:endParaRPr lang="en-US" dirty="0"/>
           </a:p>
@@ -6329,7 +6331,7 @@
               <a:pPr>
                 <a:defRPr/>
               </a:pPr>
-              <a:t>2/6/2023</a:t>
+              <a:t>2/7/2023</a:t>
             </a:fld>
             <a:endParaRPr lang="en-US" dirty="0"/>
           </a:p>
@@ -6606,7 +6608,7 @@
               <a:pPr>
                 <a:defRPr/>
               </a:pPr>
-              <a:t>2/6/2023</a:t>
+              <a:t>2/7/2023</a:t>
             </a:fld>
             <a:endParaRPr lang="en-US" dirty="0"/>
           </a:p>
@@ -6863,7 +6865,7 @@
               <a:pPr>
                 <a:defRPr/>
               </a:pPr>
-              <a:t>2/6/2023</a:t>
+              <a:t>2/7/2023</a:t>
             </a:fld>
             <a:endParaRPr lang="en-US" dirty="0"/>
           </a:p>
@@ -7573,7 +7575,7 @@
               <a:pPr>
                 <a:defRPr/>
               </a:pPr>
-              <a:t>2/6/2023</a:t>
+              <a:t>2/7/2023</a:t>
             </a:fld>
             <a:endParaRPr lang="en-US" dirty="0">
               <a:solidFill>
@@ -8543,6 +8545,701 @@
           <a:bodyPr rtlCol="0" anchor="ctr"/>
           <a:lstStyle/>
           <a:p>
+            <a:pPr marL="0" marR="0" lvl="0" indent="0" algn="ctr" defTabSz="457200" rtl="0" eaLnBrk="1" fontAlgn="base" latinLnBrk="0" hangingPunct="1">
+              <a:lnSpc>
+                <a:spcPct val="100000"/>
+              </a:lnSpc>
+              <a:spcBef>
+                <a:spcPct val="0"/>
+              </a:spcBef>
+              <a:spcAft>
+                <a:spcPct val="0"/>
+              </a:spcAft>
+              <a:buClrTx/>
+              <a:buSzTx/>
+              <a:buFontTx/>
+              <a:buNone/>
+              <a:tabLst/>
+              <a:defRPr/>
+            </a:pPr>
+            <a:endParaRPr kumimoji="0" lang="en-US" sz="2400" b="0" i="0" u="none" strike="noStrike" kern="1200" cap="none" spc="0" normalizeH="0" baseline="0" noProof="0">
+              <a:ln>
+                <a:noFill/>
+              </a:ln>
+              <a:solidFill>
+                <a:prstClr val="white"/>
+              </a:solidFill>
+              <a:effectLst/>
+              <a:uLnTx/>
+              <a:uFillTx/>
+              <a:latin typeface="Calibri"/>
+              <a:ea typeface="+mn-ea"/>
+              <a:cs typeface="+mn-cs"/>
+            </a:endParaRPr>
+          </a:p>
+        </p:txBody>
+      </p:sp>
+      <p:sp>
+        <p:nvSpPr>
+          <p:cNvPr id="2" name="Title 1"/>
+          <p:cNvSpPr>
+            <a:spLocks noGrp="1"/>
+          </p:cNvSpPr>
+          <p:nvPr>
+            <p:ph type="title"/>
+          </p:nvPr>
+        </p:nvSpPr>
+        <p:spPr>
+          <a:xfrm>
+            <a:off x="482600" y="643467"/>
+            <a:ext cx="2522980" cy="1597315"/>
+          </a:xfrm>
+          <a:noFill/>
+          <a:ln w="19050">
+            <a:solidFill>
+              <a:schemeClr val="bg1"/>
+            </a:solidFill>
+          </a:ln>
+        </p:spPr>
+        <p:txBody>
+          <a:bodyPr vert="horz" wrap="square" lIns="91440" tIns="45720" rIns="91440" bIns="45720" rtlCol="0" anchor="ctr">
+            <a:normAutofit/>
+          </a:bodyPr>
+          <a:lstStyle/>
+          <a:p>
+            <a:pPr defTabSz="914400" eaLnBrk="1" hangingPunct="1">
+              <a:lnSpc>
+                <a:spcPct val="90000"/>
+              </a:lnSpc>
+            </a:pPr>
+            <a:r>
+              <a:rPr lang="en-US" sz="2400" kern="1200" dirty="0">
+                <a:solidFill>
+                  <a:schemeClr val="bg1"/>
+                </a:solidFill>
+                <a:latin typeface="+mj-lt"/>
+                <a:ea typeface="+mj-ea"/>
+                <a:cs typeface="+mj-cs"/>
+              </a:rPr>
+              <a:t>Contingency Tables</a:t>
+            </a:r>
+          </a:p>
+        </p:txBody>
+      </p:sp>
+      <p:pic>
+        <p:nvPicPr>
+          <p:cNvPr id="8" name="Picture 7">
+            <a:extLst>
+              <a:ext uri="{FF2B5EF4-FFF2-40B4-BE49-F238E27FC236}">
+                <a16:creationId xmlns:a16="http://schemas.microsoft.com/office/drawing/2014/main" id="{521D4292-9ECC-4DA5-8CC0-C561A0DA118E}"/>
+              </a:ext>
+            </a:extLst>
+          </p:cNvPr>
+          <p:cNvPicPr>
+            <a:picLocks noChangeAspect="1"/>
+          </p:cNvPicPr>
+          <p:nvPr/>
+        </p:nvPicPr>
+        <p:blipFill rotWithShape="1">
+          <a:blip r:embed="rId3"/>
+          <a:srcRect l="8000" r="9400"/>
+          <a:stretch/>
+        </p:blipFill>
+        <p:spPr>
+          <a:xfrm>
+            <a:off x="660103" y="3048000"/>
+            <a:ext cx="2167974" cy="2624666"/>
+          </a:xfrm>
+          <a:prstGeom prst="rect">
+            <a:avLst/>
+          </a:prstGeom>
+          <a:noFill/>
+        </p:spPr>
+      </p:pic>
+      <p:sp>
+        <p:nvSpPr>
+          <p:cNvPr id="6" name="TextBox 5">
+            <a:extLst>
+              <a:ext uri="{FF2B5EF4-FFF2-40B4-BE49-F238E27FC236}">
+                <a16:creationId xmlns:a16="http://schemas.microsoft.com/office/drawing/2014/main" id="{E58EF064-51FF-48A9-8810-E84BE6F6F09D}"/>
+              </a:ext>
+            </a:extLst>
+          </p:cNvPr>
+          <p:cNvSpPr txBox="1"/>
+          <p:nvPr/>
+        </p:nvSpPr>
+        <p:spPr>
+          <a:xfrm>
+            <a:off x="3810000" y="621916"/>
+            <a:ext cx="5181600" cy="830997"/>
+          </a:xfrm>
+          <a:prstGeom prst="rect">
+            <a:avLst/>
+          </a:prstGeom>
+          <a:noFill/>
+        </p:spPr>
+        <p:txBody>
+          <a:bodyPr wrap="square" rtlCol="0">
+            <a:spAutoFit/>
+          </a:bodyPr>
+          <a:lstStyle/>
+          <a:p>
+            <a:pPr marL="342900" indent="-342900">
+              <a:buFont typeface="Arial" panose="020B0604020202020204" pitchFamily="34" charset="0"/>
+              <a:buChar char="•"/>
+            </a:pPr>
+            <a:r>
+              <a:rPr lang="en-US" dirty="0">
+                <a:solidFill>
+                  <a:srgbClr val="404040"/>
+                </a:solidFill>
+              </a:rPr>
+              <a:t>Create Table of Proportions</a:t>
+            </a:r>
+          </a:p>
+          <a:p>
+            <a:pPr marL="342900" indent="-342900">
+              <a:buFont typeface="Arial" panose="020B0604020202020204" pitchFamily="34" charset="0"/>
+              <a:buChar char="•"/>
+            </a:pPr>
+            <a:endParaRPr lang="en-US" dirty="0">
+              <a:solidFill>
+                <a:srgbClr val="404040"/>
+              </a:solidFill>
+            </a:endParaRPr>
+          </a:p>
+        </p:txBody>
+      </p:sp>
+      <p:pic>
+        <p:nvPicPr>
+          <p:cNvPr id="5" name="Picture 4">
+            <a:extLst>
+              <a:ext uri="{FF2B5EF4-FFF2-40B4-BE49-F238E27FC236}">
+                <a16:creationId xmlns:a16="http://schemas.microsoft.com/office/drawing/2014/main" id="{C41819F8-3D0F-7BFC-7862-EF38910D42A0}"/>
+              </a:ext>
+            </a:extLst>
+          </p:cNvPr>
+          <p:cNvPicPr>
+            <a:picLocks noChangeAspect="1"/>
+          </p:cNvPicPr>
+          <p:nvPr/>
+        </p:nvPicPr>
+        <p:blipFill>
+          <a:blip r:embed="rId4"/>
+          <a:stretch>
+            <a:fillRect/>
+          </a:stretch>
+        </p:blipFill>
+        <p:spPr>
+          <a:xfrm>
+            <a:off x="3680484" y="1224101"/>
+            <a:ext cx="5135906" cy="4079199"/>
+          </a:xfrm>
+          <a:prstGeom prst="rect">
+            <a:avLst/>
+          </a:prstGeom>
+          <a:ln w="28575">
+            <a:solidFill>
+              <a:srgbClr val="404040"/>
+            </a:solidFill>
+          </a:ln>
+        </p:spPr>
+      </p:pic>
+    </p:spTree>
+    <p:custDataLst>
+      <p:tags r:id="rId1"/>
+    </p:custDataLst>
+    <p:extLst>
+      <p:ext uri="{BB962C8B-B14F-4D97-AF65-F5344CB8AC3E}">
+        <p14:creationId xmlns:p14="http://schemas.microsoft.com/office/powerpoint/2010/main" val="4235241092"/>
+      </p:ext>
+    </p:extLst>
+  </p:cSld>
+  <p:clrMapOvr>
+    <a:masterClrMapping/>
+  </p:clrMapOvr>
+</p:sld>
+</file>
+
+<file path=ppt/slides/slide11.xml><?xml version="1.0" encoding="utf-8"?>
+<p:sld xmlns:a="http://schemas.openxmlformats.org/drawingml/2006/main" xmlns:r="http://schemas.openxmlformats.org/officeDocument/2006/relationships" xmlns:p="http://schemas.openxmlformats.org/presentationml/2006/main">
+  <p:cSld>
+    <p:bg>
+      <p:bgPr>
+        <a:solidFill>
+          <a:schemeClr val="bg1">
+            <a:lumMod val="85000"/>
+          </a:schemeClr>
+        </a:solidFill>
+        <a:effectLst/>
+      </p:bgPr>
+    </p:bg>
+    <p:spTree>
+      <p:nvGrpSpPr>
+        <p:cNvPr id="1" name=""/>
+        <p:cNvGrpSpPr/>
+        <p:nvPr/>
+      </p:nvGrpSpPr>
+      <p:grpSpPr>
+        <a:xfrm>
+          <a:off x="0" y="0"/>
+          <a:ext cx="0" cy="0"/>
+          <a:chOff x="0" y="0"/>
+          <a:chExt cx="0" cy="0"/>
+        </a:xfrm>
+      </p:grpSpPr>
+      <p:sp>
+        <p:nvSpPr>
+          <p:cNvPr id="15" name="Rectangle 12">
+            <a:extLst>
+              <a:ext uri="{FF2B5EF4-FFF2-40B4-BE49-F238E27FC236}">
+                <a16:creationId xmlns:a16="http://schemas.microsoft.com/office/drawing/2014/main" id="{867D4867-5BA7-4462-B2F6-A23F4A622AA7}"/>
+              </a:ext>
+              <a:ext uri="{C183D7F6-B498-43B3-948B-1728B52AA6E4}">
+                <adec:decorative xmlns:adec="http://schemas.microsoft.com/office/drawing/2017/decorative" val="1"/>
+              </a:ext>
+            </a:extLst>
+          </p:cNvPr>
+          <p:cNvSpPr>
+            <a:spLocks noGrp="1" noRot="1" noChangeAspect="1" noMove="1" noResize="1" noEditPoints="1" noAdjustHandles="1" noChangeArrowheads="1" noChangeShapeType="1" noTextEdit="1"/>
+          </p:cNvSpPr>
+          <p:nvPr>
+            <p:extLst>
+              <p:ext uri="{386F3935-93C4-4BCD-93E2-E3B085C9AB24}">
+                <p16:designElem xmlns:p16="http://schemas.microsoft.com/office/powerpoint/2015/main" val="1"/>
+              </p:ext>
+            </p:extLst>
+          </p:nvPr>
+        </p:nvSpPr>
+        <p:spPr>
+          <a:xfrm>
+            <a:off x="0" y="0"/>
+            <a:ext cx="3490722" cy="6858000"/>
+          </a:xfrm>
+          <a:prstGeom prst="rect">
+            <a:avLst/>
+          </a:prstGeom>
+          <a:solidFill>
+            <a:schemeClr val="tx1">
+              <a:lumMod val="75000"/>
+              <a:lumOff val="25000"/>
+            </a:schemeClr>
+          </a:solidFill>
+          <a:ln>
+            <a:noFill/>
+          </a:ln>
+        </p:spPr>
+        <p:style>
+          <a:lnRef idx="0">
+            <a:scrgbClr r="0" g="0" b="0"/>
+          </a:lnRef>
+          <a:fillRef idx="0">
+            <a:scrgbClr r="0" g="0" b="0"/>
+          </a:fillRef>
+          <a:effectRef idx="0">
+            <a:scrgbClr r="0" g="0" b="0"/>
+          </a:effectRef>
+          <a:fontRef idx="minor">
+            <a:schemeClr val="lt1"/>
+          </a:fontRef>
+        </p:style>
+        <p:txBody>
+          <a:bodyPr rtlCol="0" anchor="ctr"/>
+          <a:lstStyle/>
+          <a:p>
+            <a:pPr marL="0" marR="0" lvl="0" indent="0" algn="ctr" defTabSz="457200" rtl="0" eaLnBrk="1" fontAlgn="base" latinLnBrk="0" hangingPunct="1">
+              <a:lnSpc>
+                <a:spcPct val="100000"/>
+              </a:lnSpc>
+              <a:spcBef>
+                <a:spcPct val="0"/>
+              </a:spcBef>
+              <a:spcAft>
+                <a:spcPct val="0"/>
+              </a:spcAft>
+              <a:buClrTx/>
+              <a:buSzTx/>
+              <a:buFontTx/>
+              <a:buNone/>
+              <a:tabLst/>
+              <a:defRPr/>
+            </a:pPr>
+            <a:endParaRPr kumimoji="0" lang="en-US" sz="2400" b="0" i="0" u="none" strike="noStrike" kern="1200" cap="none" spc="0" normalizeH="0" baseline="0" noProof="0">
+              <a:ln>
+                <a:noFill/>
+              </a:ln>
+              <a:solidFill>
+                <a:prstClr val="white"/>
+              </a:solidFill>
+              <a:effectLst/>
+              <a:uLnTx/>
+              <a:uFillTx/>
+              <a:latin typeface="Calibri"/>
+              <a:ea typeface="+mn-ea"/>
+              <a:cs typeface="+mn-cs"/>
+            </a:endParaRPr>
+          </a:p>
+        </p:txBody>
+      </p:sp>
+      <p:sp>
+        <p:nvSpPr>
+          <p:cNvPr id="2" name="Title 1"/>
+          <p:cNvSpPr>
+            <a:spLocks noGrp="1"/>
+          </p:cNvSpPr>
+          <p:nvPr>
+            <p:ph type="title"/>
+          </p:nvPr>
+        </p:nvSpPr>
+        <p:spPr>
+          <a:xfrm>
+            <a:off x="482600" y="643467"/>
+            <a:ext cx="2522980" cy="1597315"/>
+          </a:xfrm>
+          <a:noFill/>
+          <a:ln w="19050">
+            <a:solidFill>
+              <a:schemeClr val="bg1"/>
+            </a:solidFill>
+          </a:ln>
+        </p:spPr>
+        <p:txBody>
+          <a:bodyPr vert="horz" wrap="square" lIns="91440" tIns="45720" rIns="91440" bIns="45720" rtlCol="0" anchor="ctr">
+            <a:normAutofit/>
+          </a:bodyPr>
+          <a:lstStyle/>
+          <a:p>
+            <a:pPr defTabSz="914400" eaLnBrk="1" hangingPunct="1">
+              <a:lnSpc>
+                <a:spcPct val="90000"/>
+              </a:lnSpc>
+            </a:pPr>
+            <a:r>
+              <a:rPr lang="en-US" sz="2400" kern="1200" dirty="0">
+                <a:solidFill>
+                  <a:schemeClr val="bg1"/>
+                </a:solidFill>
+                <a:latin typeface="+mj-lt"/>
+                <a:ea typeface="+mj-ea"/>
+                <a:cs typeface="+mj-cs"/>
+              </a:rPr>
+              <a:t>Contingency Tables</a:t>
+            </a:r>
+          </a:p>
+        </p:txBody>
+      </p:sp>
+      <p:pic>
+        <p:nvPicPr>
+          <p:cNvPr id="8" name="Picture 7">
+            <a:extLst>
+              <a:ext uri="{FF2B5EF4-FFF2-40B4-BE49-F238E27FC236}">
+                <a16:creationId xmlns:a16="http://schemas.microsoft.com/office/drawing/2014/main" id="{521D4292-9ECC-4DA5-8CC0-C561A0DA118E}"/>
+              </a:ext>
+            </a:extLst>
+          </p:cNvPr>
+          <p:cNvPicPr>
+            <a:picLocks noChangeAspect="1"/>
+          </p:cNvPicPr>
+          <p:nvPr/>
+        </p:nvPicPr>
+        <p:blipFill rotWithShape="1">
+          <a:blip r:embed="rId3"/>
+          <a:srcRect l="8000" r="9400"/>
+          <a:stretch/>
+        </p:blipFill>
+        <p:spPr>
+          <a:xfrm>
+            <a:off x="660103" y="3048000"/>
+            <a:ext cx="2167974" cy="2624666"/>
+          </a:xfrm>
+          <a:prstGeom prst="rect">
+            <a:avLst/>
+          </a:prstGeom>
+          <a:noFill/>
+        </p:spPr>
+      </p:pic>
+      <p:sp>
+        <p:nvSpPr>
+          <p:cNvPr id="6" name="TextBox 5">
+            <a:extLst>
+              <a:ext uri="{FF2B5EF4-FFF2-40B4-BE49-F238E27FC236}">
+                <a16:creationId xmlns:a16="http://schemas.microsoft.com/office/drawing/2014/main" id="{E58EF064-51FF-48A9-8810-E84BE6F6F09D}"/>
+              </a:ext>
+            </a:extLst>
+          </p:cNvPr>
+          <p:cNvSpPr txBox="1"/>
+          <p:nvPr/>
+        </p:nvSpPr>
+        <p:spPr>
+          <a:xfrm>
+            <a:off x="3801229" y="621916"/>
+            <a:ext cx="5334000" cy="830997"/>
+          </a:xfrm>
+          <a:prstGeom prst="rect">
+            <a:avLst/>
+          </a:prstGeom>
+          <a:noFill/>
+        </p:spPr>
+        <p:txBody>
+          <a:bodyPr wrap="square" rtlCol="0">
+            <a:spAutoFit/>
+          </a:bodyPr>
+          <a:lstStyle/>
+          <a:p>
+            <a:pPr marL="342900" indent="-342900">
+              <a:buFont typeface="Arial" panose="020B0604020202020204" pitchFamily="34" charset="0"/>
+              <a:buChar char="•"/>
+            </a:pPr>
+            <a:r>
+              <a:rPr lang="en-US" dirty="0">
+                <a:solidFill>
+                  <a:srgbClr val="404040"/>
+                </a:solidFill>
+              </a:rPr>
+              <a:t>Create Table of Average Age</a:t>
+            </a:r>
+          </a:p>
+          <a:p>
+            <a:pPr marL="342900" indent="-342900">
+              <a:buFont typeface="Arial" panose="020B0604020202020204" pitchFamily="34" charset="0"/>
+              <a:buChar char="•"/>
+            </a:pPr>
+            <a:endParaRPr lang="en-US" dirty="0">
+              <a:solidFill>
+                <a:srgbClr val="404040"/>
+              </a:solidFill>
+            </a:endParaRPr>
+          </a:p>
+        </p:txBody>
+      </p:sp>
+      <p:pic>
+        <p:nvPicPr>
+          <p:cNvPr id="4" name="Picture 3">
+            <a:extLst>
+              <a:ext uri="{FF2B5EF4-FFF2-40B4-BE49-F238E27FC236}">
+                <a16:creationId xmlns:a16="http://schemas.microsoft.com/office/drawing/2014/main" id="{D8F6EF2A-CD59-364A-3D2D-B05E4EB27955}"/>
+              </a:ext>
+            </a:extLst>
+          </p:cNvPr>
+          <p:cNvPicPr>
+            <a:picLocks noChangeAspect="1"/>
+          </p:cNvPicPr>
+          <p:nvPr/>
+        </p:nvPicPr>
+        <p:blipFill>
+          <a:blip r:embed="rId4"/>
+          <a:stretch>
+            <a:fillRect/>
+          </a:stretch>
+        </p:blipFill>
+        <p:spPr>
+          <a:xfrm>
+            <a:off x="3581400" y="1143000"/>
+            <a:ext cx="3276600" cy="2462446"/>
+          </a:xfrm>
+          <a:prstGeom prst="rect">
+            <a:avLst/>
+          </a:prstGeom>
+          <a:ln w="28575">
+            <a:solidFill>
+              <a:srgbClr val="404040"/>
+            </a:solidFill>
+          </a:ln>
+        </p:spPr>
+      </p:pic>
+      <p:pic>
+        <p:nvPicPr>
+          <p:cNvPr id="9" name="Picture 8">
+            <a:extLst>
+              <a:ext uri="{FF2B5EF4-FFF2-40B4-BE49-F238E27FC236}">
+                <a16:creationId xmlns:a16="http://schemas.microsoft.com/office/drawing/2014/main" id="{7D7FE8EB-72AA-CC0C-7674-C1164CC33AEF}"/>
+              </a:ext>
+            </a:extLst>
+          </p:cNvPr>
+          <p:cNvPicPr>
+            <a:picLocks noChangeAspect="1"/>
+          </p:cNvPicPr>
+          <p:nvPr/>
+        </p:nvPicPr>
+        <p:blipFill>
+          <a:blip r:embed="rId5"/>
+          <a:stretch>
+            <a:fillRect/>
+          </a:stretch>
+        </p:blipFill>
+        <p:spPr>
+          <a:xfrm>
+            <a:off x="4934910" y="3886200"/>
+            <a:ext cx="4034577" cy="2815103"/>
+          </a:xfrm>
+          <a:prstGeom prst="rect">
+            <a:avLst/>
+          </a:prstGeom>
+          <a:ln w="28575">
+            <a:solidFill>
+              <a:srgbClr val="404040"/>
+            </a:solidFill>
+          </a:ln>
+        </p:spPr>
+      </p:pic>
+      <p:sp>
+        <p:nvSpPr>
+          <p:cNvPr id="10" name="Arrow: Bent 9">
+            <a:extLst>
+              <a:ext uri="{FF2B5EF4-FFF2-40B4-BE49-F238E27FC236}">
+                <a16:creationId xmlns:a16="http://schemas.microsoft.com/office/drawing/2014/main" id="{B5E7B1B9-9A68-9A72-67DD-C0BE9A5F5CEB}"/>
+              </a:ext>
+            </a:extLst>
+          </p:cNvPr>
+          <p:cNvSpPr/>
+          <p:nvPr/>
+        </p:nvSpPr>
+        <p:spPr>
+          <a:xfrm rot="5400000">
+            <a:off x="7048500" y="2882132"/>
+            <a:ext cx="838200" cy="914400"/>
+          </a:xfrm>
+          <a:prstGeom prst="bentArrow">
+            <a:avLst/>
+          </a:prstGeom>
+          <a:solidFill>
+            <a:srgbClr val="404040"/>
+          </a:solidFill>
+          <a:ln>
+            <a:solidFill>
+              <a:srgbClr val="404040"/>
+            </a:solidFill>
+          </a:ln>
+        </p:spPr>
+        <p:style>
+          <a:lnRef idx="2">
+            <a:schemeClr val="dk1"/>
+          </a:lnRef>
+          <a:fillRef idx="1">
+            <a:schemeClr val="lt1"/>
+          </a:fillRef>
+          <a:effectRef idx="0">
+            <a:schemeClr val="dk1"/>
+          </a:effectRef>
+          <a:fontRef idx="minor">
+            <a:schemeClr val="dk1"/>
+          </a:fontRef>
+        </p:style>
+        <p:txBody>
+          <a:bodyPr rtlCol="0" anchor="ctr"/>
+          <a:lstStyle/>
+          <a:p>
+            <a:pPr algn="ctr"/>
+            <a:endParaRPr lang="en-US">
+              <a:solidFill>
+                <a:schemeClr val="tx1"/>
+              </a:solidFill>
+            </a:endParaRPr>
+          </a:p>
+        </p:txBody>
+      </p:sp>
+    </p:spTree>
+    <p:custDataLst>
+      <p:tags r:id="rId1"/>
+    </p:custDataLst>
+    <p:extLst>
+      <p:ext uri="{BB962C8B-B14F-4D97-AF65-F5344CB8AC3E}">
+        <p14:creationId xmlns:p14="http://schemas.microsoft.com/office/powerpoint/2010/main" val="3132211611"/>
+      </p:ext>
+    </p:extLst>
+  </p:cSld>
+  <p:clrMapOvr>
+    <a:masterClrMapping/>
+  </p:clrMapOvr>
+</p:sld>
+</file>
+
+<file path=ppt/slides/slide12.xml><?xml version="1.0" encoding="utf-8"?>
+<p:sld xmlns:a="http://schemas.openxmlformats.org/drawingml/2006/main" xmlns:r="http://schemas.openxmlformats.org/officeDocument/2006/relationships" xmlns:p="http://schemas.openxmlformats.org/presentationml/2006/main">
+  <p:cSld>
+    <p:bg>
+      <p:bgPr>
+        <a:solidFill>
+          <a:schemeClr val="bg1">
+            <a:lumMod val="85000"/>
+          </a:schemeClr>
+        </a:solidFill>
+        <a:effectLst/>
+      </p:bgPr>
+    </p:bg>
+    <p:spTree>
+      <p:nvGrpSpPr>
+        <p:cNvPr id="1" name=""/>
+        <p:cNvGrpSpPr/>
+        <p:nvPr/>
+      </p:nvGrpSpPr>
+      <p:grpSpPr>
+        <a:xfrm>
+          <a:off x="0" y="0"/>
+          <a:ext cx="0" cy="0"/>
+          <a:chOff x="0" y="0"/>
+          <a:chExt cx="0" cy="0"/>
+        </a:xfrm>
+      </p:grpSpPr>
+      <p:sp>
+        <p:nvSpPr>
+          <p:cNvPr id="15" name="Rectangle 12">
+            <a:extLst>
+              <a:ext uri="{FF2B5EF4-FFF2-40B4-BE49-F238E27FC236}">
+                <a16:creationId xmlns:a16="http://schemas.microsoft.com/office/drawing/2014/main" id="{867D4867-5BA7-4462-B2F6-A23F4A622AA7}"/>
+              </a:ext>
+              <a:ext uri="{C183D7F6-B498-43B3-948B-1728B52AA6E4}">
+                <adec:decorative xmlns:adec="http://schemas.microsoft.com/office/drawing/2017/decorative" val="1"/>
+              </a:ext>
+            </a:extLst>
+          </p:cNvPr>
+          <p:cNvSpPr>
+            <a:spLocks noGrp="1" noRot="1" noChangeAspect="1" noMove="1" noResize="1" noEditPoints="1" noAdjustHandles="1" noChangeArrowheads="1" noChangeShapeType="1" noTextEdit="1"/>
+          </p:cNvSpPr>
+          <p:nvPr>
+            <p:extLst>
+              <p:ext uri="{386F3935-93C4-4BCD-93E2-E3B085C9AB24}">
+                <p16:designElem xmlns:p16="http://schemas.microsoft.com/office/powerpoint/2015/main" val="1"/>
+              </p:ext>
+            </p:extLst>
+          </p:nvPr>
+        </p:nvSpPr>
+        <p:spPr>
+          <a:xfrm>
+            <a:off x="0" y="0"/>
+            <a:ext cx="3490722" cy="6858000"/>
+          </a:xfrm>
+          <a:prstGeom prst="rect">
+            <a:avLst/>
+          </a:prstGeom>
+          <a:solidFill>
+            <a:schemeClr val="tx1">
+              <a:lumMod val="75000"/>
+              <a:lumOff val="25000"/>
+            </a:schemeClr>
+          </a:solidFill>
+          <a:ln>
+            <a:noFill/>
+          </a:ln>
+        </p:spPr>
+        <p:style>
+          <a:lnRef idx="0">
+            <a:scrgbClr r="0" g="0" b="0"/>
+          </a:lnRef>
+          <a:fillRef idx="0">
+            <a:scrgbClr r="0" g="0" b="0"/>
+          </a:fillRef>
+          <a:effectRef idx="0">
+            <a:scrgbClr r="0" g="0" b="0"/>
+          </a:effectRef>
+          <a:fontRef idx="minor">
+            <a:schemeClr val="lt1"/>
+          </a:fontRef>
+        </p:style>
+        <p:txBody>
+          <a:bodyPr rtlCol="0" anchor="ctr"/>
+          <a:lstStyle/>
+          <a:p>
             <a:pPr algn="ctr"/>
             <a:endParaRPr lang="en-US"/>
           </a:p>
@@ -11801,6 +12498,11 @@
           <a:prstGeom prst="rect">
             <a:avLst/>
           </a:prstGeom>
+          <a:ln w="28575">
+            <a:solidFill>
+              <a:srgbClr val="404040"/>
+            </a:solidFill>
+          </a:ln>
         </p:spPr>
       </p:pic>
       <p:sp>
@@ -11844,8 +12546,8 @@
           </a:p>
         </p:txBody>
       </p:sp>
-      <mc:AlternateContent xmlns:mc="http://schemas.openxmlformats.org/markup-compatibility/2006">
-        <mc:Choice xmlns:a14="http://schemas.microsoft.com/office/drawing/2010/main" Requires="a14">
+      <mc:AlternateContent xmlns:mc="http://schemas.openxmlformats.org/markup-compatibility/2006" xmlns:a14="http://schemas.microsoft.com/office/drawing/2010/main">
+        <mc:Choice Requires="a14">
           <p:sp>
             <p:nvSpPr>
               <p:cNvPr id="10" name="TextBox 9">
@@ -11874,6 +12576,7 @@
               </a:bodyPr>
               <a:lstStyle/>
               <a:p>
+                <a:pPr/>
                 <a14:m>
                   <m:oMathPara xmlns:m="http://schemas.openxmlformats.org/officeDocument/2006/math">
                     <m:oMathParaPr>
@@ -11894,7 +12597,7 @@
             </p:txBody>
           </p:sp>
         </mc:Choice>
-        <mc:Fallback>
+        <mc:Fallback xmlns="">
           <p:sp>
             <p:nvSpPr>
               <p:cNvPr id="10" name="TextBox 9">
@@ -12054,6 +12757,18 @@
 </file>
 
 <file path=ppt/tags/tag11.xml><?xml version="1.0" encoding="utf-8"?>
+<p:tagLst xmlns:a="http://schemas.openxmlformats.org/drawingml/2006/main" xmlns:r="http://schemas.openxmlformats.org/officeDocument/2006/relationships" xmlns:p="http://schemas.openxmlformats.org/presentationml/2006/main">
+  <p:tag name="DELIMITERS" val="3.1"/>
+</p:tagLst>
+</file>
+
+<file path=ppt/tags/tag12.xml><?xml version="1.0" encoding="utf-8"?>
+<p:tagLst xmlns:a="http://schemas.openxmlformats.org/drawingml/2006/main" xmlns:r="http://schemas.openxmlformats.org/officeDocument/2006/relationships" xmlns:p="http://schemas.openxmlformats.org/presentationml/2006/main">
+  <p:tag name="DELIMITERS" val="3.1"/>
+</p:tagLst>
+</file>
+
+<file path=ppt/tags/tag13.xml><?xml version="1.0" encoding="utf-8"?>
 <p:tagLst xmlns:a="http://schemas.openxmlformats.org/drawingml/2006/main" xmlns:r="http://schemas.openxmlformats.org/officeDocument/2006/relationships" xmlns:p="http://schemas.openxmlformats.org/presentationml/2006/main">
   <p:tag name="DELIMITERS" val="3.1"/>
 </p:tagLst>
